--- a/slides/01---Reproducible-Research.pptx
+++ b/slides/01---Reproducible-Research.pptx
@@ -35,15 +35,6 @@
     <p:sldId id="283" r:id="rId29"/>
     <p:sldId id="284" r:id="rId30"/>
     <p:sldId id="285" r:id="rId31"/>
-    <p:sldId id="286" r:id="rId32"/>
-    <p:sldId id="287" r:id="rId33"/>
-    <p:sldId id="288" r:id="rId34"/>
-    <p:sldId id="289" r:id="rId35"/>
-    <p:sldId id="290" r:id="rId36"/>
-    <p:sldId id="291" r:id="rId37"/>
-    <p:sldId id="292" r:id="rId38"/>
-    <p:sldId id="293" r:id="rId39"/>
-    <p:sldId id="294" r:id="rId40"/>
   </p:sldIdLst>
   <p:sldSz cx="9144000" cy="6858000" type="screen4x3"/>
   <p:notesSz cx="6858000" cy="9144000"/>
@@ -3285,15 +3276,31 @@
             </a:pPr>
             <a:r>
               <a:rPr/>
-              <a:t>Exercise</a:t>
-            </a:r>
-            <a:r>
-              <a:rPr/>
-              <a:t> </a:t>
-            </a:r>
-            <a:r>
-              <a:rPr/>
-              <a:t>2</a:t>
+              <a:t>Same</a:t>
+            </a:r>
+            <a:r>
+              <a:rPr/>
+              <a:t> </a:t>
+            </a:r>
+            <a:r>
+              <a:rPr/>
+              <a:t>example</a:t>
+            </a:r>
+            <a:r>
+              <a:rPr/>
+              <a:t> </a:t>
+            </a:r>
+            <a:r>
+              <a:rPr/>
+              <a:t>using</a:t>
+            </a:r>
+            <a:r>
+              <a:rPr/>
+              <a:t> </a:t>
+            </a:r>
+            <a:r>
+              <a:rPr/>
+              <a:t>pipes</a:t>
             </a:r>
           </a:p>
         </p:txBody>
@@ -3313,12 +3320,333 @@
           <a:bodyPr/>
           <a:lstStyle/>
           <a:p>
-            <a:pPr lvl="0" marL="0" indent="0">
+            <a:pPr lvl="0" indent="0">
               <a:buNone/>
             </a:pPr>
             <a:r>
-              <a:rPr/>
-              <a:t>Create a new project using RStudio functionality</a:t>
+              <a:rPr>
+                <a:latin typeface="Courier"/>
+              </a:rPr>
+              <a:t>my_morning </a:t>
+            </a:r>
+            <a:r>
+              <a:rPr>
+                <a:solidFill>
+                  <a:srgbClr val="007020"/>
+                </a:solidFill>
+                <a:latin typeface="Courier"/>
+              </a:rPr>
+              <a:t>&lt;-</a:t>
+            </a:r>
+            <a:r>
+              <a:rPr>
+                <a:latin typeface="Courier"/>
+              </a:rPr>
+              <a:t> I </a:t>
+            </a:r>
+            <a:r>
+              <a:rPr>
+                <a:solidFill>
+                  <a:srgbClr val="4070A0"/>
+                </a:solidFill>
+                <a:latin typeface="Courier"/>
+              </a:rPr>
+              <a:t>%&gt;%</a:t>
+            </a:r>
+            <a:br/>
+            <a:r>
+              <a:rPr>
+                <a:latin typeface="Courier"/>
+              </a:rPr>
+              <a:t>  </a:t>
+            </a:r>
+            <a:r>
+              <a:rPr>
+                <a:solidFill>
+                  <a:srgbClr val="06287E"/>
+                </a:solidFill>
+                <a:latin typeface="Courier"/>
+              </a:rPr>
+              <a:t>wake_up</a:t>
+            </a:r>
+            <a:r>
+              <a:rPr>
+                <a:latin typeface="Courier"/>
+              </a:rPr>
+              <a:t>(</a:t>
+            </a:r>
+            <a:r>
+              <a:rPr>
+                <a:solidFill>
+                  <a:srgbClr val="7D9029"/>
+                </a:solidFill>
+                <a:latin typeface="Courier"/>
+              </a:rPr>
+              <a:t>time =</a:t>
+            </a:r>
+            <a:r>
+              <a:rPr>
+                <a:latin typeface="Courier"/>
+              </a:rPr>
+              <a:t> </a:t>
+            </a:r>
+            <a:r>
+              <a:rPr>
+                <a:solidFill>
+                  <a:srgbClr val="4070A0"/>
+                </a:solidFill>
+                <a:latin typeface="Courier"/>
+              </a:rPr>
+              <a:t>"8:00"</a:t>
+            </a:r>
+            <a:r>
+              <a:rPr>
+                <a:latin typeface="Courier"/>
+              </a:rPr>
+              <a:t>) </a:t>
+            </a:r>
+            <a:r>
+              <a:rPr>
+                <a:solidFill>
+                  <a:srgbClr val="4070A0"/>
+                </a:solidFill>
+                <a:latin typeface="Courier"/>
+              </a:rPr>
+              <a:t>%&gt;%</a:t>
+            </a:r>
+            <a:br/>
+            <a:r>
+              <a:rPr>
+                <a:latin typeface="Courier"/>
+              </a:rPr>
+              <a:t>  </a:t>
+            </a:r>
+            <a:r>
+              <a:rPr>
+                <a:solidFill>
+                  <a:srgbClr val="06287E"/>
+                </a:solidFill>
+                <a:latin typeface="Courier"/>
+              </a:rPr>
+              <a:t>get_out_of_bed</a:t>
+            </a:r>
+            <a:r>
+              <a:rPr>
+                <a:latin typeface="Courier"/>
+              </a:rPr>
+              <a:t>(</a:t>
+            </a:r>
+            <a:r>
+              <a:rPr>
+                <a:solidFill>
+                  <a:srgbClr val="7D9029"/>
+                </a:solidFill>
+                <a:latin typeface="Courier"/>
+              </a:rPr>
+              <a:t>side =</a:t>
+            </a:r>
+            <a:r>
+              <a:rPr>
+                <a:latin typeface="Courier"/>
+              </a:rPr>
+              <a:t> </a:t>
+            </a:r>
+            <a:r>
+              <a:rPr>
+                <a:solidFill>
+                  <a:srgbClr val="4070A0"/>
+                </a:solidFill>
+                <a:latin typeface="Courier"/>
+              </a:rPr>
+              <a:t>"correct"</a:t>
+            </a:r>
+            <a:r>
+              <a:rPr>
+                <a:latin typeface="Courier"/>
+              </a:rPr>
+              <a:t>) </a:t>
+            </a:r>
+            <a:r>
+              <a:rPr>
+                <a:solidFill>
+                  <a:srgbClr val="4070A0"/>
+                </a:solidFill>
+                <a:latin typeface="Courier"/>
+              </a:rPr>
+              <a:t>%&gt;%</a:t>
+            </a:r>
+            <a:br/>
+            <a:r>
+              <a:rPr>
+                <a:latin typeface="Courier"/>
+              </a:rPr>
+              <a:t>  </a:t>
+            </a:r>
+            <a:r>
+              <a:rPr>
+                <a:solidFill>
+                  <a:srgbClr val="06287E"/>
+                </a:solidFill>
+                <a:latin typeface="Courier"/>
+              </a:rPr>
+              <a:t>get_dressed</a:t>
+            </a:r>
+            <a:r>
+              <a:rPr>
+                <a:latin typeface="Courier"/>
+              </a:rPr>
+              <a:t>(</a:t>
+            </a:r>
+            <a:r>
+              <a:rPr>
+                <a:solidFill>
+                  <a:srgbClr val="7D9029"/>
+                </a:solidFill>
+                <a:latin typeface="Courier"/>
+              </a:rPr>
+              <a:t>pants =</a:t>
+            </a:r>
+            <a:r>
+              <a:rPr>
+                <a:latin typeface="Courier"/>
+              </a:rPr>
+              <a:t> </a:t>
+            </a:r>
+            <a:r>
+              <a:rPr>
+                <a:solidFill>
+                  <a:srgbClr val="880000"/>
+                </a:solidFill>
+                <a:latin typeface="Courier"/>
+              </a:rPr>
+              <a:t>TRUE</a:t>
+            </a:r>
+            <a:r>
+              <a:rPr>
+                <a:latin typeface="Courier"/>
+              </a:rPr>
+              <a:t>, </a:t>
+            </a:r>
+            <a:r>
+              <a:rPr>
+                <a:solidFill>
+                  <a:srgbClr val="7D9029"/>
+                </a:solidFill>
+                <a:latin typeface="Courier"/>
+              </a:rPr>
+              <a:t>shirt =</a:t>
+            </a:r>
+            <a:r>
+              <a:rPr>
+                <a:latin typeface="Courier"/>
+              </a:rPr>
+              <a:t> </a:t>
+            </a:r>
+            <a:r>
+              <a:rPr>
+                <a:solidFill>
+                  <a:srgbClr val="880000"/>
+                </a:solidFill>
+                <a:latin typeface="Courier"/>
+              </a:rPr>
+              <a:t>TRUE</a:t>
+            </a:r>
+            <a:r>
+              <a:rPr>
+                <a:latin typeface="Courier"/>
+              </a:rPr>
+              <a:t>) </a:t>
+            </a:r>
+            <a:r>
+              <a:rPr>
+                <a:solidFill>
+                  <a:srgbClr val="4070A0"/>
+                </a:solidFill>
+                <a:latin typeface="Courier"/>
+              </a:rPr>
+              <a:t>%&gt;%</a:t>
+            </a:r>
+            <a:br/>
+            <a:r>
+              <a:rPr>
+                <a:latin typeface="Courier"/>
+              </a:rPr>
+              <a:t>  </a:t>
+            </a:r>
+            <a:r>
+              <a:rPr>
+                <a:solidFill>
+                  <a:srgbClr val="06287E"/>
+                </a:solidFill>
+                <a:latin typeface="Courier"/>
+              </a:rPr>
+              <a:t>leave_house</a:t>
+            </a:r>
+            <a:r>
+              <a:rPr>
+                <a:latin typeface="Courier"/>
+              </a:rPr>
+              <a:t>(</a:t>
+            </a:r>
+            <a:r>
+              <a:rPr>
+                <a:solidFill>
+                  <a:srgbClr val="7D9029"/>
+                </a:solidFill>
+                <a:latin typeface="Courier"/>
+              </a:rPr>
+              <a:t>car =</a:t>
+            </a:r>
+            <a:r>
+              <a:rPr>
+                <a:latin typeface="Courier"/>
+              </a:rPr>
+              <a:t> </a:t>
+            </a:r>
+            <a:r>
+              <a:rPr>
+                <a:solidFill>
+                  <a:srgbClr val="880000"/>
+                </a:solidFill>
+                <a:latin typeface="Courier"/>
+              </a:rPr>
+              <a:t>TRUE</a:t>
+            </a:r>
+            <a:r>
+              <a:rPr>
+                <a:latin typeface="Courier"/>
+              </a:rPr>
+              <a:t>, </a:t>
+            </a:r>
+            <a:r>
+              <a:rPr>
+                <a:solidFill>
+                  <a:srgbClr val="7D9029"/>
+                </a:solidFill>
+                <a:latin typeface="Courier"/>
+              </a:rPr>
+              <a:t>bike =</a:t>
+            </a:r>
+            <a:r>
+              <a:rPr>
+                <a:latin typeface="Courier"/>
+              </a:rPr>
+              <a:t> </a:t>
+            </a:r>
+            <a:r>
+              <a:rPr>
+                <a:solidFill>
+                  <a:srgbClr val="880000"/>
+                </a:solidFill>
+                <a:latin typeface="Courier"/>
+              </a:rPr>
+              <a:t>FALSE</a:t>
+            </a:r>
+            <a:r>
+              <a:rPr>
+                <a:latin typeface="Courier"/>
+              </a:rPr>
+              <a:t>)</a:t>
             </a:r>
           </a:p>
         </p:txBody>
@@ -3365,23 +3693,39 @@
             </a:pPr>
             <a:r>
               <a:rPr/>
-              <a:t>Exercise</a:t>
-            </a:r>
-            <a:r>
-              <a:rPr/>
-              <a:t> </a:t>
-            </a:r>
-            <a:r>
-              <a:rPr/>
-              <a:t>2</a:t>
-            </a:r>
-            <a:r>
-              <a:rPr/>
-              <a:t> </a:t>
-            </a:r>
-            <a:r>
-              <a:rPr/>
-              <a:t>Comments</a:t>
+              <a:t>Develop</a:t>
+            </a:r>
+            <a:r>
+              <a:rPr/>
+              <a:t> </a:t>
+            </a:r>
+            <a:r>
+              <a:rPr/>
+              <a:t>a</a:t>
+            </a:r>
+            <a:r>
+              <a:rPr/>
+              <a:t> </a:t>
+            </a:r>
+            <a:r>
+              <a:rPr/>
+              <a:t>standard</a:t>
+            </a:r>
+            <a:r>
+              <a:rPr/>
+              <a:t> </a:t>
+            </a:r>
+            <a:r>
+              <a:rPr/>
+              <a:t>project</a:t>
+            </a:r>
+            <a:r>
+              <a:rPr/>
+              <a:t> </a:t>
+            </a:r>
+            <a:r>
+              <a:rPr/>
+              <a:t>structure</a:t>
             </a:r>
           </a:p>
         </p:txBody>
@@ -3403,22 +3747,43 @@
           <a:p>
             <a:pPr lvl="1"/>
             <a:r>
-              <a:rPr/>
-              <a:t>RStudio projects can be easily closed and re-opened, preserving your work at a given time</a:t>
+              <a:rPr b="1"/>
+              <a:t>Put each project in its own directory, which is named after the project</a:t>
             </a:r>
           </a:p>
           <a:p>
             <a:pPr lvl="1"/>
             <a:r>
               <a:rPr/>
-              <a:t>RStudio projects can also help with directory organization</a:t>
-            </a:r>
-          </a:p>
-          <a:p>
-            <a:pPr lvl="2"/>
-            <a:r>
-              <a:rPr/>
-              <a:t>Working dir = project dir (unless otherwise explicitly specified)</a:t>
+              <a:t>Put text documents associated with the project in the doc directory</a:t>
+            </a:r>
+          </a:p>
+          <a:p>
+            <a:pPr lvl="1"/>
+            <a:r>
+              <a:rPr b="1"/>
+              <a:t>Put raw data and metadata in a data directory and files generated during cleanup and analysis in a results directory</a:t>
+            </a:r>
+          </a:p>
+          <a:p>
+            <a:pPr lvl="1"/>
+            <a:r>
+              <a:rPr/>
+              <a:t>Put project source code in the src directory</a:t>
+            </a:r>
+          </a:p>
+          <a:p>
+            <a:pPr lvl="1"/>
+            <a:r>
+              <a:rPr/>
+              <a:t>Put compiled programs in the bin directory</a:t>
+            </a:r>
+          </a:p>
+          <a:p>
+            <a:pPr lvl="1"/>
+            <a:r>
+              <a:rPr b="1"/>
+              <a:t>Name all files to reflect their content or function</a:t>
             </a:r>
           </a:p>
         </p:txBody>
@@ -3465,63 +3830,15 @@
             </a:pPr>
             <a:r>
               <a:rPr/>
-              <a:t>Create</a:t>
-            </a:r>
-            <a:r>
-              <a:rPr/>
-              <a:t> </a:t>
-            </a:r>
-            <a:r>
-              <a:rPr/>
-              <a:t>a</a:t>
-            </a:r>
-            <a:r>
-              <a:rPr/>
-              <a:t> </a:t>
-            </a:r>
-            <a:r>
-              <a:rPr/>
-              <a:t>data</a:t>
-            </a:r>
-            <a:r>
-              <a:rPr/>
-              <a:t> </a:t>
-            </a:r>
-            <a:r>
-              <a:rPr/>
-              <a:t>directory</a:t>
-            </a:r>
-            <a:r>
-              <a:rPr/>
-              <a:t> </a:t>
-            </a:r>
-            <a:r>
-              <a:rPr/>
-              <a:t>and</a:t>
-            </a:r>
-            <a:r>
-              <a:rPr/>
-              <a:t> </a:t>
-            </a:r>
-            <a:r>
-              <a:rPr/>
-              <a:t>a</a:t>
-            </a:r>
-            <a:r>
-              <a:rPr/>
-              <a:t> </a:t>
-            </a:r>
-            <a:r>
-              <a:rPr/>
-              <a:t>results</a:t>
-            </a:r>
-            <a:r>
-              <a:rPr/>
-              <a:t> </a:t>
-            </a:r>
-            <a:r>
-              <a:rPr/>
-              <a:t>directory</a:t>
+              <a:t>Exercise</a:t>
+            </a:r>
+            <a:r>
+              <a:rPr/>
+              <a:t> </a:t>
+            </a:r>
+            <a:r>
+              <a:rPr/>
+              <a:t>1</a:t>
             </a:r>
           </a:p>
         </p:txBody>
@@ -3541,70 +3858,12 @@
           <a:bodyPr/>
           <a:lstStyle/>
           <a:p>
-            <a:pPr lvl="1"/>
-            <a:r>
-              <a:rPr/>
-              <a:t>Using programming languages (as opposed to Excel) can help separate analysis from data</a:t>
-            </a:r>
-          </a:p>
-          <a:p>
-            <a:pPr lvl="2"/>
-            <a:r>
-              <a:rPr/>
-              <a:t>Cannot trace what happened to data if overwritten during analysis</a:t>
-            </a:r>
-          </a:p>
-          <a:p>
-            <a:pPr lvl="1"/>
-            <a:r>
-              <a:rPr/>
-              <a:t>Raw data in </a:t>
-            </a:r>
-            <a:r>
-              <a:rPr b="1"/>
-              <a:t>data</a:t>
-            </a:r>
-            <a:r>
-              <a:rPr/>
-              <a:t> directory</a:t>
-            </a:r>
-          </a:p>
-          <a:p>
-            <a:pPr lvl="1"/>
-            <a:r>
-              <a:rPr/>
-              <a:t>Results from analysis in </a:t>
-            </a:r>
-            <a:r>
-              <a:rPr b="1"/>
-              <a:t>results</a:t>
-            </a:r>
-            <a:r>
-              <a:rPr/>
-              <a:t> or </a:t>
-            </a:r>
-            <a:r>
-              <a:rPr b="1"/>
-              <a:t>output</a:t>
-            </a:r>
-            <a:r>
-              <a:rPr/>
-              <a:t> directory</a:t>
-            </a:r>
-          </a:p>
-          <a:p>
-            <a:pPr lvl="1"/>
-            <a:r>
-              <a:rPr/>
-              <a:t>May want to separate out source code (</a:t>
-            </a:r>
-            <a:r>
-              <a:rPr b="1"/>
-              <a:t>src</a:t>
-            </a:r>
-            <a:r>
-              <a:rPr/>
-              <a:t> directory), figures, and documents (eg. manuscripts) as well</a:t>
+            <a:pPr lvl="0" marL="0" indent="0">
+              <a:buNone/>
+            </a:pPr>
+            <a:r>
+              <a:rPr/>
+              <a:t>Navigate your directory structure</a:t>
             </a:r>
           </a:p>
         </p:txBody>
@@ -3651,15 +3910,73 @@
             </a:pPr>
             <a:r>
               <a:rPr/>
-              <a:t>Exericse</a:t>
-            </a:r>
-            <a:r>
-              <a:rPr/>
-              <a:t> </a:t>
-            </a:r>
-            <a:r>
-              <a:rPr/>
-              <a:t>3</a:t>
+              <a:t>fs</a:t>
+            </a:r>
+            <a:r>
+              <a:rPr/>
+              <a:t> </a:t>
+            </a:r>
+            <a:r>
+              <a:rPr/>
+              <a:t>package:</a:t>
+            </a:r>
+            <a:r>
+              <a:rPr/>
+              <a:t> </a:t>
+            </a:r>
+            <a:r>
+              <a:rPr>
+                <a:latin typeface="Courier"/>
+              </a:rPr>
+              <a:t>dir_ls</a:t>
+            </a:r>
+            <a:r>
+              <a:rPr/>
+              <a:t> </a:t>
+            </a:r>
+            <a:r>
+              <a:rPr/>
+              <a:t>to</a:t>
+            </a:r>
+            <a:r>
+              <a:rPr/>
+              <a:t> </a:t>
+            </a:r>
+            <a:r>
+              <a:rPr/>
+              <a:t>list</a:t>
+            </a:r>
+            <a:r>
+              <a:rPr/>
+              <a:t> </a:t>
+            </a:r>
+            <a:r>
+              <a:rPr/>
+              <a:t>files</a:t>
+            </a:r>
+            <a:r>
+              <a:rPr/>
+              <a:t> </a:t>
+            </a:r>
+            <a:r>
+              <a:rPr/>
+              <a:t>in</a:t>
+            </a:r>
+            <a:r>
+              <a:rPr/>
+              <a:t> </a:t>
+            </a:r>
+            <a:r>
+              <a:rPr/>
+              <a:t>a</a:t>
+            </a:r>
+            <a:r>
+              <a:rPr/>
+              <a:t> </a:t>
+            </a:r>
+            <a:r>
+              <a:rPr/>
+              <a:t>directory</a:t>
             </a:r>
           </a:p>
         </p:txBody>
@@ -3679,12 +3996,70 @@
           <a:bodyPr/>
           <a:lstStyle/>
           <a:p>
-            <a:pPr lvl="0" marL="0" indent="0">
+            <a:pPr lvl="0" indent="0">
               <a:buNone/>
             </a:pPr>
             <a:r>
-              <a:rPr/>
-              <a:t>Create a minimal project structure</a:t>
+              <a:rPr>
+                <a:solidFill>
+                  <a:srgbClr val="06287E"/>
+                </a:solidFill>
+                <a:latin typeface="Courier"/>
+              </a:rPr>
+              <a:t>library</a:t>
+            </a:r>
+            <a:r>
+              <a:rPr>
+                <a:latin typeface="Courier"/>
+              </a:rPr>
+              <a:t>(fs)</a:t>
+            </a:r>
+            <a:br/>
+            <a:r>
+              <a:rPr>
+                <a:solidFill>
+                  <a:srgbClr val="06287E"/>
+                </a:solidFill>
+                <a:latin typeface="Courier"/>
+              </a:rPr>
+              <a:t>dir_ls</a:t>
+            </a:r>
+            <a:r>
+              <a:rPr>
+                <a:latin typeface="Courier"/>
+              </a:rPr>
+              <a:t>(</a:t>
+            </a:r>
+            <a:r>
+              <a:rPr>
+                <a:solidFill>
+                  <a:srgbClr val="4070A0"/>
+                </a:solidFill>
+                <a:latin typeface="Courier"/>
+              </a:rPr>
+              <a:t>"data"</a:t>
+            </a:r>
+            <a:r>
+              <a:rPr>
+                <a:latin typeface="Courier"/>
+              </a:rPr>
+              <a:t>)</a:t>
+            </a:r>
+          </a:p>
+          <a:p>
+            <a:pPr lvl="0" indent="0">
+              <a:buNone/>
+            </a:pPr>
+            <a:r>
+              <a:rPr>
+                <a:latin typeface="Courier"/>
+              </a:rPr>
+              <a:t>## /Users/patrickmathias/src/MSACL-intermediate-R-course/data/2017-01-06_b.csv
+## /Users/patrickmathias/src/MSACL-intermediate-R-course/data/2017-01-06_p.csv
+## /Users/patrickmathias/src/MSACL-intermediate-R-course/data/2017-01-06_s.csv
+## /Users/patrickmathias/src/MSACL-intermediate-R-course/data/2017-02-06_b.csv
+## /Users/patrickmathias/src/MSACL-intermediate-R-course/data/2017-02-06_p.csv
+## /Users/patrickmathias/src/MSACL-intermediate-R-course/data/2017-02-06_s.csv</a:t>
             </a:r>
           </a:p>
         </p:txBody>
@@ -3731,23 +4106,63 @@
             </a:pPr>
             <a:r>
               <a:rPr/>
-              <a:t>Exercise</a:t>
-            </a:r>
-            <a:r>
-              <a:rPr/>
-              <a:t> </a:t>
-            </a:r>
-            <a:r>
-              <a:rPr/>
-              <a:t>3</a:t>
-            </a:r>
-            <a:r>
-              <a:rPr/>
-              <a:t> </a:t>
-            </a:r>
-            <a:r>
-              <a:rPr/>
-              <a:t>Comments</a:t>
+              <a:t>Find</a:t>
+            </a:r>
+            <a:r>
+              <a:rPr/>
+              <a:t> </a:t>
+            </a:r>
+            <a:r>
+              <a:rPr/>
+              <a:t>files</a:t>
+            </a:r>
+            <a:r>
+              <a:rPr/>
+              <a:t> </a:t>
+            </a:r>
+            <a:r>
+              <a:rPr/>
+              <a:t>with</a:t>
+            </a:r>
+            <a:r>
+              <a:rPr/>
+              <a:t> </a:t>
+            </a:r>
+            <a:r>
+              <a:rPr/>
+              <a:t>a</a:t>
+            </a:r>
+            <a:r>
+              <a:rPr/>
+              <a:t> </a:t>
+            </a:r>
+            <a:r>
+              <a:rPr/>
+              <a:t>specific</a:t>
+            </a:r>
+            <a:r>
+              <a:rPr/>
+              <a:t> </a:t>
+            </a:r>
+            <a:r>
+              <a:rPr/>
+              <a:t>extension</a:t>
+            </a:r>
+            <a:r>
+              <a:rPr/>
+              <a:t> </a:t>
+            </a:r>
+            <a:r>
+              <a:rPr/>
+              <a:t>or</a:t>
+            </a:r>
+            <a:r>
+              <a:rPr/>
+              <a:t> </a:t>
+            </a:r>
+            <a:r>
+              <a:rPr/>
+              <a:t>pattern</a:t>
             </a:r>
           </a:p>
         </p:txBody>
@@ -3767,29 +4182,99 @@
           <a:bodyPr/>
           <a:lstStyle/>
           <a:p>
-            <a:pPr lvl="1"/>
-            <a:r>
-              <a:rPr/>
-              <a:t>Can convert code into a function that will build project structure for you </a:t>
-            </a:r>
-            <a:r>
-              <a:rPr>
-                <a:hlinkClick r:id="rId2"/>
-              </a:rPr>
-              <a:t>Refresher on writing functions</a:t>
-            </a:r>
-          </a:p>
-          <a:p>
-            <a:pPr lvl="1"/>
-            <a:r>
-              <a:rPr/>
-              <a:t>Alternately, use an existing package to create your project structure: eg. </a:t>
-            </a:r>
-            <a:r>
-              <a:rPr>
-                <a:hlinkClick r:id="rId3"/>
-              </a:rPr>
-              <a:t>Project Template</a:t>
+            <a:pPr lvl="0" indent="0">
+              <a:buNone/>
+            </a:pPr>
+            <a:r>
+              <a:rPr>
+                <a:solidFill>
+                  <a:srgbClr val="06287E"/>
+                </a:solidFill>
+                <a:latin typeface="Courier"/>
+              </a:rPr>
+              <a:t>dir_ls</a:t>
+            </a:r>
+            <a:r>
+              <a:rPr>
+                <a:latin typeface="Courier"/>
+              </a:rPr>
+              <a:t>(</a:t>
+            </a:r>
+            <a:r>
+              <a:rPr>
+                <a:solidFill>
+                  <a:srgbClr val="7D9029"/>
+                </a:solidFill>
+                <a:latin typeface="Courier"/>
+              </a:rPr>
+              <a:t>path =</a:t>
+            </a:r>
+            <a:r>
+              <a:rPr>
+                <a:latin typeface="Courier"/>
+              </a:rPr>
+              <a:t> </a:t>
+            </a:r>
+            <a:r>
+              <a:rPr>
+                <a:solidFill>
+                  <a:srgbClr val="4070A0"/>
+                </a:solidFill>
+                <a:latin typeface="Courier"/>
+              </a:rPr>
+              <a:t>"data"</a:t>
+            </a:r>
+            <a:r>
+              <a:rPr>
+                <a:latin typeface="Courier"/>
+              </a:rPr>
+              <a:t>, </a:t>
+            </a:r>
+            <a:r>
+              <a:rPr>
+                <a:solidFill>
+                  <a:srgbClr val="7D9029"/>
+                </a:solidFill>
+                <a:latin typeface="Courier"/>
+              </a:rPr>
+              <a:t>glob =</a:t>
+            </a:r>
+            <a:r>
+              <a:rPr>
+                <a:latin typeface="Courier"/>
+              </a:rPr>
+              <a:t> </a:t>
+            </a:r>
+            <a:r>
+              <a:rPr>
+                <a:solidFill>
+                  <a:srgbClr val="4070A0"/>
+                </a:solidFill>
+                <a:latin typeface="Courier"/>
+              </a:rPr>
+              <a:t>"*_s.csv"</a:t>
+            </a:r>
+            <a:r>
+              <a:rPr>
+                <a:latin typeface="Courier"/>
+              </a:rPr>
+              <a:t>)</a:t>
+            </a:r>
+          </a:p>
+          <a:p>
+            <a:pPr lvl="0" indent="0">
+              <a:buNone/>
+            </a:pPr>
+            <a:r>
+              <a:rPr>
+                <a:latin typeface="Courier"/>
+              </a:rPr>
+              <a:t>## /Users/patrickmathias/src/MSACL-intermediate-R-course/data/2017-01-06_s.csv
+## /Users/patrickmathias/src/MSACL-intermediate-R-course/data/2017-02-06_s.csv
+## /Users/patrickmathias/src/MSACL-intermediate-R-course/data/2017-03-09_s.csv
+## /Users/patrickmathias/src/MSACL-intermediate-R-course/data/2017-04-08_s.csv
+## /Users/patrickmathias/src/MSACL-intermediate-R-course/data/2017-05-09_s.csv
+## /Users/patrickmathias/src/MSACL-intermediate-R-course/data/2017-06-08_s.csv</a:t>
             </a:r>
           </a:p>
         </p:txBody>
@@ -3836,87 +4321,33 @@
             </a:pPr>
             <a:r>
               <a:rPr/>
-              <a:t>Name</a:t>
-            </a:r>
-            <a:r>
-              <a:rPr/>
-              <a:t> </a:t>
-            </a:r>
-            <a:r>
-              <a:rPr/>
-              <a:t>all</a:t>
-            </a:r>
-            <a:r>
-              <a:rPr/>
-              <a:t> </a:t>
-            </a:r>
-            <a:r>
-              <a:rPr/>
-              <a:t>files</a:t>
-            </a:r>
-            <a:r>
-              <a:rPr/>
-              <a:t> </a:t>
-            </a:r>
-            <a:r>
-              <a:rPr/>
-              <a:t>(and</a:t>
-            </a:r>
-            <a:r>
-              <a:rPr/>
-              <a:t> </a:t>
-            </a:r>
-            <a:r>
-              <a:rPr/>
-              <a:t>variables)</a:t>
-            </a:r>
-            <a:r>
-              <a:rPr/>
-              <a:t> </a:t>
-            </a:r>
-            <a:r>
-              <a:rPr/>
-              <a:t>to</a:t>
-            </a:r>
-            <a:r>
-              <a:rPr/>
-              <a:t> </a:t>
-            </a:r>
-            <a:r>
-              <a:rPr/>
-              <a:t>reflect</a:t>
-            </a:r>
-            <a:r>
-              <a:rPr/>
-              <a:t> </a:t>
-            </a:r>
-            <a:r>
-              <a:rPr/>
-              <a:t>their</a:t>
-            </a:r>
-            <a:r>
-              <a:rPr/>
-              <a:t> </a:t>
-            </a:r>
-            <a:r>
-              <a:rPr/>
-              <a:t>content</a:t>
-            </a:r>
-            <a:r>
-              <a:rPr/>
-              <a:t> </a:t>
-            </a:r>
-            <a:r>
-              <a:rPr/>
-              <a:t>or</a:t>
-            </a:r>
-            <a:r>
-              <a:rPr/>
-              <a:t> </a:t>
-            </a:r>
-            <a:r>
-              <a:rPr/>
-              <a:t>function</a:t>
+              <a:t>Create</a:t>
+            </a:r>
+            <a:r>
+              <a:rPr/>
+              <a:t> </a:t>
+            </a:r>
+            <a:r>
+              <a:rPr/>
+              <a:t>directory</a:t>
+            </a:r>
+            <a:r>
+              <a:rPr/>
+              <a:t> </a:t>
+            </a:r>
+            <a:r>
+              <a:rPr/>
+              <a:t>with</a:t>
+            </a:r>
+            <a:r>
+              <a:rPr/>
+              <a:t> </a:t>
+            </a:r>
+            <a:r>
+              <a:rPr>
+                <a:latin typeface="Courier"/>
+              </a:rPr>
+              <a:t>dir_create</a:t>
             </a:r>
           </a:p>
         </p:txBody>
@@ -3939,49 +4370,73 @@
             <a:pPr lvl="1"/>
             <a:r>
               <a:rPr/>
-              <a:t>Compare the following names:</a:t>
-            </a:r>
-          </a:p>
-          <a:p>
-            <a:pPr lvl="2"/>
-            <a:r>
-              <a:rPr/>
-              <a:t>results.csv</a:t>
-            </a:r>
-          </a:p>
-          <a:p>
-            <a:pPr lvl="2"/>
-            <a:r>
-              <a:rPr/>
-              <a:t>morphine_precision_results.csv</a:t>
-            </a:r>
-          </a:p>
-          <a:p>
-            <a:pPr lvl="1"/>
-            <a:r>
-              <a:rPr/>
-              <a:t>Avoid sequential numerical names: what happens to figure2.jpg and figure3.jpg if you need to insert a figure between them in the manuscript?</a:t>
-            </a:r>
-          </a:p>
-          <a:p>
-            <a:pPr lvl="1"/>
-            <a:r>
-              <a:rPr b="1"/>
-              <a:t>Pro tip: avoid white space and camel case (upper and lower case) in names</a:t>
-            </a:r>
-          </a:p>
-          <a:p>
-            <a:pPr lvl="2"/>
-            <a:r>
-              <a:rPr/>
-              <a:t>More efficient to type all lower case</a:t>
-            </a:r>
-          </a:p>
-          <a:p>
-            <a:pPr lvl="2"/>
-            <a:r>
-              <a:rPr/>
-              <a:t>Ambiguity about whether you used white space or not</a:t>
+              <a:t>Optional exercise: create a projects directory</a:t>
+            </a:r>
+          </a:p>
+          <a:p>
+            <a:pPr lvl="0" indent="0">
+              <a:buNone/>
+            </a:pPr>
+            <a:r>
+              <a:rPr>
+                <a:solidFill>
+                  <a:srgbClr val="06287E"/>
+                </a:solidFill>
+                <a:latin typeface="Courier"/>
+              </a:rPr>
+              <a:t>dir_create</a:t>
+            </a:r>
+            <a:r>
+              <a:rPr>
+                <a:latin typeface="Courier"/>
+              </a:rPr>
+              <a:t>(</a:t>
+            </a:r>
+            <a:r>
+              <a:rPr>
+                <a:solidFill>
+                  <a:srgbClr val="4070A0"/>
+                </a:solidFill>
+                <a:latin typeface="Courier"/>
+              </a:rPr>
+              <a:t>"Projects"</a:t>
+            </a:r>
+            <a:r>
+              <a:rPr>
+                <a:latin typeface="Courier"/>
+              </a:rPr>
+              <a:t>)</a:t>
+            </a:r>
+            <a:br/>
+            <a:r>
+              <a:rPr>
+                <a:solidFill>
+                  <a:srgbClr val="06287E"/>
+                </a:solidFill>
+                <a:latin typeface="Courier"/>
+              </a:rPr>
+              <a:t>setwd</a:t>
+            </a:r>
+            <a:r>
+              <a:rPr>
+                <a:latin typeface="Courier"/>
+              </a:rPr>
+              <a:t>(</a:t>
+            </a:r>
+            <a:r>
+              <a:rPr>
+                <a:solidFill>
+                  <a:srgbClr val="4070A0"/>
+                </a:solidFill>
+                <a:latin typeface="Courier"/>
+              </a:rPr>
+              <a:t>"/Projects"</a:t>
+            </a:r>
+            <a:r>
+              <a:rPr>
+                <a:latin typeface="Courier"/>
+              </a:rPr>
+              <a:t>)</a:t>
             </a:r>
           </a:p>
         </p:txBody>
@@ -4028,47 +4483,15 @@
             </a:pPr>
             <a:r>
               <a:rPr/>
-              <a:t>Adopt</a:t>
-            </a:r>
-            <a:r>
-              <a:rPr/>
-              <a:t> </a:t>
-            </a:r>
-            <a:r>
-              <a:rPr/>
-              <a:t>a</a:t>
-            </a:r>
-            <a:r>
-              <a:rPr/>
-              <a:t> </a:t>
-            </a:r>
-            <a:r>
-              <a:rPr/>
-              <a:t>style</a:t>
-            </a:r>
-            <a:r>
-              <a:rPr/>
-              <a:t> </a:t>
-            </a:r>
-            <a:r>
-              <a:rPr/>
-              <a:t>convention</a:t>
-            </a:r>
-            <a:r>
-              <a:rPr/>
-              <a:t> </a:t>
-            </a:r>
-            <a:r>
-              <a:rPr/>
-              <a:t>for</a:t>
-            </a:r>
-            <a:r>
-              <a:rPr/>
-              <a:t> </a:t>
-            </a:r>
-            <a:r>
-              <a:rPr/>
-              <a:t>coding</a:t>
+              <a:t>Exercise</a:t>
+            </a:r>
+            <a:r>
+              <a:rPr/>
+              <a:t> </a:t>
+            </a:r>
+            <a:r>
+              <a:rPr/>
+              <a:t>2</a:t>
             </a:r>
           </a:p>
         </p:txBody>
@@ -4088,30 +4511,12 @@
           <a:bodyPr/>
           <a:lstStyle/>
           <a:p>
-            <a:pPr lvl="1"/>
-            <a:r>
-              <a:rPr/>
-              <a:t>Consistent style makes it easier for others (and yourself to read code)</a:t>
-            </a:r>
-          </a:p>
-          <a:p>
-            <a:pPr lvl="1"/>
-            <a:r>
-              <a:rPr/>
-              <a:t>Tidyverse style guide: </a:t>
-            </a:r>
-            <a:r>
-              <a:rPr>
-                <a:hlinkClick r:id="rId2"/>
-              </a:rPr>
-              <a:t>http://style.tidyverse.org/</a:t>
-            </a:r>
-          </a:p>
-          <a:p>
-            <a:pPr lvl="1"/>
-            <a:r>
-              <a:rPr/>
-              <a:t>styler and lintr packages can style a code chunk or document for you</a:t>
+            <a:pPr lvl="0" marL="0" indent="0">
+              <a:buNone/>
+            </a:pPr>
+            <a:r>
+              <a:rPr/>
+              <a:t>Create a new project using RStudio functionality</a:t>
             </a:r>
           </a:p>
         </p:txBody>
@@ -4158,47 +4563,23 @@
             </a:pPr>
             <a:r>
               <a:rPr/>
-              <a:t>Adopt</a:t>
-            </a:r>
-            <a:r>
-              <a:rPr/>
-              <a:t> </a:t>
-            </a:r>
-            <a:r>
-              <a:rPr/>
-              <a:t>a</a:t>
-            </a:r>
-            <a:r>
-              <a:rPr/>
-              <a:t> </a:t>
-            </a:r>
-            <a:r>
-              <a:rPr/>
-              <a:t>style</a:t>
-            </a:r>
-            <a:r>
-              <a:rPr/>
-              <a:t> </a:t>
-            </a:r>
-            <a:r>
-              <a:rPr/>
-              <a:t>convention</a:t>
-            </a:r>
-            <a:r>
-              <a:rPr/>
-              <a:t> </a:t>
-            </a:r>
-            <a:r>
-              <a:rPr/>
-              <a:t>for</a:t>
-            </a:r>
-            <a:r>
-              <a:rPr/>
-              <a:t> </a:t>
-            </a:r>
-            <a:r>
-              <a:rPr/>
-              <a:t>coding</a:t>
+              <a:t>Exercise</a:t>
+            </a:r>
+            <a:r>
+              <a:rPr/>
+              <a:t> </a:t>
+            </a:r>
+            <a:r>
+              <a:rPr/>
+              <a:t>2</a:t>
+            </a:r>
+            <a:r>
+              <a:rPr/>
+              <a:t> </a:t>
+            </a:r>
+            <a:r>
+              <a:rPr/>
+              <a:t>Comments</a:t>
             </a:r>
           </a:p>
         </p:txBody>
@@ -4221,110 +4602,21 @@
             <a:pPr lvl="1"/>
             <a:r>
               <a:rPr/>
-              <a:t>Highlights:</a:t>
-            </a:r>
-          </a:p>
-          <a:p>
-            <a:pPr lvl="1">
-              <a:buNone/>
-            </a:pPr>
-            <a:r>
-              <a:rPr/>
-              <a:t>-Use underscores to separate words in a name (see above comments for file names)</a:t>
+              <a:t>RStudio projects can be easily closed and re-opened, preserving your work at a given time</a:t>
+            </a:r>
+          </a:p>
+          <a:p>
+            <a:pPr lvl="1"/>
+            <a:r>
+              <a:rPr/>
+              <a:t>RStudio projects can also help with directory organization</a:t>
             </a:r>
           </a:p>
           <a:p>
             <a:pPr lvl="2"/>
             <a:r>
               <a:rPr/>
-              <a:t>Put a space before and after operators (such as </a:t>
-            </a:r>
-            <a:r>
-              <a:rPr sz="1800">
-                <a:latin typeface="Courier"/>
-              </a:rPr>
-              <a:t>==</a:t>
-            </a:r>
-            <a:r>
-              <a:rPr/>
-              <a:t>, </a:t>
-            </a:r>
-            <a:r>
-              <a:rPr sz="1800">
-                <a:latin typeface="Courier"/>
-              </a:rPr>
-              <a:t>+</a:t>
-            </a:r>
-            <a:r>
-              <a:rPr/>
-              <a:t>, </a:t>
-            </a:r>
-            <a:r>
-              <a:rPr sz="1800">
-                <a:latin typeface="Courier"/>
-              </a:rPr>
-              <a:t>&lt;-</a:t>
-            </a:r>
-            <a:r>
-              <a:rPr/>
-              <a:t>), but there are a few exceptions such as </a:t>
-            </a:r>
-            <a:r>
-              <a:rPr sz="1800">
-                <a:latin typeface="Courier"/>
-              </a:rPr>
-              <a:t>^</a:t>
-            </a:r>
-            <a:r>
-              <a:rPr/>
-              <a:t> or </a:t>
-            </a:r>
-            <a:r>
-              <a:rPr sz="1800">
-                <a:latin typeface="Courier"/>
-              </a:rPr>
-              <a:t>:</a:t>
-            </a:r>
-          </a:p>
-          <a:p>
-            <a:pPr lvl="2"/>
-            <a:r>
-              <a:rPr/>
-              <a:t>Use </a:t>
-            </a:r>
-            <a:r>
-              <a:rPr sz="1800">
-                <a:latin typeface="Courier"/>
-              </a:rPr>
-              <a:t>&lt;-</a:t>
-            </a:r>
-            <a:r>
-              <a:rPr/>
-              <a:t> rather than </a:t>
-            </a:r>
-            <a:r>
-              <a:rPr sz="1800">
-                <a:latin typeface="Courier"/>
-              </a:rPr>
-              <a:t>=</a:t>
-            </a:r>
-            <a:r>
-              <a:rPr/>
-              <a:t> for assignment</a:t>
-            </a:r>
-          </a:p>
-          <a:p>
-            <a:pPr lvl="2"/>
-            <a:r>
-              <a:rPr/>
-              <a:t>Try to limit code to 80 characters per line</a:t>
-            </a:r>
-          </a:p>
-          <a:p>
-            <a:pPr lvl="2"/>
-            <a:r>
-              <a:rPr/>
-              <a:t>If a function call is too long, separate arguments to use one line each for function, arguements, and closing parenthesis</a:t>
+              <a:t>Working dir = project dir (unless otherwise explicitly specified)</a:t>
             </a:r>
           </a:p>
         </p:txBody>
@@ -4371,23 +4663,63 @@
             </a:pPr>
             <a:r>
               <a:rPr/>
-              <a:t>Style</a:t>
-            </a:r>
-            <a:r>
-              <a:rPr/>
-              <a:t> </a:t>
-            </a:r>
-            <a:r>
-              <a:rPr/>
-              <a:t>convention</a:t>
-            </a:r>
-            <a:r>
-              <a:rPr/>
-              <a:t> </a:t>
-            </a:r>
-            <a:r>
-              <a:rPr/>
-              <a:t>example</a:t>
+              <a:t>Create</a:t>
+            </a:r>
+            <a:r>
+              <a:rPr/>
+              <a:t> </a:t>
+            </a:r>
+            <a:r>
+              <a:rPr/>
+              <a:t>a</a:t>
+            </a:r>
+            <a:r>
+              <a:rPr/>
+              <a:t> </a:t>
+            </a:r>
+            <a:r>
+              <a:rPr/>
+              <a:t>data</a:t>
+            </a:r>
+            <a:r>
+              <a:rPr/>
+              <a:t> </a:t>
+            </a:r>
+            <a:r>
+              <a:rPr/>
+              <a:t>directory</a:t>
+            </a:r>
+            <a:r>
+              <a:rPr/>
+              <a:t> </a:t>
+            </a:r>
+            <a:r>
+              <a:rPr/>
+              <a:t>and</a:t>
+            </a:r>
+            <a:r>
+              <a:rPr/>
+              <a:t> </a:t>
+            </a:r>
+            <a:r>
+              <a:rPr/>
+              <a:t>a</a:t>
+            </a:r>
+            <a:r>
+              <a:rPr/>
+              <a:t> </a:t>
+            </a:r>
+            <a:r>
+              <a:rPr/>
+              <a:t>results</a:t>
+            </a:r>
+            <a:r>
+              <a:rPr/>
+              <a:t> </a:t>
+            </a:r>
+            <a:r>
+              <a:rPr/>
+              <a:t>directory</a:t>
             </a:r>
           </a:p>
         </p:txBody>
@@ -4407,195 +4739,70 @@
           <a:bodyPr/>
           <a:lstStyle/>
           <a:p>
-            <a:pPr lvl="0" marL="1270000" indent="0">
-              <a:buNone/>
-            </a:pPr>
-            <a:r>
-              <a:rPr sz="1800" i="1">
-                <a:solidFill>
-                  <a:srgbClr val="60A0B0"/>
-                </a:solidFill>
-                <a:latin typeface="Courier"/>
-              </a:rPr>
-              <a:t># Good</a:t>
-            </a:r>
-            <a:br/>
-            <a:r>
-              <a:rPr sz="1800" b="1">
-                <a:solidFill>
-                  <a:srgbClr val="007020"/>
-                </a:solidFill>
-                <a:latin typeface="Courier"/>
-              </a:rPr>
-              <a:t>do_something_very_complicated</a:t>
-            </a:r>
-            <a:r>
-              <a:rPr sz="1800">
-                <a:latin typeface="Courier"/>
-              </a:rPr>
-              <a:t>(</a:t>
-            </a:r>
-            <a:br/>
-            <a:r>
-              <a:rPr sz="1800">
-                <a:latin typeface="Courier"/>
-              </a:rPr>
-              <a:t>  </a:t>
-            </a:r>
-            <a:r>
-              <a:rPr sz="1800">
-                <a:solidFill>
-                  <a:srgbClr val="902000"/>
-                </a:solidFill>
-                <a:latin typeface="Courier"/>
-              </a:rPr>
-              <a:t>something =</a:t>
-            </a:r>
-            <a:r>
-              <a:rPr sz="1800">
-                <a:latin typeface="Courier"/>
-              </a:rPr>
-              <a:t> </a:t>
-            </a:r>
-            <a:r>
-              <a:rPr sz="1800">
-                <a:solidFill>
-                  <a:srgbClr val="4070A0"/>
-                </a:solidFill>
-                <a:latin typeface="Courier"/>
-              </a:rPr>
-              <a:t>"that"</a:t>
-            </a:r>
-            <a:r>
-              <a:rPr sz="1800">
-                <a:latin typeface="Courier"/>
-              </a:rPr>
-              <a:t>,</a:t>
-            </a:r>
-            <a:br/>
-            <a:r>
-              <a:rPr sz="1800">
-                <a:latin typeface="Courier"/>
-              </a:rPr>
-              <a:t>  </a:t>
-            </a:r>
-            <a:r>
-              <a:rPr sz="1800">
-                <a:solidFill>
-                  <a:srgbClr val="902000"/>
-                </a:solidFill>
-                <a:latin typeface="Courier"/>
-              </a:rPr>
-              <a:t>requires =</a:t>
-            </a:r>
-            <a:r>
-              <a:rPr sz="1800">
-                <a:latin typeface="Courier"/>
-              </a:rPr>
-              <a:t> many,</a:t>
-            </a:r>
-            <a:br/>
-            <a:r>
-              <a:rPr sz="1800">
-                <a:latin typeface="Courier"/>
-              </a:rPr>
-              <a:t>  </a:t>
-            </a:r>
-            <a:r>
-              <a:rPr sz="1800">
-                <a:solidFill>
-                  <a:srgbClr val="902000"/>
-                </a:solidFill>
-                <a:latin typeface="Courier"/>
-              </a:rPr>
-              <a:t>arguments =</a:t>
-            </a:r>
-            <a:r>
-              <a:rPr sz="1800">
-                <a:latin typeface="Courier"/>
-              </a:rPr>
-              <a:t> </a:t>
-            </a:r>
-            <a:r>
-              <a:rPr sz="1800">
-                <a:solidFill>
-                  <a:srgbClr val="4070A0"/>
-                </a:solidFill>
-                <a:latin typeface="Courier"/>
-              </a:rPr>
-              <a:t>"some of which may be long"</a:t>
-            </a:r>
-            <a:br/>
-            <a:r>
-              <a:rPr sz="1800">
-                <a:latin typeface="Courier"/>
-              </a:rPr>
-              <a:t>)</a:t>
-            </a:r>
-            <a:br/>
-            <a:br/>
-            <a:r>
-              <a:rPr sz="1800" i="1">
-                <a:solidFill>
-                  <a:srgbClr val="60A0B0"/>
-                </a:solidFill>
-                <a:latin typeface="Courier"/>
-              </a:rPr>
-              <a:t># Bad</a:t>
-            </a:r>
-            <a:br/>
-            <a:r>
-              <a:rPr sz="1800" b="1">
-                <a:solidFill>
-                  <a:srgbClr val="007020"/>
-                </a:solidFill>
-                <a:latin typeface="Courier"/>
-              </a:rPr>
-              <a:t>do_something_very_complicated</a:t>
-            </a:r>
-            <a:r>
-              <a:rPr sz="1800">
-                <a:latin typeface="Courier"/>
-              </a:rPr>
-              <a:t>(</a:t>
-            </a:r>
-            <a:r>
-              <a:rPr sz="1800">
-                <a:solidFill>
-                  <a:srgbClr val="4070A0"/>
-                </a:solidFill>
-                <a:latin typeface="Courier"/>
-              </a:rPr>
-              <a:t>"that"</a:t>
-            </a:r>
-            <a:r>
-              <a:rPr sz="1800">
-                <a:latin typeface="Courier"/>
-              </a:rPr>
-              <a:t>, requires, many, arguments,</a:t>
-            </a:r>
-            <a:br/>
-            <a:r>
-              <a:rPr sz="1800">
-                <a:latin typeface="Courier"/>
-              </a:rPr>
-              <a:t>                              </a:t>
-            </a:r>
-            <a:r>
-              <a:rPr sz="1800">
-                <a:solidFill>
-                  <a:srgbClr val="4070A0"/>
-                </a:solidFill>
-                <a:latin typeface="Courier"/>
-              </a:rPr>
-              <a:t>"some of which may be long"</a:t>
-            </a:r>
-            <a:br/>
-            <a:r>
-              <a:rPr sz="1800">
-                <a:latin typeface="Courier"/>
-              </a:rPr>
-              <a:t>                              )</a:t>
+            <a:pPr lvl="1"/>
+            <a:r>
+              <a:rPr/>
+              <a:t>Using programming languages (as opposed to Excel) can help separate analysis from data</a:t>
+            </a:r>
+          </a:p>
+          <a:p>
+            <a:pPr lvl="2"/>
+            <a:r>
+              <a:rPr/>
+              <a:t>Cannot trace what happened to data if overwritten during analysis</a:t>
+            </a:r>
+          </a:p>
+          <a:p>
+            <a:pPr lvl="1"/>
+            <a:r>
+              <a:rPr/>
+              <a:t>Raw data in </a:t>
+            </a:r>
+            <a:r>
+              <a:rPr b="1"/>
+              <a:t>data</a:t>
+            </a:r>
+            <a:r>
+              <a:rPr/>
+              <a:t> directory</a:t>
+            </a:r>
+          </a:p>
+          <a:p>
+            <a:pPr lvl="1"/>
+            <a:r>
+              <a:rPr/>
+              <a:t>Results from analysis in </a:t>
+            </a:r>
+            <a:r>
+              <a:rPr b="1"/>
+              <a:t>results</a:t>
+            </a:r>
+            <a:r>
+              <a:rPr/>
+              <a:t> or </a:t>
+            </a:r>
+            <a:r>
+              <a:rPr b="1"/>
+              <a:t>output</a:t>
+            </a:r>
+            <a:r>
+              <a:rPr/>
+              <a:t> directory</a:t>
+            </a:r>
+          </a:p>
+          <a:p>
+            <a:pPr lvl="1"/>
+            <a:r>
+              <a:rPr/>
+              <a:t>May want to separate out source code (</a:t>
+            </a:r>
+            <a:r>
+              <a:rPr b="1"/>
+              <a:t>src</a:t>
+            </a:r>
+            <a:r>
+              <a:rPr/>
+              <a:t> directory), figures, and documents (eg. manuscripts) as well</a:t>
             </a:r>
           </a:p>
         </p:txBody>
@@ -4642,55 +4849,15 @@
             </a:pPr>
             <a:r>
               <a:rPr/>
-              <a:t>Representing</a:t>
-            </a:r>
-            <a:r>
-              <a:rPr/>
-              <a:t> </a:t>
-            </a:r>
-            <a:r>
-              <a:rPr/>
-              <a:t>sequential</a:t>
-            </a:r>
-            <a:r>
-              <a:rPr/>
-              <a:t> </a:t>
-            </a:r>
-            <a:r>
-              <a:rPr/>
-              <a:t>operations</a:t>
-            </a:r>
-            <a:r>
-              <a:rPr/>
-              <a:t> </a:t>
-            </a:r>
-            <a:r>
-              <a:rPr/>
-              <a:t>in</a:t>
-            </a:r>
-            <a:r>
-              <a:rPr/>
-              <a:t> </a:t>
-            </a:r>
-            <a:r>
-              <a:rPr/>
-              <a:t>R</a:t>
-            </a:r>
-            <a:r>
-              <a:rPr/>
-              <a:t> </a:t>
-            </a:r>
-            <a:r>
-              <a:rPr/>
-              <a:t>-</a:t>
-            </a:r>
-            <a:r>
-              <a:rPr/>
-              <a:t> </a:t>
-            </a:r>
-            <a:r>
-              <a:rPr/>
-              <a:t>pipes</a:t>
+              <a:t>Exericse</a:t>
+            </a:r>
+            <a:r>
+              <a:rPr/>
+              <a:t> </a:t>
+            </a:r>
+            <a:r>
+              <a:rPr/>
+              <a:t>3</a:t>
             </a:r>
           </a:p>
         </p:txBody>
@@ -4710,271 +4877,12 @@
           <a:bodyPr/>
           <a:lstStyle/>
           <a:p>
-            <a:pPr lvl="0" marL="1270000" indent="0">
+            <a:pPr lvl="0" marL="0" indent="0">
               <a:buNone/>
             </a:pPr>
             <a:r>
-              <a:rPr sz="1800" i="1">
-                <a:solidFill>
-                  <a:srgbClr val="60A0B0"/>
-                </a:solidFill>
-                <a:latin typeface="Courier"/>
-              </a:rPr>
-              <a:t># one way to represent a hop, scoop, and a bop, without pipes</a:t>
-            </a:r>
-            <a:br/>
-            <a:r>
-              <a:rPr sz="1800">
-                <a:latin typeface="Courier"/>
-              </a:rPr>
-              <a:t>foo_foo &lt;-</a:t>
-            </a:r>
-            <a:r>
-              <a:rPr sz="1800">
-                <a:solidFill>
-                  <a:srgbClr val="4070A0"/>
-                </a:solidFill>
-                <a:latin typeface="Courier"/>
-              </a:rPr>
-              <a:t> </a:t>
-            </a:r>
-            <a:r>
-              <a:rPr sz="1800" b="1">
-                <a:solidFill>
-                  <a:srgbClr val="007020"/>
-                </a:solidFill>
-                <a:latin typeface="Courier"/>
-              </a:rPr>
-              <a:t>hop</a:t>
-            </a:r>
-            <a:r>
-              <a:rPr sz="1800">
-                <a:latin typeface="Courier"/>
-              </a:rPr>
-              <a:t>(foo_foo, </a:t>
-            </a:r>
-            <a:r>
-              <a:rPr sz="1800">
-                <a:solidFill>
-                  <a:srgbClr val="902000"/>
-                </a:solidFill>
-                <a:latin typeface="Courier"/>
-              </a:rPr>
-              <a:t>through =</a:t>
-            </a:r>
-            <a:r>
-              <a:rPr sz="1800">
-                <a:latin typeface="Courier"/>
-              </a:rPr>
-              <a:t> forest)</a:t>
-            </a:r>
-            <a:br/>
-            <a:r>
-              <a:rPr sz="1800">
-                <a:latin typeface="Courier"/>
-              </a:rPr>
-              <a:t>foo_foo &lt;-</a:t>
-            </a:r>
-            <a:r>
-              <a:rPr sz="1800">
-                <a:solidFill>
-                  <a:srgbClr val="4070A0"/>
-                </a:solidFill>
-                <a:latin typeface="Courier"/>
-              </a:rPr>
-              <a:t> </a:t>
-            </a:r>
-            <a:r>
-              <a:rPr sz="1800" b="1">
-                <a:solidFill>
-                  <a:srgbClr val="007020"/>
-                </a:solidFill>
-                <a:latin typeface="Courier"/>
-              </a:rPr>
-              <a:t>scoop</a:t>
-            </a:r>
-            <a:r>
-              <a:rPr sz="1800">
-                <a:latin typeface="Courier"/>
-              </a:rPr>
-              <a:t>(foo_foo, </a:t>
-            </a:r>
-            <a:r>
-              <a:rPr sz="1800">
-                <a:solidFill>
-                  <a:srgbClr val="902000"/>
-                </a:solidFill>
-                <a:latin typeface="Courier"/>
-              </a:rPr>
-              <a:t>up =</a:t>
-            </a:r>
-            <a:r>
-              <a:rPr sz="1800">
-                <a:latin typeface="Courier"/>
-              </a:rPr>
-              <a:t> field_mice)</a:t>
-            </a:r>
-            <a:br/>
-            <a:r>
-              <a:rPr sz="1800">
-                <a:latin typeface="Courier"/>
-              </a:rPr>
-              <a:t>foo_foo &lt;-</a:t>
-            </a:r>
-            <a:r>
-              <a:rPr sz="1800">
-                <a:solidFill>
-                  <a:srgbClr val="4070A0"/>
-                </a:solidFill>
-                <a:latin typeface="Courier"/>
-              </a:rPr>
-              <a:t> </a:t>
-            </a:r>
-            <a:r>
-              <a:rPr sz="1800" b="1">
-                <a:solidFill>
-                  <a:srgbClr val="007020"/>
-                </a:solidFill>
-                <a:latin typeface="Courier"/>
-              </a:rPr>
-              <a:t>bop</a:t>
-            </a:r>
-            <a:r>
-              <a:rPr sz="1800">
-                <a:latin typeface="Courier"/>
-              </a:rPr>
-              <a:t>(foo_foo, </a:t>
-            </a:r>
-            <a:r>
-              <a:rPr sz="1800">
-                <a:solidFill>
-                  <a:srgbClr val="902000"/>
-                </a:solidFill>
-                <a:latin typeface="Courier"/>
-              </a:rPr>
-              <a:t>on =</a:t>
-            </a:r>
-            <a:r>
-              <a:rPr sz="1800">
-                <a:latin typeface="Courier"/>
-              </a:rPr>
-              <a:t> head)</a:t>
-            </a:r>
-            <a:br/>
-            <a:r>
-              <a:rPr sz="1800" i="1">
-                <a:solidFill>
-                  <a:srgbClr val="60A0B0"/>
-                </a:solidFill>
-                <a:latin typeface="Courier"/>
-              </a:rPr>
-              <a:t># another way to represent the same sequence with less code but in a less readable way</a:t>
-            </a:r>
-            <a:br/>
-            <a:r>
-              <a:rPr sz="1800">
-                <a:latin typeface="Courier"/>
-              </a:rPr>
-              <a:t>foo_foo &lt;-</a:t>
-            </a:r>
-            <a:r>
-              <a:rPr sz="1800">
-                <a:solidFill>
-                  <a:srgbClr val="4070A0"/>
-                </a:solidFill>
-                <a:latin typeface="Courier"/>
-              </a:rPr>
-              <a:t> </a:t>
-            </a:r>
-            <a:r>
-              <a:rPr sz="1800" b="1">
-                <a:solidFill>
-                  <a:srgbClr val="007020"/>
-                </a:solidFill>
-                <a:latin typeface="Courier"/>
-              </a:rPr>
-              <a:t>bop</a:t>
-            </a:r>
-            <a:r>
-              <a:rPr sz="1800">
-                <a:latin typeface="Courier"/>
-              </a:rPr>
-              <a:t>(</a:t>
-            </a:r>
-            <a:r>
-              <a:rPr sz="1800" b="1">
-                <a:solidFill>
-                  <a:srgbClr val="007020"/>
-                </a:solidFill>
-                <a:latin typeface="Courier"/>
-              </a:rPr>
-              <a:t>scoop</a:t>
-            </a:r>
-            <a:r>
-              <a:rPr sz="1800">
-                <a:latin typeface="Courier"/>
-              </a:rPr>
-              <a:t>(</a:t>
-            </a:r>
-            <a:r>
-              <a:rPr sz="1800" b="1">
-                <a:solidFill>
-                  <a:srgbClr val="007020"/>
-                </a:solidFill>
-                <a:latin typeface="Courier"/>
-              </a:rPr>
-              <a:t>hop</a:t>
-            </a:r>
-            <a:r>
-              <a:rPr sz="1800">
-                <a:latin typeface="Courier"/>
-              </a:rPr>
-              <a:t>(foo_foo, </a:t>
-            </a:r>
-            <a:r>
-              <a:rPr sz="1800">
-                <a:solidFill>
-                  <a:srgbClr val="902000"/>
-                </a:solidFill>
-                <a:latin typeface="Courier"/>
-              </a:rPr>
-              <a:t>through =</a:t>
-            </a:r>
-            <a:r>
-              <a:rPr sz="1800">
-                <a:latin typeface="Courier"/>
-              </a:rPr>
-              <a:t> forest), </a:t>
-            </a:r>
-            <a:r>
-              <a:rPr sz="1800">
-                <a:solidFill>
-                  <a:srgbClr val="902000"/>
-                </a:solidFill>
-                <a:latin typeface="Courier"/>
-              </a:rPr>
-              <a:t>up =</a:t>
-            </a:r>
-            <a:r>
-              <a:rPr sz="1800">
-                <a:latin typeface="Courier"/>
-              </a:rPr>
-              <a:t> field_mice), </a:t>
-            </a:r>
-            <a:r>
-              <a:rPr sz="1800">
-                <a:solidFill>
-                  <a:srgbClr val="902000"/>
-                </a:solidFill>
-                <a:latin typeface="Courier"/>
-              </a:rPr>
-              <a:t>on =</a:t>
-            </a:r>
-            <a:r>
-              <a:rPr sz="1800">
-                <a:latin typeface="Courier"/>
-              </a:rPr>
-              <a:t> head)</a:t>
+              <a:rPr/>
+              <a:t>Create a minimal project structure</a:t>
             </a:r>
           </a:p>
         </p:txBody>
@@ -5157,31 +5065,23 @@
             </a:pPr>
             <a:r>
               <a:rPr/>
-              <a:t>Same</a:t>
-            </a:r>
-            <a:r>
-              <a:rPr/>
-              <a:t> </a:t>
-            </a:r>
-            <a:r>
-              <a:rPr/>
-              <a:t>example</a:t>
-            </a:r>
-            <a:r>
-              <a:rPr/>
-              <a:t> </a:t>
-            </a:r>
-            <a:r>
-              <a:rPr/>
-              <a:t>using</a:t>
-            </a:r>
-            <a:r>
-              <a:rPr/>
-              <a:t> </a:t>
-            </a:r>
-            <a:r>
-              <a:rPr/>
-              <a:t>pipes</a:t>
+              <a:t>Exercise</a:t>
+            </a:r>
+            <a:r>
+              <a:rPr/>
+              <a:t> </a:t>
+            </a:r>
+            <a:r>
+              <a:rPr/>
+              <a:t>3</a:t>
+            </a:r>
+            <a:r>
+              <a:rPr/>
+              <a:t> </a:t>
+            </a:r>
+            <a:r>
+              <a:rPr/>
+              <a:t>Comments</a:t>
             </a:r>
           </a:p>
         </p:txBody>
@@ -5201,161 +5101,29 @@
           <a:bodyPr/>
           <a:lstStyle/>
           <a:p>
-            <a:pPr lvl="0" marL="1270000" indent="0">
-              <a:buNone/>
-            </a:pPr>
-            <a:r>
-              <a:rPr sz="1800">
-                <a:latin typeface="Courier"/>
-              </a:rPr>
-              <a:t>foo_foo </a:t>
-            </a:r>
-            <a:r>
-              <a:rPr sz="1800">
-                <a:solidFill>
-                  <a:srgbClr val="666666"/>
-                </a:solidFill>
-                <a:latin typeface="Courier"/>
-              </a:rPr>
-              <a:t>%&gt;%</a:t>
-            </a:r>
-            <a:br/>
-            <a:r>
-              <a:rPr sz="1800">
-                <a:solidFill>
-                  <a:srgbClr val="4070A0"/>
-                </a:solidFill>
-                <a:latin typeface="Courier"/>
-              </a:rPr>
-              <a:t>  </a:t>
-            </a:r>
-            <a:r>
-              <a:rPr sz="1800" b="1">
-                <a:solidFill>
-                  <a:srgbClr val="007020"/>
-                </a:solidFill>
-                <a:latin typeface="Courier"/>
-              </a:rPr>
-              <a:t>hop</a:t>
-            </a:r>
-            <a:r>
-              <a:rPr sz="1800">
-                <a:latin typeface="Courier"/>
-              </a:rPr>
-              <a:t>(</a:t>
-            </a:r>
-            <a:r>
-              <a:rPr sz="1800">
-                <a:solidFill>
-                  <a:srgbClr val="902000"/>
-                </a:solidFill>
-                <a:latin typeface="Courier"/>
-              </a:rPr>
-              <a:t>through =</a:t>
-            </a:r>
-            <a:r>
-              <a:rPr sz="1800">
-                <a:latin typeface="Courier"/>
-              </a:rPr>
-              <a:t> forest) </a:t>
-            </a:r>
-            <a:r>
-              <a:rPr sz="1800">
-                <a:solidFill>
-                  <a:srgbClr val="666666"/>
-                </a:solidFill>
-                <a:latin typeface="Courier"/>
-              </a:rPr>
-              <a:t>%&gt;%</a:t>
-            </a:r>
-            <a:br/>
-            <a:r>
-              <a:rPr sz="1800">
-                <a:solidFill>
-                  <a:srgbClr val="4070A0"/>
-                </a:solidFill>
-                <a:latin typeface="Courier"/>
-              </a:rPr>
-              <a:t>  </a:t>
-            </a:r>
-            <a:r>
-              <a:rPr sz="1800" b="1">
-                <a:solidFill>
-                  <a:srgbClr val="007020"/>
-                </a:solidFill>
-                <a:latin typeface="Courier"/>
-              </a:rPr>
-              <a:t>scoop</a:t>
-            </a:r>
-            <a:r>
-              <a:rPr sz="1800">
-                <a:latin typeface="Courier"/>
-              </a:rPr>
-              <a:t>(</a:t>
-            </a:r>
-            <a:r>
-              <a:rPr sz="1800">
-                <a:solidFill>
-                  <a:srgbClr val="902000"/>
-                </a:solidFill>
-                <a:latin typeface="Courier"/>
-              </a:rPr>
-              <a:t>up =</a:t>
-            </a:r>
-            <a:r>
-              <a:rPr sz="1800">
-                <a:latin typeface="Courier"/>
-              </a:rPr>
-              <a:t> field_mouse) </a:t>
-            </a:r>
-            <a:r>
-              <a:rPr sz="1800">
-                <a:solidFill>
-                  <a:srgbClr val="666666"/>
-                </a:solidFill>
-                <a:latin typeface="Courier"/>
-              </a:rPr>
-              <a:t>%&gt;%</a:t>
-            </a:r>
-            <a:br/>
-            <a:r>
-              <a:rPr sz="1800">
-                <a:solidFill>
-                  <a:srgbClr val="4070A0"/>
-                </a:solidFill>
-                <a:latin typeface="Courier"/>
-              </a:rPr>
-              <a:t>  </a:t>
-            </a:r>
-            <a:r>
-              <a:rPr sz="1800" b="1">
-                <a:solidFill>
-                  <a:srgbClr val="007020"/>
-                </a:solidFill>
-                <a:latin typeface="Courier"/>
-              </a:rPr>
-              <a:t>bop</a:t>
-            </a:r>
-            <a:r>
-              <a:rPr sz="1800">
-                <a:latin typeface="Courier"/>
-              </a:rPr>
-              <a:t>(</a:t>
-            </a:r>
-            <a:r>
-              <a:rPr sz="1800">
-                <a:solidFill>
-                  <a:srgbClr val="902000"/>
-                </a:solidFill>
-                <a:latin typeface="Courier"/>
-              </a:rPr>
-              <a:t>on =</a:t>
-            </a:r>
-            <a:r>
-              <a:rPr sz="1800">
-                <a:latin typeface="Courier"/>
-              </a:rPr>
-              <a:t> head)</a:t>
+            <a:pPr lvl="1"/>
+            <a:r>
+              <a:rPr/>
+              <a:t>Can convert code into a function that will build project structure for you </a:t>
+            </a:r>
+            <a:r>
+              <a:rPr>
+                <a:hlinkClick r:id="rId2"/>
+              </a:rPr>
+              <a:t>Refresher on writing functions</a:t>
+            </a:r>
+          </a:p>
+          <a:p>
+            <a:pPr lvl="1"/>
+            <a:r>
+              <a:rPr/>
+              <a:t>Alternately, use an existing package to create your project structure: eg. </a:t>
+            </a:r>
+            <a:r>
+              <a:rPr>
+                <a:hlinkClick r:id="rId3"/>
+              </a:rPr>
+              <a:t>Project Template</a:t>
             </a:r>
           </a:p>
         </p:txBody>
@@ -5402,31 +5170,87 @@
             </a:pPr>
             <a:r>
               <a:rPr/>
-              <a:t>Reproducibility</a:t>
-            </a:r>
-            <a:r>
-              <a:rPr/>
-              <a:t> </a:t>
-            </a:r>
-            <a:r>
-              <a:rPr/>
-              <a:t>of</a:t>
-            </a:r>
-            <a:r>
-              <a:rPr/>
-              <a:t> </a:t>
-            </a:r>
-            <a:r>
-              <a:rPr/>
-              <a:t>directory</a:t>
-            </a:r>
-            <a:r>
-              <a:rPr/>
-              <a:t> </a:t>
-            </a:r>
-            <a:r>
-              <a:rPr/>
-              <a:t>structure</a:t>
+              <a:t>Name</a:t>
+            </a:r>
+            <a:r>
+              <a:rPr/>
+              <a:t> </a:t>
+            </a:r>
+            <a:r>
+              <a:rPr/>
+              <a:t>all</a:t>
+            </a:r>
+            <a:r>
+              <a:rPr/>
+              <a:t> </a:t>
+            </a:r>
+            <a:r>
+              <a:rPr/>
+              <a:t>files</a:t>
+            </a:r>
+            <a:r>
+              <a:rPr/>
+              <a:t> </a:t>
+            </a:r>
+            <a:r>
+              <a:rPr/>
+              <a:t>(and</a:t>
+            </a:r>
+            <a:r>
+              <a:rPr/>
+              <a:t> </a:t>
+            </a:r>
+            <a:r>
+              <a:rPr/>
+              <a:t>variables)</a:t>
+            </a:r>
+            <a:r>
+              <a:rPr/>
+              <a:t> </a:t>
+            </a:r>
+            <a:r>
+              <a:rPr/>
+              <a:t>to</a:t>
+            </a:r>
+            <a:r>
+              <a:rPr/>
+              <a:t> </a:t>
+            </a:r>
+            <a:r>
+              <a:rPr/>
+              <a:t>reflect</a:t>
+            </a:r>
+            <a:r>
+              <a:rPr/>
+              <a:t> </a:t>
+            </a:r>
+            <a:r>
+              <a:rPr/>
+              <a:t>their</a:t>
+            </a:r>
+            <a:r>
+              <a:rPr/>
+              <a:t> </a:t>
+            </a:r>
+            <a:r>
+              <a:rPr/>
+              <a:t>content</a:t>
+            </a:r>
+            <a:r>
+              <a:rPr/>
+              <a:t> </a:t>
+            </a:r>
+            <a:r>
+              <a:rPr/>
+              <a:t>or</a:t>
+            </a:r>
+            <a:r>
+              <a:rPr/>
+              <a:t> </a:t>
+            </a:r>
+            <a:r>
+              <a:rPr/>
+              <a:t>function</a:t>
             </a:r>
           </a:p>
         </p:txBody>
@@ -5446,68 +5270,52 @@
           <a:bodyPr/>
           <a:lstStyle/>
           <a:p>
-            <a:pPr lvl="0" marL="0" indent="0">
-              <a:buNone/>
-            </a:pPr>
-            <a:r>
-              <a:rPr/>
-              <a:t>Scenario:</a:t>
-            </a:r>
-          </a:p>
-          <a:p>
             <a:pPr lvl="1"/>
             <a:r>
               <a:rPr/>
-              <a:t>you have an analysis to share with a colleague</a:t>
+              <a:t>Compare the following names:</a:t>
+            </a:r>
+          </a:p>
+          <a:p>
+            <a:pPr lvl="2"/>
+            <a:r>
+              <a:rPr/>
+              <a:t>results.csv</a:t>
+            </a:r>
+          </a:p>
+          <a:p>
+            <a:pPr lvl="2"/>
+            <a:r>
+              <a:rPr/>
+              <a:t>morphine_precision_results.csv</a:t>
             </a:r>
           </a:p>
           <a:p>
             <a:pPr lvl="1"/>
             <a:r>
               <a:rPr/>
-              <a:t>want to share entire project folder</a:t>
+              <a:t>Avoid sequential numerical names: what happens to figure2.jpg and figure3.jpg if you need to insert a figure between them in the manuscript?</a:t>
             </a:r>
           </a:p>
           <a:p>
             <a:pPr lvl="1"/>
             <a:r>
-              <a:rPr/>
-              <a:t>directory calls specific files</a:t>
-            </a:r>
-          </a:p>
-          <a:p>
-            <a:pPr lvl="1"/>
-            <a:r>
-              <a:rPr/>
-              <a:t>you use </a:t>
-            </a:r>
-            <a:r>
-              <a:rPr sz="1800">
-                <a:latin typeface="Courier"/>
-              </a:rPr>
-              <a:t>setwd()</a:t>
-            </a:r>
-            <a:r>
-              <a:rPr/>
-              <a:t> to put yourself in the right place to call scripts</a:t>
-            </a:r>
-          </a:p>
-          <a:p>
-            <a:pPr lvl="0" marL="0" indent="0">
-              <a:buNone/>
-            </a:pPr>
-            <a:r>
-              <a:rPr/>
-              <a:t>Problem:</a:t>
-            </a:r>
-          </a:p>
-          <a:p>
-            <a:pPr lvl="0" marL="0" indent="0">
-              <a:buNone/>
-            </a:pPr>
-            <a:r>
-              <a:rPr/>
-              <a:t>Your working directory name is almost never the same as someone else’s!</a:t>
+              <a:rPr b="1"/>
+              <a:t>Pro tip: avoid white space and camel case (upper and lower case) in names</a:t>
+            </a:r>
+          </a:p>
+          <a:p>
+            <a:pPr lvl="2"/>
+            <a:r>
+              <a:rPr/>
+              <a:t>More efficient to type all lower case</a:t>
+            </a:r>
+          </a:p>
+          <a:p>
+            <a:pPr lvl="2"/>
+            <a:r>
+              <a:rPr/>
+              <a:t>Ambiguity about whether you used white space or not</a:t>
             </a:r>
           </a:p>
         </p:txBody>
@@ -5554,23 +5362,31 @@
             </a:pPr>
             <a:r>
               <a:rPr/>
-              <a:t>The</a:t>
-            </a:r>
-            <a:r>
-              <a:rPr/>
-              <a:t> </a:t>
-            </a:r>
-            <a:r>
-              <a:rPr/>
-              <a:t>here</a:t>
-            </a:r>
-            <a:r>
-              <a:rPr/>
-              <a:t> </a:t>
-            </a:r>
-            <a:r>
-              <a:rPr/>
-              <a:t>package</a:t>
+              <a:t>Reproducibility</a:t>
+            </a:r>
+            <a:r>
+              <a:rPr/>
+              <a:t> </a:t>
+            </a:r>
+            <a:r>
+              <a:rPr/>
+              <a:t>of</a:t>
+            </a:r>
+            <a:r>
+              <a:rPr/>
+              <a:t> </a:t>
+            </a:r>
+            <a:r>
+              <a:rPr/>
+              <a:t>directory</a:t>
+            </a:r>
+            <a:r>
+              <a:rPr/>
+              <a:t> </a:t>
+            </a:r>
+            <a:r>
+              <a:rPr/>
+              <a:t>structure</a:t>
             </a:r>
           </a:p>
         </p:txBody>
@@ -5590,75 +5406,68 @@
           <a:bodyPr/>
           <a:lstStyle/>
           <a:p>
+            <a:pPr lvl="0" marL="0" indent="0">
+              <a:buNone/>
+            </a:pPr>
+            <a:r>
+              <a:rPr/>
+              <a:t>Scenario:</a:t>
+            </a:r>
+          </a:p>
+          <a:p>
             <a:pPr lvl="1"/>
             <a:r>
               <a:rPr/>
-              <a:t>Function in </a:t>
-            </a:r>
-            <a:r>
-              <a:rPr>
-                <a:hlinkClick r:id="rId2"/>
-              </a:rPr>
-              <a:t>here package</a:t>
-            </a:r>
-            <a:r>
-              <a:rPr/>
-              <a:t> anchors you in one directory</a:t>
+              <a:t>you have an analysis to share with a colleague</a:t>
             </a:r>
           </a:p>
           <a:p>
             <a:pPr lvl="1"/>
             <a:r>
               <a:rPr/>
-              <a:t>Call </a:t>
-            </a:r>
-            <a:r>
-              <a:rPr sz="1800">
-                <a:latin typeface="Courier"/>
-              </a:rPr>
-              <a:t>library(here)</a:t>
-            </a:r>
-            <a:r>
-              <a:rPr/>
-              <a:t> in script</a:t>
+              <a:t>want to share entire project folder</a:t>
             </a:r>
           </a:p>
           <a:p>
             <a:pPr lvl="1"/>
             <a:r>
               <a:rPr/>
-              <a:t>Follows algorithm to find the right place:</a:t>
-            </a:r>
-          </a:p>
-          <a:p>
-            <a:pPr lvl="2"/>
-            <a:r>
-              <a:rPr/>
-              <a:t>Looks for .Rproj and uses that directory as reference</a:t>
-            </a:r>
-          </a:p>
-          <a:p>
-            <a:pPr lvl="2"/>
-            <a:r>
-              <a:rPr/>
-              <a:t>Looks for empty “.here” file (can create this using </a:t>
-            </a:r>
-            <a:r>
-              <a:rPr sz="1800">
-                <a:latin typeface="Courier"/>
-              </a:rPr>
-              <a:t>set_here()</a:t>
-            </a:r>
-            <a:r>
-              <a:rPr/>
-              <a:t>)</a:t>
-            </a:r>
-          </a:p>
-          <a:p>
-            <a:pPr lvl="2"/>
-            <a:r>
-              <a:rPr/>
-              <a:t>Looks for other relevant files such as “.git”</a:t>
+              <a:t>directory calls specific files</a:t>
+            </a:r>
+          </a:p>
+          <a:p>
+            <a:pPr lvl="1"/>
+            <a:r>
+              <a:rPr/>
+              <a:t>you use </a:t>
+            </a:r>
+            <a:r>
+              <a:rPr>
+                <a:latin typeface="Courier"/>
+              </a:rPr>
+              <a:t>setwd()</a:t>
+            </a:r>
+            <a:r>
+              <a:rPr/>
+              <a:t> to put yourself in the right place to call scripts</a:t>
+            </a:r>
+          </a:p>
+          <a:p>
+            <a:pPr lvl="0" marL="0" indent="0">
+              <a:buNone/>
+            </a:pPr>
+            <a:r>
+              <a:rPr/>
+              <a:t>Problem:</a:t>
+            </a:r>
+          </a:p>
+          <a:p>
+            <a:pPr lvl="0" marL="0" indent="0">
+              <a:buNone/>
+            </a:pPr>
+            <a:r>
+              <a:rPr/>
+              <a:t>Your working directory name is almost never the same as someone else’s!</a:t>
             </a:r>
           </a:p>
         </p:txBody>
@@ -5705,23 +5514,23 @@
             </a:pPr>
             <a:r>
               <a:rPr/>
-              <a:t>Reproducibility</a:t>
-            </a:r>
-            <a:r>
-              <a:rPr/>
-              <a:t> </a:t>
-            </a:r>
-            <a:r>
-              <a:rPr/>
-              <a:t>of</a:t>
-            </a:r>
-            <a:r>
-              <a:rPr/>
-              <a:t> </a:t>
-            </a:r>
-            <a:r>
-              <a:rPr/>
-              <a:t>packages</a:t>
+              <a:t>The</a:t>
+            </a:r>
+            <a:r>
+              <a:rPr/>
+              <a:t> </a:t>
+            </a:r>
+            <a:r>
+              <a:rPr/>
+              <a:t>here</a:t>
+            </a:r>
+            <a:r>
+              <a:rPr/>
+              <a:t> </a:t>
+            </a:r>
+            <a:r>
+              <a:rPr/>
+              <a:t>package</a:t>
             </a:r>
           </a:p>
         </p:txBody>
@@ -5741,42 +5550,75 @@
           <a:bodyPr/>
           <a:lstStyle/>
           <a:p>
-            <a:pPr lvl="0" marL="0" indent="0">
-              <a:buNone/>
-            </a:pPr>
-            <a:r>
-              <a:rPr/>
-              <a:t>Scenario:</a:t>
-            </a:r>
-          </a:p>
-          <a:p>
             <a:pPr lvl="1"/>
             <a:r>
               <a:rPr/>
-              <a:t>in September 2019 you want to run an analysis you wrote in September 2018</a:t>
+              <a:t>Function in </a:t>
+            </a:r>
+            <a:r>
+              <a:rPr>
+                <a:hlinkClick r:id="rId2"/>
+              </a:rPr>
+              <a:t>here package</a:t>
+            </a:r>
+            <a:r>
+              <a:rPr/>
+              <a:t> anchors you in one directory</a:t>
             </a:r>
           </a:p>
           <a:p>
             <a:pPr lvl="1"/>
             <a:r>
               <a:rPr/>
-              <a:t>you are using cutting edge packages that may have changed in 1 year</a:t>
+              <a:t>Call </a:t>
+            </a:r>
+            <a:r>
+              <a:rPr>
+                <a:latin typeface="Courier"/>
+              </a:rPr>
+              <a:t>library(here)</a:t>
+            </a:r>
+            <a:r>
+              <a:rPr/>
+              <a:t> in script</a:t>
             </a:r>
           </a:p>
           <a:p>
             <a:pPr lvl="1"/>
             <a:r>
               <a:rPr/>
-              <a:t>some changes impact expected input and output data structure</a:t>
-            </a:r>
-          </a:p>
-          <a:p>
-            <a:pPr lvl="0" marL="0" indent="0">
-              <a:buNone/>
-            </a:pPr>
-            <a:r>
-              <a:rPr/>
-              <a:t>Problem: Your script may fail to run or (much worse) your script runs but produces incorrect output!</a:t>
+              <a:t>Follows algorithm to find the right place:</a:t>
+            </a:r>
+          </a:p>
+          <a:p>
+            <a:pPr lvl="2"/>
+            <a:r>
+              <a:rPr/>
+              <a:t>Looks for .Rproj and uses that directory as reference</a:t>
+            </a:r>
+          </a:p>
+          <a:p>
+            <a:pPr lvl="2"/>
+            <a:r>
+              <a:rPr/>
+              <a:t>Looks for empty “.here” file (can create this using </a:t>
+            </a:r>
+            <a:r>
+              <a:rPr>
+                <a:latin typeface="Courier"/>
+              </a:rPr>
+              <a:t>set_here()</a:t>
+            </a:r>
+            <a:r>
+              <a:rPr/>
+              <a:t>)</a:t>
+            </a:r>
+          </a:p>
+          <a:p>
+            <a:pPr lvl="2"/>
+            <a:r>
+              <a:rPr/>
+              <a:t>Looks for other relevant files such as “.git”</a:t>
             </a:r>
           </a:p>
         </p:txBody>
@@ -5823,23 +5665,23 @@
             </a:pPr>
             <a:r>
               <a:rPr/>
-              <a:t>Package</a:t>
-            </a:r>
-            <a:r>
-              <a:rPr/>
-              <a:t> </a:t>
-            </a:r>
-            <a:r>
-              <a:rPr/>
-              <a:t>management</a:t>
-            </a:r>
-            <a:r>
-              <a:rPr/>
-              <a:t> </a:t>
-            </a:r>
-            <a:r>
-              <a:rPr/>
-              <a:t>solutions</a:t>
+              <a:t>Reproducibility</a:t>
+            </a:r>
+            <a:r>
+              <a:rPr/>
+              <a:t> </a:t>
+            </a:r>
+            <a:r>
+              <a:rPr/>
+              <a:t>of</a:t>
+            </a:r>
+            <a:r>
+              <a:rPr/>
+              <a:t> </a:t>
+            </a:r>
+            <a:r>
+              <a:rPr/>
+              <a:t>packages</a:t>
             </a:r>
           </a:p>
         </p:txBody>
@@ -5859,77 +5701,42 @@
           <a:bodyPr/>
           <a:lstStyle/>
           <a:p>
+            <a:pPr lvl="0" marL="0" indent="0">
+              <a:buNone/>
+            </a:pPr>
+            <a:r>
+              <a:rPr/>
+              <a:t>Scenario:</a:t>
+            </a:r>
+          </a:p>
+          <a:p>
             <a:pPr lvl="1"/>
             <a:r>
-              <a:rPr>
-                <a:hlinkClick r:id="rId2"/>
-              </a:rPr>
-              <a:t>checkpoint package</a:t>
-            </a:r>
-            <a:r>
-              <a:rPr/>
-              <a:t> couples package install to a date</a:t>
-            </a:r>
-          </a:p>
-          <a:p>
-            <a:pPr lvl="2"/>
-            <a:r>
-              <a:rPr/>
-              <a:t>Based on Microsoft server that is taking daily snapshots of CRAN</a:t>
-            </a:r>
-          </a:p>
-          <a:p>
-            <a:pPr lvl="2"/>
-            <a:r>
-              <a:rPr/>
-              <a:t>Add </a:t>
-            </a:r>
-            <a:r>
-              <a:rPr sz="1800">
-                <a:latin typeface="Courier"/>
-              </a:rPr>
-              <a:t>library(checkpoint)</a:t>
-            </a:r>
-            <a:r>
-              <a:rPr/>
-              <a:t> and </a:t>
-            </a:r>
-            <a:r>
-              <a:rPr sz="1800">
-                <a:latin typeface="Courier"/>
-              </a:rPr>
-              <a:t>checkpoint("2018-09-09")</a:t>
-            </a:r>
-            <a:r>
-              <a:rPr/>
-              <a:t> to begining of script</a:t>
+              <a:rPr/>
+              <a:t>in September 2019 you want to run an analysis you wrote in September 2018</a:t>
             </a:r>
           </a:p>
           <a:p>
             <a:pPr lvl="1"/>
             <a:r>
-              <a:rPr>
-                <a:hlinkClick r:id="rId3"/>
-              </a:rPr>
-              <a:t>packrat package</a:t>
-            </a:r>
-            <a:r>
-              <a:rPr/>
-              <a:t> allows explicit specification of package versions</a:t>
-            </a:r>
-          </a:p>
-          <a:p>
-            <a:pPr lvl="2"/>
-            <a:r>
-              <a:rPr/>
-              <a:t>More complex to manage but arguably the “ideal” way to manage packages</a:t>
-            </a:r>
-          </a:p>
-          <a:p>
-            <a:pPr lvl="2"/>
-            <a:r>
-              <a:rPr/>
-              <a:t>RStudio integration with Packages window</a:t>
+              <a:rPr/>
+              <a:t>you are using cutting edge packages that may have changed in 1 year</a:t>
+            </a:r>
+          </a:p>
+          <a:p>
+            <a:pPr lvl="1"/>
+            <a:r>
+              <a:rPr/>
+              <a:t>some changes impact expected input and output data structure</a:t>
+            </a:r>
+          </a:p>
+          <a:p>
+            <a:pPr lvl="0" marL="0" indent="0">
+              <a:buNone/>
+            </a:pPr>
+            <a:r>
+              <a:rPr/>
+              <a:t>Problem: Your script may fail to run or (much worse) your script runs but produces incorrect output!</a:t>
             </a:r>
           </a:p>
         </p:txBody>
@@ -5976,38 +5783,62 @@
             </a:pPr>
             <a:r>
               <a:rPr/>
-              <a:t>Why</a:t>
-            </a:r>
-            <a:r>
-              <a:rPr/>
-              <a:t> </a:t>
-            </a:r>
-            <a:r>
-              <a:rPr/>
-              <a:t>use</a:t>
-            </a:r>
-            <a:r>
-              <a:rPr/>
-              <a:t> </a:t>
-            </a:r>
-            <a:r>
-              <a:rPr/>
-              <a:t>version</a:t>
-            </a:r>
-            <a:r>
-              <a:rPr/>
-              <a:t> </a:t>
-            </a:r>
-            <a:r>
-              <a:rPr/>
-              <a:t>control?</a:t>
+              <a:t>System</a:t>
+            </a:r>
+            <a:r>
+              <a:rPr/>
+              <a:t> </a:t>
+            </a:r>
+            <a:r>
+              <a:rPr/>
+              <a:t>packages</a:t>
+            </a:r>
+            <a:r>
+              <a:rPr/>
+              <a:t> </a:t>
+            </a:r>
+            <a:r>
+              <a:rPr/>
+              <a:t>are</a:t>
+            </a:r>
+            <a:r>
+              <a:rPr/>
+              <a:t> </a:t>
+            </a:r>
+            <a:r>
+              <a:rPr/>
+              <a:t>shared</a:t>
+            </a:r>
+            <a:r>
+              <a:rPr/>
+              <a:t> </a:t>
+            </a:r>
+            <a:r>
+              <a:rPr/>
+              <a:t>between</a:t>
+            </a:r>
+            <a:r>
+              <a:rPr/>
+              <a:t> </a:t>
+            </a:r>
+            <a:r>
+              <a:rPr/>
+              <a:t>different</a:t>
+            </a:r>
+            <a:r>
+              <a:rPr/>
+              <a:t> </a:t>
+            </a:r>
+            <a:r>
+              <a:rPr/>
+              <a:t>projects</a:t>
             </a:r>
           </a:p>
         </p:txBody>
       </p:sp>
       <p:pic>
         <p:nvPicPr>
-          <p:cNvPr descr="../assets/phd_comic_final_version.jpg" id="0" name="Picture 1"/>
+          <p:cNvPr descr="../assets/shared-library.svg" id="0" name="Picture 1"/>
           <p:cNvPicPr>
             <a:picLocks noGrp="1" noChangeAspect="1"/>
           </p:cNvPicPr>
@@ -6021,8 +5852,8 @@
         </p:blipFill>
         <p:spPr bwMode="auto">
           <a:xfrm>
-            <a:off x="3073400" y="1600200"/>
-            <a:ext cx="3009900" cy="4013200"/>
+            <a:off x="787400" y="1600200"/>
+            <a:ext cx="7581900" cy="4013200"/>
           </a:xfrm>
           <a:prstGeom prst="rect">
             <a:avLst/>
@@ -6068,55 +5899,31 @@
             </a:r>
             <a:r>
               <a:rPr/>
-              <a:t>of</a:t>
-            </a:r>
-            <a:r>
-              <a:rPr/>
-              <a:t> </a:t>
-            </a:r>
-            <a:r>
-              <a:rPr/>
-              <a:t>many</a:t>
-            </a:r>
-            <a:r>
-              <a:rPr/>
-              <a:t> </a:t>
-            </a:r>
-            <a:r>
-              <a:rPr/>
-              <a:t>justifications</a:t>
-            </a:r>
-            <a:r>
-              <a:rPr/>
-              <a:t> </a:t>
-            </a:r>
-            <a:r>
-              <a:rPr/>
-              <a:t>for</a:t>
-            </a:r>
-            <a:r>
-              <a:rPr/>
-              <a:t> </a:t>
-            </a:r>
-            <a:r>
-              <a:rPr/>
-              <a:t>using</a:t>
-            </a:r>
-            <a:r>
-              <a:rPr/>
-              <a:t> </a:t>
-            </a:r>
-            <a:r>
-              <a:rPr/>
-              <a:t>version</a:t>
-            </a:r>
-            <a:r>
-              <a:rPr/>
-              <a:t> </a:t>
-            </a:r>
-            <a:r>
-              <a:rPr/>
-              <a:t>control.</a:t>
+              <a:t>library</a:t>
+            </a:r>
+            <a:r>
+              <a:rPr/>
+              <a:t> </a:t>
+            </a:r>
+            <a:r>
+              <a:rPr/>
+              <a:t>rules</a:t>
+            </a:r>
+            <a:r>
+              <a:rPr/>
+              <a:t> </a:t>
+            </a:r>
+            <a:r>
+              <a:rPr/>
+              <a:t>them</a:t>
+            </a:r>
+            <a:r>
+              <a:rPr/>
+              <a:t> </a:t>
+            </a:r>
+            <a:r>
+              <a:rPr/>
+              <a:t>all.</a:t>
             </a:r>
             <a:r>
               <a:rPr/>
@@ -6131,8 +5938,10 @@
               <a:t> </a:t>
             </a:r>
             <a:r>
-              <a:rPr/>
-              <a:t>phdcomics.com</a:t>
+              <a:rPr>
+                <a:hlinkClick r:id="rId3"/>
+              </a:rPr>
+              <a:t>https://kevinushey-2020-rstudio-conf.netlify.app/slides.html</a:t>
             </a:r>
           </a:p>
         </p:txBody>
@@ -6179,59 +5988,165 @@
             </a:pPr>
             <a:r>
               <a:rPr/>
-              <a:t>Git</a:t>
-            </a:r>
-            <a:r>
-              <a:rPr/>
-              <a:t> </a:t>
-            </a:r>
-            <a:r>
-              <a:rPr/>
-              <a:t>principles</a:t>
-            </a:r>
-          </a:p>
-        </p:txBody>
-      </p:sp>
-      <p:sp>
-        <p:nvSpPr>
-          <p:cNvPr id="3" name="Content Placeholder 2"/>
-          <p:cNvSpPr>
-            <a:spLocks noGrp="1"/>
-          </p:cNvSpPr>
-          <p:nvPr>
-            <p:ph idx="1"/>
-          </p:nvPr>
-        </p:nvSpPr>
-        <p:spPr/>
-        <p:txBody>
-          <a:bodyPr/>
-          <a:lstStyle/>
-          <a:p>
-            <a:pPr lvl="1"/>
-            <a:r>
-              <a:rPr/>
-              <a:t>Git works by taking snapshots of a set of files over time</a:t>
-            </a:r>
-          </a:p>
-          <a:p>
-            <a:pPr lvl="1"/>
-            <a:r>
-              <a:rPr/>
-              <a:t>Most operations are performed on your local machine</a:t>
-            </a:r>
-          </a:p>
-          <a:p>
-            <a:pPr lvl="1"/>
-            <a:r>
-              <a:rPr/>
-              <a:t>Every change is captured</a:t>
-            </a:r>
-          </a:p>
-          <a:p>
-            <a:pPr lvl="1"/>
-            <a:r>
-              <a:rPr/>
-              <a:t>Git generally adds data and does not remove it (which means it is hard to lose data)</a:t>
+              <a:t>Package</a:t>
+            </a:r>
+            <a:r>
+              <a:rPr/>
+              <a:t> </a:t>
+            </a:r>
+            <a:r>
+              <a:rPr/>
+              <a:t>management</a:t>
+            </a:r>
+            <a:r>
+              <a:rPr/>
+              <a:t> </a:t>
+            </a:r>
+            <a:r>
+              <a:rPr/>
+              <a:t>solutions</a:t>
+            </a:r>
+            <a:r>
+              <a:rPr/>
+              <a:t> </a:t>
+            </a:r>
+            <a:r>
+              <a:rPr/>
+              <a:t>link</a:t>
+            </a:r>
+            <a:r>
+              <a:rPr/>
+              <a:t> </a:t>
+            </a:r>
+            <a:r>
+              <a:rPr/>
+              <a:t>projects</a:t>
+            </a:r>
+            <a:r>
+              <a:rPr/>
+              <a:t> </a:t>
+            </a:r>
+            <a:r>
+              <a:rPr/>
+              <a:t>to</a:t>
+            </a:r>
+            <a:r>
+              <a:rPr/>
+              <a:t> </a:t>
+            </a:r>
+            <a:r>
+              <a:rPr/>
+              <a:t>specific</a:t>
+            </a:r>
+            <a:r>
+              <a:rPr/>
+              <a:t> </a:t>
+            </a:r>
+            <a:r>
+              <a:rPr/>
+              <a:t>packages</a:t>
+            </a:r>
+          </a:p>
+        </p:txBody>
+      </p:sp>
+      <p:pic>
+        <p:nvPicPr>
+          <p:cNvPr descr="../assets/project-library.svg" id="0" name="Picture 1"/>
+          <p:cNvPicPr>
+            <a:picLocks noGrp="1" noChangeAspect="1"/>
+          </p:cNvPicPr>
+          <p:nvPr/>
+        </p:nvPicPr>
+        <p:blipFill>
+          <a:blip r:embed="rId2"/>
+          <a:stretch>
+            <a:fillRect/>
+          </a:stretch>
+        </p:blipFill>
+        <p:spPr bwMode="auto">
+          <a:xfrm>
+            <a:off x="787400" y="1600200"/>
+            <a:ext cx="7581900" cy="4013200"/>
+          </a:xfrm>
+          <a:prstGeom prst="rect">
+            <a:avLst/>
+          </a:prstGeom>
+          <a:noFill/>
+          <a:ln w="9525">
+            <a:noFill/>
+            <a:headEnd/>
+            <a:tailEnd/>
+          </a:ln>
+        </p:spPr>
+      </p:pic>
+      <p:sp>
+        <p:nvSpPr>
+          <p:cNvPr id="1" name="TextBox 3"/>
+          <p:cNvSpPr txBox="1"/>
+          <p:nvPr/>
+        </p:nvSpPr>
+        <p:spPr>
+          <a:xfrm>
+            <a:off x="457200" y="5613400"/>
+            <a:ext cx="8229600" cy="508000"/>
+          </a:xfrm>
+          <a:prstGeom prst="rect">
+            <a:avLst/>
+          </a:prstGeom>
+          <a:noFill/>
+        </p:spPr>
+        <p:txBody>
+          <a:bodyPr/>
+          <a:lstStyle/>
+          <a:p>
+            <a:pPr lvl="0" marL="0" indent="0" algn="ctr">
+              <a:buNone/>
+            </a:pPr>
+            <a:r>
+              <a:rPr/>
+              <a:t>One</a:t>
+            </a:r>
+            <a:r>
+              <a:rPr/>
+              <a:t> </a:t>
+            </a:r>
+            <a:r>
+              <a:rPr/>
+              <a:t>library</a:t>
+            </a:r>
+            <a:r>
+              <a:rPr/>
+              <a:t> </a:t>
+            </a:r>
+            <a:r>
+              <a:rPr/>
+              <a:t>per</a:t>
+            </a:r>
+            <a:r>
+              <a:rPr/>
+              <a:t> </a:t>
+            </a:r>
+            <a:r>
+              <a:rPr/>
+              <a:t>package.</a:t>
+            </a:r>
+            <a:r>
+              <a:rPr/>
+              <a:t> </a:t>
+            </a:r>
+            <a:r>
+              <a:rPr/>
+              <a:t>Source:</a:t>
+            </a:r>
+            <a:r>
+              <a:rPr/>
+              <a:t> </a:t>
+            </a:r>
+            <a:r>
+              <a:rPr>
+                <a:hlinkClick r:id="rId3"/>
+              </a:rPr>
+              <a:t>https://kevinushey-2020-rstudio-conf.netlify.app/slides.html</a:t>
             </a:r>
           </a:p>
         </p:txBody>
@@ -6278,109 +6193,102 @@
             </a:pPr>
             <a:r>
               <a:rPr/>
-              <a:t>Git</a:t>
-            </a:r>
-            <a:r>
-              <a:rPr/>
-              <a:t> </a:t>
-            </a:r>
-            <a:r>
-              <a:rPr/>
-              <a:t>workflow</a:t>
-            </a:r>
-          </a:p>
-        </p:txBody>
-      </p:sp>
-      <p:pic>
-        <p:nvPicPr>
-          <p:cNvPr descr="../assets/git_basic_workflow.png" id="0" name="Picture 1"/>
-          <p:cNvPicPr>
-            <a:picLocks noGrp="1" noChangeAspect="1"/>
-          </p:cNvPicPr>
-          <p:nvPr/>
-        </p:nvPicPr>
-        <p:blipFill>
-          <a:blip r:embed="rId2"/>
-          <a:stretch>
-            <a:fillRect/>
-          </a:stretch>
-        </p:blipFill>
-        <p:spPr bwMode="auto">
-          <a:xfrm>
-            <a:off x="927100" y="1600200"/>
-            <a:ext cx="7277100" cy="4013200"/>
-          </a:xfrm>
-          <a:prstGeom prst="rect">
-            <a:avLst/>
-          </a:prstGeom>
-          <a:noFill/>
-          <a:ln w="9525">
-            <a:noFill/>
-            <a:headEnd/>
-            <a:tailEnd/>
-          </a:ln>
-        </p:spPr>
-      </p:pic>
-      <p:sp>
-        <p:nvSpPr>
-          <p:cNvPr id="1" name="TextBox 3"/>
-          <p:cNvSpPr txBox="1"/>
-          <p:nvPr/>
-        </p:nvSpPr>
-        <p:spPr>
-          <a:xfrm>
-            <a:off x="457200" y="5613400"/>
-            <a:ext cx="8229600" cy="508000"/>
-          </a:xfrm>
-          <a:prstGeom prst="rect">
-            <a:avLst/>
-          </a:prstGeom>
-          <a:noFill/>
-        </p:spPr>
-        <p:txBody>
-          <a:bodyPr/>
-          <a:lstStyle/>
-          <a:p>
-            <a:pPr lvl="0" marL="0" indent="0" algn="ctr">
-              <a:buNone/>
-            </a:pPr>
-            <a:r>
-              <a:rPr/>
-              <a:t>Git</a:t>
-            </a:r>
-            <a:r>
-              <a:rPr/>
-              <a:t> </a:t>
-            </a:r>
-            <a:r>
-              <a:rPr/>
-              <a:t>basic</a:t>
-            </a:r>
-            <a:r>
-              <a:rPr/>
-              <a:t> </a:t>
-            </a:r>
-            <a:r>
-              <a:rPr/>
-              <a:t>workflow.</a:t>
-            </a:r>
-            <a:r>
-              <a:rPr/>
-              <a:t> </a:t>
-            </a:r>
-            <a:r>
-              <a:rPr/>
-              <a:t>Source:</a:t>
-            </a:r>
-            <a:r>
-              <a:rPr/>
-              <a:t> </a:t>
-            </a:r>
-            <a:r>
-              <a:rPr>
-                <a:hlinkClick r:id="rId3"/>
-              </a:rPr>
-              <a:t>https://git-scm.com/book/en/v2/Getting-Started-Git-Basics</a:t>
+              <a:t>Package</a:t>
+            </a:r>
+            <a:r>
+              <a:rPr/>
+              <a:t> </a:t>
+            </a:r>
+            <a:r>
+              <a:rPr/>
+              <a:t>management</a:t>
+            </a:r>
+            <a:r>
+              <a:rPr/>
+              <a:t> </a:t>
+            </a:r>
+            <a:r>
+              <a:rPr/>
+              <a:t>solutions</a:t>
+            </a:r>
+            <a:r>
+              <a:rPr/>
+              <a:t> </a:t>
+            </a:r>
+            <a:r>
+              <a:rPr/>
+              <a:t>-</a:t>
+            </a:r>
+            <a:r>
+              <a:rPr/>
+              <a:t> </a:t>
+            </a:r>
+            <a:r>
+              <a:rPr/>
+              <a:t>checkpoint</a:t>
+            </a:r>
+          </a:p>
+        </p:txBody>
+      </p:sp>
+      <p:sp>
+        <p:nvSpPr>
+          <p:cNvPr id="3" name="Content Placeholder 2"/>
+          <p:cNvSpPr>
+            <a:spLocks noGrp="1"/>
+          </p:cNvSpPr>
+          <p:nvPr>
+            <p:ph idx="1"/>
+          </p:nvPr>
+        </p:nvSpPr>
+        <p:spPr/>
+        <p:txBody>
+          <a:bodyPr/>
+          <a:lstStyle/>
+          <a:p>
+            <a:pPr lvl="1"/>
+            <a:r>
+              <a:rPr>
+                <a:hlinkClick r:id="rId2"/>
+              </a:rPr>
+              <a:t>checkpoint package</a:t>
+            </a:r>
+            <a:r>
+              <a:rPr/>
+              <a:t> couples package install to a date</a:t>
+            </a:r>
+          </a:p>
+          <a:p>
+            <a:pPr lvl="2"/>
+            <a:r>
+              <a:rPr/>
+              <a:t>Based on Microsoft server that is taking daily snapshots of CRAN</a:t>
+            </a:r>
+          </a:p>
+          <a:p>
+            <a:pPr lvl="2"/>
+            <a:r>
+              <a:rPr/>
+              <a:t>Add </a:t>
+            </a:r>
+            <a:r>
+              <a:rPr>
+                <a:latin typeface="Courier"/>
+              </a:rPr>
+              <a:t>library(checkpoint)</a:t>
+            </a:r>
+            <a:r>
+              <a:rPr/>
+              <a:t> and </a:t>
+            </a:r>
+            <a:r>
+              <a:rPr>
+                <a:latin typeface="Courier"/>
+              </a:rPr>
+              <a:t>checkpoint("2018-09-09")</a:t>
+            </a:r>
+            <a:r>
+              <a:rPr/>
+              <a:t> to begining of script</a:t>
             </a:r>
           </a:p>
         </p:txBody>
@@ -6427,15 +6335,39 @@
             </a:pPr>
             <a:r>
               <a:rPr/>
-              <a:t>Git</a:t>
-            </a:r>
-            <a:r>
-              <a:rPr/>
-              <a:t> </a:t>
-            </a:r>
-            <a:r>
-              <a:rPr/>
-              <a:t>setup</a:t>
+              <a:t>Package</a:t>
+            </a:r>
+            <a:r>
+              <a:rPr/>
+              <a:t> </a:t>
+            </a:r>
+            <a:r>
+              <a:rPr/>
+              <a:t>management</a:t>
+            </a:r>
+            <a:r>
+              <a:rPr/>
+              <a:t> </a:t>
+            </a:r>
+            <a:r>
+              <a:rPr/>
+              <a:t>solutions</a:t>
+            </a:r>
+            <a:r>
+              <a:rPr/>
+              <a:t> </a:t>
+            </a:r>
+            <a:r>
+              <a:rPr/>
+              <a:t>-</a:t>
+            </a:r>
+            <a:r>
+              <a:rPr/>
+              <a:t> </a:t>
+            </a:r>
+            <a:r>
+              <a:rPr/>
+              <a:t>renv</a:t>
             </a:r>
           </a:p>
         </p:txBody>
@@ -6455,32 +6387,47 @@
           <a:bodyPr/>
           <a:lstStyle/>
           <a:p>
-            <a:pPr lvl="0" marL="0" indent="0">
-              <a:buNone/>
-            </a:pPr>
-            <a:r>
-              <a:rPr/>
-              <a:t>If you have not set up Git per the pre-course instructions (</a:t>
-            </a:r>
+            <a:pPr lvl="1"/>
             <a:r>
               <a:rPr>
                 <a:hlinkClick r:id="rId2"/>
               </a:rPr>
-              <a:t>https://git-scm.com/book/en/v2/Getting-Started-Installing-Git</a:t>
-            </a:r>
-            <a:r>
-              <a:rPr/>
-              <a:t>) and signed up for an account on Github.com (</a:t>
-            </a:r>
-            <a:r>
-              <a:rPr>
-                <a:hlinkClick r:id="rId3"/>
-              </a:rPr>
-              <a:t>https://github.com/join</a:t>
-            </a:r>
-            <a:r>
-              <a:rPr/>
-              <a:t>), you will need to do so before you can complete the next exercise.</a:t>
+              <a:t>renv</a:t>
+            </a:r>
+            <a:r>
+              <a:rPr/>
+              <a:t> maintains specification of package versions</a:t>
+            </a:r>
+          </a:p>
+          <a:p>
+            <a:pPr lvl="2"/>
+            <a:r>
+              <a:rPr/>
+              <a:t>More complex to manage but arguably the “ideal” way to manage packages</a:t>
+            </a:r>
+          </a:p>
+          <a:p>
+            <a:pPr lvl="2"/>
+            <a:r>
+              <a:rPr/>
+              <a:t>Use </a:t>
+            </a:r>
+            <a:r>
+              <a:rPr>
+                <a:latin typeface="Courier"/>
+              </a:rPr>
+              <a:t>renv::init()</a:t>
+            </a:r>
+            <a:r>
+              <a:rPr/>
+              <a:t> to capture the state of your R libraries and create local project library</a:t>
+            </a:r>
+          </a:p>
+          <a:p>
+            <a:pPr lvl="2"/>
+            <a:r>
+              <a:rPr/>
+              <a:t>RStudio integration with Packages window</a:t>
             </a:r>
           </a:p>
         </p:txBody>
@@ -6527,15 +6474,23 @@
             </a:pPr>
             <a:r>
               <a:rPr/>
-              <a:t>Exercise</a:t>
-            </a:r>
-            <a:r>
-              <a:rPr/>
-              <a:t> </a:t>
-            </a:r>
-            <a:r>
-              <a:rPr/>
-              <a:t>4</a:t>
+              <a:t>Lesson</a:t>
+            </a:r>
+            <a:r>
+              <a:rPr/>
+              <a:t> </a:t>
+            </a:r>
+            <a:r>
+              <a:rPr/>
+              <a:t>1</a:t>
+            </a:r>
+            <a:r>
+              <a:rPr/>
+              <a:t> </a:t>
+            </a:r>
+            <a:r>
+              <a:rPr/>
+              <a:t>wrap-up</a:t>
             </a:r>
           </a:p>
         </p:txBody>
@@ -6555,12 +6510,17 @@
           <a:bodyPr/>
           <a:lstStyle/>
           <a:p>
-            <a:pPr lvl="0" marL="0" indent="0">
-              <a:buNone/>
-            </a:pPr>
-            <a:r>
-              <a:rPr/>
-              <a:t>Walk through a local Git workflow to commit a file in your sample-project-structure</a:t>
+            <a:pPr lvl="1"/>
+            <a:r>
+              <a:rPr/>
+              <a:t>Reproducible research is the principle that any research result can be reproduced by anybody</a:t>
+            </a:r>
+          </a:p>
+          <a:p>
+            <a:pPr lvl="1"/>
+            <a:r>
+              <a:rPr/>
+              <a:t>Practices in reproducible research also offer benefits for to the code author in producing clearer, easier to understand code and being able to easily repeat past work</a:t>
             </a:r>
           </a:p>
         </p:txBody>
@@ -6750,23 +6710,23 @@
             </a:pPr>
             <a:r>
               <a:rPr/>
-              <a:t>Exercise</a:t>
-            </a:r>
-            <a:r>
-              <a:rPr/>
-              <a:t> </a:t>
-            </a:r>
-            <a:r>
-              <a:rPr/>
-              <a:t>4</a:t>
-            </a:r>
-            <a:r>
-              <a:rPr/>
-              <a:t> </a:t>
-            </a:r>
-            <a:r>
-              <a:rPr/>
-              <a:t>Comments</a:t>
+              <a:t>Lesson</a:t>
+            </a:r>
+            <a:r>
+              <a:rPr/>
+              <a:t> </a:t>
+            </a:r>
+            <a:r>
+              <a:rPr/>
+              <a:t>1</a:t>
+            </a:r>
+            <a:r>
+              <a:rPr/>
+              <a:t> </a:t>
+            </a:r>
+            <a:r>
+              <a:rPr/>
+              <a:t>wrap-up</a:t>
             </a:r>
           </a:p>
         </p:txBody>
@@ -6789,1041 +6749,28 @@
             <a:pPr lvl="1"/>
             <a:r>
               <a:rPr/>
-              <a:t>Local Git workflow addresses versioning issues</a:t>
+              <a:t>Important practices in reproducible research include:</a:t>
             </a:r>
           </a:p>
           <a:p>
             <a:pPr lvl="2"/>
             <a:r>
               <a:rPr/>
-              <a:t>You decide when to stage and commit a version</a:t>
+              <a:t>Developing a standardized but easy-to-use project structure</a:t>
             </a:r>
           </a:p>
           <a:p>
             <a:pPr lvl="2"/>
             <a:r>
               <a:rPr/>
-              <a:t>Commit messages can help trace your work</a:t>
-            </a:r>
-          </a:p>
-          <a:p>
-            <a:pPr lvl="1"/>
-            <a:r>
-              <a:rPr/>
-              <a:t>Provides ability to roll back to a previous version (not covered but quick access through History button)</a:t>
-            </a:r>
-          </a:p>
-        </p:txBody>
-      </p:sp>
-    </p:spTree>
-  </p:cSld>
-</p:sld>
-</file>
-
-<file path=ppt/slides/slide31.xml><?xml version="1.0" encoding="utf-8"?>
-<p:sld xmlns:a="http://schemas.openxmlformats.org/drawingml/2006/main" xmlns:r="http://schemas.openxmlformats.org/officeDocument/2006/relationships" xmlns:p="http://schemas.openxmlformats.org/presentationml/2006/main">
-  <p:cSld>
-    <p:spTree>
-      <p:nvGrpSpPr>
-        <p:cNvPr id="1" name=""/>
-        <p:cNvGrpSpPr/>
-        <p:nvPr/>
-      </p:nvGrpSpPr>
-      <p:grpSpPr>
-        <a:xfrm>
-          <a:off x="0" y="0"/>
-          <a:ext cx="0" cy="0"/>
-          <a:chOff x="0" y="0"/>
-          <a:chExt cx="0" cy="0"/>
-        </a:xfrm>
-      </p:grpSpPr>
-      <p:sp>
-        <p:nvSpPr>
-          <p:cNvPr id="2" name="Title 1"/>
-          <p:cNvSpPr>
-            <a:spLocks noGrp="1"/>
-          </p:cNvSpPr>
-          <p:nvPr>
-            <p:ph type="title"/>
-          </p:nvPr>
-        </p:nvSpPr>
-        <p:spPr/>
-        <p:txBody>
-          <a:bodyPr/>
-          <a:lstStyle/>
-          <a:p>
-            <a:pPr lvl="0" marL="0" indent="0">
-              <a:buNone/>
-            </a:pPr>
-            <a:r>
-              <a:rPr/>
-              <a:t>Distributed</a:t>
-            </a:r>
-            <a:r>
-              <a:rPr/>
-              <a:t> </a:t>
-            </a:r>
-            <a:r>
-              <a:rPr/>
-              <a:t>workflows:</a:t>
-            </a:r>
-            <a:r>
-              <a:rPr/>
-              <a:t> </a:t>
-            </a:r>
-            <a:r>
-              <a:rPr/>
-              <a:t>central</a:t>
-            </a:r>
-            <a:r>
-              <a:rPr/>
-              <a:t> </a:t>
-            </a:r>
-            <a:r>
-              <a:rPr/>
-              <a:t>management</a:t>
-            </a:r>
-          </a:p>
-        </p:txBody>
-      </p:sp>
-      <p:pic>
-        <p:nvPicPr>
-          <p:cNvPr descr="../assets/integration-manager.png" id="0" name="Picture 1"/>
-          <p:cNvPicPr>
-            <a:picLocks noGrp="1" noChangeAspect="1"/>
-          </p:cNvPicPr>
-          <p:nvPr/>
-        </p:nvPicPr>
-        <p:blipFill>
-          <a:blip r:embed="rId2"/>
-          <a:stretch>
-            <a:fillRect/>
-          </a:stretch>
-        </p:blipFill>
-        <p:spPr bwMode="auto">
-          <a:xfrm>
-            <a:off x="457200" y="2235200"/>
-            <a:ext cx="8229600" cy="2743200"/>
-          </a:xfrm>
-          <a:prstGeom prst="rect">
-            <a:avLst/>
-          </a:prstGeom>
-          <a:noFill/>
-          <a:ln w="9525">
-            <a:noFill/>
-            <a:headEnd/>
-            <a:tailEnd/>
-          </a:ln>
-        </p:spPr>
-      </p:pic>
-      <p:sp>
-        <p:nvSpPr>
-          <p:cNvPr id="1" name="TextBox 3"/>
-          <p:cNvSpPr txBox="1"/>
-          <p:nvPr/>
-        </p:nvSpPr>
-        <p:spPr>
-          <a:xfrm>
-            <a:off x="457200" y="5613400"/>
-            <a:ext cx="8229600" cy="508000"/>
-          </a:xfrm>
-          <a:prstGeom prst="rect">
-            <a:avLst/>
-          </a:prstGeom>
-          <a:noFill/>
-        </p:spPr>
-        <p:txBody>
-          <a:bodyPr/>
-          <a:lstStyle/>
-          <a:p>
-            <a:pPr lvl="0" marL="0" indent="0" algn="ctr">
-              <a:buNone/>
-            </a:pPr>
-            <a:r>
-              <a:rPr/>
-              <a:t>Integration</a:t>
-            </a:r>
-            <a:r>
-              <a:rPr/>
-              <a:t> </a:t>
-            </a:r>
-            <a:r>
-              <a:rPr/>
-              <a:t>manager</a:t>
-            </a:r>
-            <a:r>
-              <a:rPr/>
-              <a:t> </a:t>
-            </a:r>
-            <a:r>
-              <a:rPr/>
-              <a:t>workflow</a:t>
-            </a:r>
-            <a:r>
-              <a:rPr/>
-              <a:t> </a:t>
-            </a:r>
-            <a:r>
-              <a:rPr/>
-              <a:t>with</a:t>
-            </a:r>
-            <a:r>
-              <a:rPr/>
-              <a:t> </a:t>
-            </a:r>
-            <a:r>
-              <a:rPr/>
-              <a:t>Git.</a:t>
-            </a:r>
-            <a:r>
-              <a:rPr/>
-              <a:t> </a:t>
-            </a:r>
-            <a:r>
-              <a:rPr/>
-              <a:t>Credit:</a:t>
-            </a:r>
-            <a:r>
-              <a:rPr/>
-              <a:t> </a:t>
-            </a:r>
-            <a:r>
-              <a:rPr>
-                <a:hlinkClick r:id="rId3"/>
-              </a:rPr>
-              <a:t>https://git-scm.com/book/en/v2/Distributed-Git-Distributed-Workflows</a:t>
-            </a:r>
-          </a:p>
-        </p:txBody>
-      </p:sp>
-    </p:spTree>
-  </p:cSld>
-</p:sld>
-</file>
-
-<file path=ppt/slides/slide32.xml><?xml version="1.0" encoding="utf-8"?>
-<p:sld xmlns:a="http://schemas.openxmlformats.org/drawingml/2006/main" xmlns:r="http://schemas.openxmlformats.org/officeDocument/2006/relationships" xmlns:p="http://schemas.openxmlformats.org/presentationml/2006/main">
-  <p:cSld>
-    <p:spTree>
-      <p:nvGrpSpPr>
-        <p:cNvPr id="1" name=""/>
-        <p:cNvGrpSpPr/>
-        <p:nvPr/>
-      </p:nvGrpSpPr>
-      <p:grpSpPr>
-        <a:xfrm>
-          <a:off x="0" y="0"/>
-          <a:ext cx="0" cy="0"/>
-          <a:chOff x="0" y="0"/>
-          <a:chExt cx="0" cy="0"/>
-        </a:xfrm>
-      </p:grpSpPr>
-      <p:sp>
-        <p:nvSpPr>
-          <p:cNvPr id="2" name="Title 1"/>
-          <p:cNvSpPr>
-            <a:spLocks noGrp="1"/>
-          </p:cNvSpPr>
-          <p:nvPr>
-            <p:ph type="title"/>
-          </p:nvPr>
-        </p:nvSpPr>
-        <p:spPr/>
-        <p:txBody>
-          <a:bodyPr/>
-          <a:lstStyle/>
-          <a:p>
-            <a:pPr lvl="0" marL="0" indent="0">
-              <a:buNone/>
-            </a:pPr>
-            <a:r>
-              <a:rPr/>
-              <a:t>Exercise</a:t>
-            </a:r>
-            <a:r>
-              <a:rPr/>
-              <a:t> </a:t>
-            </a:r>
-            <a:r>
-              <a:rPr/>
-              <a:t>5</a:t>
-            </a:r>
-          </a:p>
-        </p:txBody>
-      </p:sp>
-      <p:sp>
-        <p:nvSpPr>
-          <p:cNvPr id="3" name="Content Placeholder 2"/>
-          <p:cNvSpPr>
-            <a:spLocks noGrp="1"/>
-          </p:cNvSpPr>
-          <p:nvPr>
-            <p:ph idx="1"/>
-          </p:nvPr>
-        </p:nvSpPr>
-        <p:spPr/>
-        <p:txBody>
-          <a:bodyPr/>
-          <a:lstStyle/>
-          <a:p>
-            <a:pPr lvl="0" marL="0" indent="0">
-              <a:buNone/>
-            </a:pPr>
-            <a:r>
-              <a:rPr/>
-              <a:t>Fork course repository and open as new project in RStudio</a:t>
-            </a:r>
-          </a:p>
-        </p:txBody>
-      </p:sp>
-    </p:spTree>
-  </p:cSld>
-</p:sld>
-</file>
-
-<file path=ppt/slides/slide33.xml><?xml version="1.0" encoding="utf-8"?>
-<p:sld xmlns:a="http://schemas.openxmlformats.org/drawingml/2006/main" xmlns:r="http://schemas.openxmlformats.org/officeDocument/2006/relationships" xmlns:p="http://schemas.openxmlformats.org/presentationml/2006/main">
-  <p:cSld>
-    <p:spTree>
-      <p:nvGrpSpPr>
-        <p:cNvPr id="1" name=""/>
-        <p:cNvGrpSpPr/>
-        <p:nvPr/>
-      </p:nvGrpSpPr>
-      <p:grpSpPr>
-        <a:xfrm>
-          <a:off x="0" y="0"/>
-          <a:ext cx="0" cy="0"/>
-          <a:chOff x="0" y="0"/>
-          <a:chExt cx="0" cy="0"/>
-        </a:xfrm>
-      </p:grpSpPr>
-      <p:sp>
-        <p:nvSpPr>
-          <p:cNvPr id="2" name="Title 1"/>
-          <p:cNvSpPr>
-            <a:spLocks noGrp="1"/>
-          </p:cNvSpPr>
-          <p:nvPr>
-            <p:ph type="title"/>
-          </p:nvPr>
-        </p:nvSpPr>
-        <p:spPr/>
-        <p:txBody>
-          <a:bodyPr/>
-          <a:lstStyle/>
-          <a:p>
-            <a:pPr lvl="0" marL="0" indent="0">
-              <a:buNone/>
-            </a:pPr>
-            <a:r>
-              <a:rPr/>
-              <a:t>Exercise</a:t>
-            </a:r>
-            <a:r>
-              <a:rPr/>
-              <a:t> </a:t>
-            </a:r>
-            <a:r>
-              <a:rPr/>
-              <a:t>6</a:t>
-            </a:r>
-          </a:p>
-        </p:txBody>
-      </p:sp>
-      <p:sp>
-        <p:nvSpPr>
-          <p:cNvPr id="3" name="Content Placeholder 2"/>
-          <p:cNvSpPr>
-            <a:spLocks noGrp="1"/>
-          </p:cNvSpPr>
-          <p:nvPr>
-            <p:ph idx="1"/>
-          </p:nvPr>
-        </p:nvSpPr>
-        <p:spPr/>
-        <p:txBody>
-          <a:bodyPr/>
-          <a:lstStyle/>
-          <a:p>
-            <a:pPr lvl="0" marL="0" indent="0">
-              <a:buNone/>
-            </a:pPr>
-            <a:r>
-              <a:rPr/>
-              <a:t>Push your changes to your remote repository</a:t>
-            </a:r>
-          </a:p>
-        </p:txBody>
-      </p:sp>
-    </p:spTree>
-  </p:cSld>
-</p:sld>
-</file>
-
-<file path=ppt/slides/slide34.xml><?xml version="1.0" encoding="utf-8"?>
-<p:sld xmlns:a="http://schemas.openxmlformats.org/drawingml/2006/main" xmlns:r="http://schemas.openxmlformats.org/officeDocument/2006/relationships" xmlns:p="http://schemas.openxmlformats.org/presentationml/2006/main">
-  <p:cSld>
-    <p:spTree>
-      <p:nvGrpSpPr>
-        <p:cNvPr id="1" name=""/>
-        <p:cNvGrpSpPr/>
-        <p:nvPr/>
-      </p:nvGrpSpPr>
-      <p:grpSpPr>
-        <a:xfrm>
-          <a:off x="0" y="0"/>
-          <a:ext cx="0" cy="0"/>
-          <a:chOff x="0" y="0"/>
-          <a:chExt cx="0" cy="0"/>
-        </a:xfrm>
-      </p:grpSpPr>
-      <p:sp>
-        <p:nvSpPr>
-          <p:cNvPr id="2" name="Title 1"/>
-          <p:cNvSpPr>
-            <a:spLocks noGrp="1"/>
-          </p:cNvSpPr>
-          <p:nvPr>
-            <p:ph type="title"/>
-          </p:nvPr>
-        </p:nvSpPr>
-        <p:spPr/>
-        <p:txBody>
-          <a:bodyPr/>
-          <a:lstStyle/>
-          <a:p>
-            <a:pPr lvl="0" marL="0" indent="0">
-              <a:buNone/>
-            </a:pPr>
-            <a:r>
-              <a:rPr/>
-              <a:t>Exericise</a:t>
-            </a:r>
-            <a:r>
-              <a:rPr/>
-              <a:t> </a:t>
-            </a:r>
-            <a:r>
-              <a:rPr/>
-              <a:t>5</a:t>
-            </a:r>
-            <a:r>
-              <a:rPr/>
-              <a:t> </a:t>
-            </a:r>
-            <a:r>
-              <a:rPr/>
-              <a:t>&amp;</a:t>
-            </a:r>
-            <a:r>
-              <a:rPr/>
-              <a:t> </a:t>
-            </a:r>
-            <a:r>
-              <a:rPr/>
-              <a:t>6</a:t>
-            </a:r>
-            <a:r>
-              <a:rPr/>
-              <a:t> </a:t>
-            </a:r>
-            <a:r>
-              <a:rPr/>
-              <a:t>comments</a:t>
-            </a:r>
-          </a:p>
-        </p:txBody>
-      </p:sp>
-      <p:sp>
-        <p:nvSpPr>
-          <p:cNvPr id="3" name="Content Placeholder 2"/>
-          <p:cNvSpPr>
-            <a:spLocks noGrp="1"/>
-          </p:cNvSpPr>
-          <p:nvPr>
-            <p:ph idx="1"/>
-          </p:nvPr>
-        </p:nvSpPr>
-        <p:spPr/>
-        <p:txBody>
-          <a:bodyPr/>
-          <a:lstStyle/>
-          <a:p>
-            <a:pPr lvl="1"/>
-            <a:r>
-              <a:rPr/>
-              <a:t>Github (or other hosted Git solution) allows a remote repository to be synced and worked on at multiple locations/computers</a:t>
-            </a:r>
-          </a:p>
-          <a:p>
-            <a:pPr lvl="1"/>
-            <a:r>
-              <a:rPr/>
-              <a:t>More importantly, a remote repository provides a mechanism for collaboration</a:t>
-            </a:r>
-          </a:p>
-        </p:txBody>
-      </p:sp>
-    </p:spTree>
-  </p:cSld>
-</p:sld>
-</file>
-
-<file path=ppt/slides/slide35.xml><?xml version="1.0" encoding="utf-8"?>
-<p:sld xmlns:a="http://schemas.openxmlformats.org/drawingml/2006/main" xmlns:r="http://schemas.openxmlformats.org/officeDocument/2006/relationships" xmlns:p="http://schemas.openxmlformats.org/presentationml/2006/main">
-  <p:cSld>
-    <p:spTree>
-      <p:nvGrpSpPr>
-        <p:cNvPr id="1" name=""/>
-        <p:cNvGrpSpPr/>
-        <p:nvPr/>
-      </p:nvGrpSpPr>
-      <p:grpSpPr>
-        <a:xfrm>
-          <a:off x="0" y="0"/>
-          <a:ext cx="0" cy="0"/>
-          <a:chOff x="0" y="0"/>
-          <a:chExt cx="0" cy="0"/>
-        </a:xfrm>
-      </p:grpSpPr>
-      <p:sp>
-        <p:nvSpPr>
-          <p:cNvPr id="2" name="Title 1"/>
-          <p:cNvSpPr>
-            <a:spLocks noGrp="1"/>
-          </p:cNvSpPr>
-          <p:nvPr>
-            <p:ph type="title"/>
-          </p:nvPr>
-        </p:nvSpPr>
-        <p:spPr/>
-        <p:txBody>
-          <a:bodyPr/>
-          <a:lstStyle/>
-          <a:p>
-            <a:pPr lvl="0" marL="0" indent="0">
-              <a:buNone/>
-            </a:pPr>
-            <a:r>
-              <a:rPr/>
-              <a:t>Optional</a:t>
-            </a:r>
-            <a:r>
-              <a:rPr/>
-              <a:t> </a:t>
-            </a:r>
-            <a:r>
-              <a:rPr/>
-              <a:t>exercise</a:t>
-            </a:r>
-          </a:p>
-        </p:txBody>
-      </p:sp>
-      <p:sp>
-        <p:nvSpPr>
-          <p:cNvPr id="3" name="Content Placeholder 2"/>
-          <p:cNvSpPr>
-            <a:spLocks noGrp="1"/>
-          </p:cNvSpPr>
-          <p:nvPr>
-            <p:ph idx="1"/>
-          </p:nvPr>
-        </p:nvSpPr>
-        <p:spPr/>
-        <p:txBody>
-          <a:bodyPr/>
-          <a:lstStyle/>
-          <a:p>
-            <a:pPr lvl="0" marL="0" indent="0">
-              <a:buNone/>
-            </a:pPr>
-            <a:r>
-              <a:rPr/>
-              <a:t>Open a pull request and have your edits come back into the base repository</a:t>
-            </a:r>
-          </a:p>
-        </p:txBody>
-      </p:sp>
-    </p:spTree>
-  </p:cSld>
-</p:sld>
-</file>
-
-<file path=ppt/slides/slide36.xml><?xml version="1.0" encoding="utf-8"?>
-<p:sld xmlns:a="http://schemas.openxmlformats.org/drawingml/2006/main" xmlns:r="http://schemas.openxmlformats.org/officeDocument/2006/relationships" xmlns:p="http://schemas.openxmlformats.org/presentationml/2006/main">
-  <p:cSld>
-    <p:spTree>
-      <p:nvGrpSpPr>
-        <p:cNvPr id="1" name=""/>
-        <p:cNvGrpSpPr/>
-        <p:nvPr/>
-      </p:nvGrpSpPr>
-      <p:grpSpPr>
-        <a:xfrm>
-          <a:off x="0" y="0"/>
-          <a:ext cx="0" cy="0"/>
-          <a:chOff x="0" y="0"/>
-          <a:chExt cx="0" cy="0"/>
-        </a:xfrm>
-      </p:grpSpPr>
-      <p:sp>
-        <p:nvSpPr>
-          <p:cNvPr id="2" name="Title 1"/>
-          <p:cNvSpPr>
-            <a:spLocks noGrp="1"/>
-          </p:cNvSpPr>
-          <p:nvPr>
-            <p:ph type="title"/>
-          </p:nvPr>
-        </p:nvSpPr>
-        <p:spPr/>
-        <p:txBody>
-          <a:bodyPr/>
-          <a:lstStyle/>
-          <a:p>
-            <a:pPr lvl="0" marL="0" indent="0">
-              <a:buNone/>
-            </a:pPr>
-            <a:r>
-              <a:rPr/>
-              <a:t>Additional</a:t>
-            </a:r>
-            <a:r>
-              <a:rPr/>
-              <a:t> </a:t>
-            </a:r>
-            <a:r>
-              <a:rPr/>
-              <a:t>Git</a:t>
-            </a:r>
-            <a:r>
-              <a:rPr/>
-              <a:t> </a:t>
-            </a:r>
-            <a:r>
-              <a:rPr/>
-              <a:t>wisdom</a:t>
-            </a:r>
-          </a:p>
-        </p:txBody>
-      </p:sp>
-      <p:sp>
-        <p:nvSpPr>
-          <p:cNvPr id="3" name="Content Placeholder 2"/>
-          <p:cNvSpPr>
-            <a:spLocks noGrp="1"/>
-          </p:cNvSpPr>
-          <p:nvPr>
-            <p:ph idx="1"/>
-          </p:nvPr>
-        </p:nvSpPr>
-        <p:spPr/>
-        <p:txBody>
-          <a:bodyPr/>
-          <a:lstStyle/>
-          <a:p>
-            <a:pPr lvl="1"/>
-            <a:r>
-              <a:rPr/>
-              <a:t>Use branches and couple to features/issues</a:t>
-            </a:r>
-          </a:p>
-          <a:p>
-            <a:pPr lvl="1"/>
-            <a:r>
-              <a:rPr/>
-              <a:t>Set up ssh to transfer data</a:t>
-            </a:r>
-          </a:p>
-          <a:p>
-            <a:pPr lvl="1"/>
-            <a:r>
-              <a:rPr/>
-              <a:t>Consider what should and shouldn’t go into version control</a:t>
-            </a:r>
-          </a:p>
-          <a:p>
-            <a:pPr lvl="1"/>
-            <a:r>
-              <a:rPr>
-                <a:hlinkClick r:id="rId2"/>
-              </a:rPr>
-              <a:t>Happy Git and GitHub for the useR</a:t>
-            </a:r>
-            <a:r>
-              <a:rPr/>
-              <a:t> online book - Git in RStudio</a:t>
-            </a:r>
-          </a:p>
-          <a:p>
-            <a:pPr lvl="1"/>
-            <a:r>
-              <a:rPr>
-                <a:hlinkClick r:id="rId3"/>
-              </a:rPr>
-              <a:t>Pro Git</a:t>
-            </a:r>
-            <a:r>
-              <a:rPr/>
-              <a:t> - general Git info</a:t>
-            </a:r>
-          </a:p>
-        </p:txBody>
-      </p:sp>
-    </p:spTree>
-  </p:cSld>
-</p:sld>
-</file>
-
-<file path=ppt/slides/slide37.xml><?xml version="1.0" encoding="utf-8"?>
-<p:sld xmlns:a="http://schemas.openxmlformats.org/drawingml/2006/main" xmlns:r="http://schemas.openxmlformats.org/officeDocument/2006/relationships" xmlns:p="http://schemas.openxmlformats.org/presentationml/2006/main">
-  <p:cSld>
-    <p:spTree>
-      <p:nvGrpSpPr>
-        <p:cNvPr id="1" name=""/>
-        <p:cNvGrpSpPr/>
-        <p:nvPr/>
-      </p:nvGrpSpPr>
-      <p:grpSpPr>
-        <a:xfrm>
-          <a:off x="0" y="0"/>
-          <a:ext cx="0" cy="0"/>
-          <a:chOff x="0" y="0"/>
-          <a:chExt cx="0" cy="0"/>
-        </a:xfrm>
-      </p:grpSpPr>
-      <p:sp>
-        <p:nvSpPr>
-          <p:cNvPr id="2" name="Title 1"/>
-          <p:cNvSpPr>
-            <a:spLocks noGrp="1"/>
-          </p:cNvSpPr>
-          <p:nvPr>
-            <p:ph type="title"/>
-          </p:nvPr>
-        </p:nvSpPr>
-        <p:spPr/>
-        <p:txBody>
-          <a:bodyPr/>
-          <a:lstStyle/>
-          <a:p>
-            <a:pPr lvl="0" marL="0" indent="0">
-              <a:buNone/>
-            </a:pPr>
-            <a:r>
-              <a:rPr/>
-              <a:t>Bringing</a:t>
-            </a:r>
-            <a:r>
-              <a:rPr/>
-              <a:t> </a:t>
-            </a:r>
-            <a:r>
-              <a:rPr/>
-              <a:t>it</a:t>
-            </a:r>
-            <a:r>
-              <a:rPr/>
-              <a:t> </a:t>
-            </a:r>
-            <a:r>
-              <a:rPr/>
-              <a:t>all</a:t>
-            </a:r>
-            <a:r>
-              <a:rPr/>
-              <a:t> </a:t>
-            </a:r>
-            <a:r>
-              <a:rPr/>
-              <a:t>together:</a:t>
-            </a:r>
-            <a:r>
-              <a:rPr/>
-              <a:t> </a:t>
-            </a:r>
-            <a:r>
-              <a:rPr/>
-              <a:t>an</a:t>
-            </a:r>
-            <a:r>
-              <a:rPr/>
-              <a:t> </a:t>
-            </a:r>
-            <a:r>
-              <a:rPr/>
-              <a:t>example</a:t>
-            </a:r>
-            <a:r>
-              <a:rPr/>
-              <a:t> </a:t>
-            </a:r>
-            <a:r>
-              <a:rPr/>
-              <a:t>of</a:t>
-            </a:r>
-            <a:r>
-              <a:rPr/>
-              <a:t> </a:t>
-            </a:r>
-            <a:r>
-              <a:rPr/>
-              <a:t>Git</a:t>
-            </a:r>
-            <a:r>
-              <a:rPr/>
-              <a:t> </a:t>
-            </a:r>
-            <a:r>
-              <a:rPr/>
-              <a:t>+</a:t>
-            </a:r>
-            <a:r>
-              <a:rPr/>
-              <a:t> </a:t>
-            </a:r>
-            <a:r>
-              <a:rPr/>
-              <a:t>Packrat</a:t>
-            </a:r>
-          </a:p>
-        </p:txBody>
-      </p:sp>
-      <p:sp>
-        <p:nvSpPr>
-          <p:cNvPr id="3" name="Content Placeholder 2"/>
-          <p:cNvSpPr>
-            <a:spLocks noGrp="1"/>
-          </p:cNvSpPr>
-          <p:nvPr>
-            <p:ph idx="1"/>
-          </p:nvPr>
-        </p:nvSpPr>
-        <p:spPr/>
-        <p:txBody>
-          <a:bodyPr/>
-          <a:lstStyle/>
-          <a:p>
-            <a:pPr lvl="0" marL="0" indent="0">
-              <a:buNone/>
-            </a:pPr>
-            <a:r>
-              <a:rPr/>
-              <a:t>Bo Burla, Data Science 201 alumnus from MSACL EU 2018, created the following reproducible analysis: </a:t>
-            </a:r>
-            <a:r>
-              <a:rPr>
-                <a:hlinkClick r:id="rId2"/>
-              </a:rPr>
-              <a:t>https://github.com/pcmathias/Manuscript_Sieber-Ruckstuhl_Burla_2019</a:t>
-            </a:r>
-          </a:p>
-        </p:txBody>
-      </p:sp>
-    </p:spTree>
-  </p:cSld>
-</p:sld>
-</file>
-
-<file path=ppt/slides/slide38.xml><?xml version="1.0" encoding="utf-8"?>
-<p:sld xmlns:a="http://schemas.openxmlformats.org/drawingml/2006/main" xmlns:r="http://schemas.openxmlformats.org/officeDocument/2006/relationships" xmlns:p="http://schemas.openxmlformats.org/presentationml/2006/main">
-  <p:cSld>
-    <p:spTree>
-      <p:nvGrpSpPr>
-        <p:cNvPr id="1" name=""/>
-        <p:cNvGrpSpPr/>
-        <p:nvPr/>
-      </p:nvGrpSpPr>
-      <p:grpSpPr>
-        <a:xfrm>
-          <a:off x="0" y="0"/>
-          <a:ext cx="0" cy="0"/>
-          <a:chOff x="0" y="0"/>
-          <a:chExt cx="0" cy="0"/>
-        </a:xfrm>
-      </p:grpSpPr>
-      <p:sp>
-        <p:nvSpPr>
-          <p:cNvPr id="2" name="Title 1"/>
-          <p:cNvSpPr>
-            <a:spLocks noGrp="1"/>
-          </p:cNvSpPr>
-          <p:nvPr>
-            <p:ph type="title"/>
-          </p:nvPr>
-        </p:nvSpPr>
-        <p:spPr/>
-        <p:txBody>
-          <a:bodyPr/>
-          <a:lstStyle/>
-          <a:p>
-            <a:pPr lvl="0" marL="0" indent="0">
-              <a:buNone/>
-            </a:pPr>
-            <a:r>
-              <a:rPr/>
-              <a:t>Lesson</a:t>
-            </a:r>
-            <a:r>
-              <a:rPr/>
-              <a:t> </a:t>
-            </a:r>
-            <a:r>
-              <a:rPr/>
-              <a:t>1</a:t>
-            </a:r>
-            <a:r>
-              <a:rPr/>
-              <a:t> </a:t>
-            </a:r>
-            <a:r>
-              <a:rPr/>
-              <a:t>wrap-up</a:t>
-            </a:r>
-          </a:p>
-        </p:txBody>
-      </p:sp>
-      <p:sp>
-        <p:nvSpPr>
-          <p:cNvPr id="3" name="Content Placeholder 2"/>
-          <p:cNvSpPr>
-            <a:spLocks noGrp="1"/>
-          </p:cNvSpPr>
-          <p:nvPr>
-            <p:ph idx="1"/>
-          </p:nvPr>
-        </p:nvSpPr>
-        <p:spPr/>
-        <p:txBody>
-          <a:bodyPr/>
-          <a:lstStyle/>
-          <a:p>
-            <a:pPr lvl="1"/>
-            <a:r>
-              <a:rPr/>
-              <a:t>Reproducible research is the principle that any research result can be reproduced by anybody</a:t>
-            </a:r>
-          </a:p>
-          <a:p>
-            <a:pPr lvl="1"/>
-            <a:r>
-              <a:rPr/>
-              <a:t>Practices in reproducible research also offer benefits for to the code author in producing clearer, easier to understand code and being able to easily repeat past work</a:t>
-            </a:r>
-          </a:p>
-        </p:txBody>
-      </p:sp>
-    </p:spTree>
-  </p:cSld>
-</p:sld>
-</file>
-
-<file path=ppt/slides/slide39.xml><?xml version="1.0" encoding="utf-8"?>
-<p:sld xmlns:a="http://schemas.openxmlformats.org/drawingml/2006/main" xmlns:r="http://schemas.openxmlformats.org/officeDocument/2006/relationships" xmlns:p="http://schemas.openxmlformats.org/presentationml/2006/main">
-  <p:cSld>
-    <p:spTree>
-      <p:nvGrpSpPr>
-        <p:cNvPr id="1" name=""/>
-        <p:cNvGrpSpPr/>
-        <p:nvPr/>
-      </p:nvGrpSpPr>
-      <p:grpSpPr>
-        <a:xfrm>
-          <a:off x="0" y="0"/>
-          <a:ext cx="0" cy="0"/>
-          <a:chOff x="0" y="0"/>
-          <a:chExt cx="0" cy="0"/>
-        </a:xfrm>
-      </p:grpSpPr>
-      <p:sp>
-        <p:nvSpPr>
-          <p:cNvPr id="2" name="Title 1"/>
-          <p:cNvSpPr>
-            <a:spLocks noGrp="1"/>
-          </p:cNvSpPr>
-          <p:nvPr>
-            <p:ph type="title"/>
-          </p:nvPr>
-        </p:nvSpPr>
-        <p:spPr/>
-        <p:txBody>
-          <a:bodyPr/>
-          <a:lstStyle/>
-          <a:p>
-            <a:pPr lvl="0" marL="0" indent="0">
-              <a:buNone/>
-            </a:pPr>
-            <a:r>
-              <a:rPr/>
-              <a:t>Lesson</a:t>
-            </a:r>
-            <a:r>
-              <a:rPr/>
-              <a:t> </a:t>
-            </a:r>
-            <a:r>
-              <a:rPr/>
-              <a:t>1</a:t>
-            </a:r>
-            <a:r>
-              <a:rPr/>
-              <a:t> </a:t>
-            </a:r>
-            <a:r>
-              <a:rPr/>
-              <a:t>wrap-up</a:t>
-            </a:r>
-          </a:p>
-        </p:txBody>
-      </p:sp>
-      <p:sp>
-        <p:nvSpPr>
-          <p:cNvPr id="3" name="Content Placeholder 2"/>
-          <p:cNvSpPr>
-            <a:spLocks noGrp="1"/>
-          </p:cNvSpPr>
-          <p:nvPr>
-            <p:ph idx="1"/>
-          </p:nvPr>
-        </p:nvSpPr>
-        <p:spPr/>
-        <p:txBody>
-          <a:bodyPr/>
-          <a:lstStyle/>
-          <a:p>
-            <a:pPr lvl="1"/>
-            <a:r>
-              <a:rPr/>
-              <a:t>Important practices in reproducible research include:</a:t>
+              <a:t>Adopting a style convention for coding</a:t>
             </a:r>
           </a:p>
           <a:p>
             <a:pPr lvl="2"/>
             <a:r>
               <a:rPr/>
-              <a:t>Developing a standardized but easy-to-use project structure</a:t>
-            </a:r>
-          </a:p>
-          <a:p>
-            <a:pPr lvl="2"/>
-            <a:r>
-              <a:rPr/>
-              <a:t>Adopting a style convention for coding</a:t>
-            </a:r>
-          </a:p>
-          <a:p>
-            <a:pPr lvl="2"/>
-            <a:r>
-              <a:rPr/>
               <a:t>Enforcing reproducibility when working with projects and packages</a:t>
-            </a:r>
-          </a:p>
-          <a:p>
-            <a:pPr lvl="2"/>
-            <a:r>
-              <a:rPr/>
-              <a:t>Using a version control system to track work and collaborate with others</a:t>
             </a:r>
           </a:p>
         </p:txBody>
@@ -7933,14 +6880,14 @@
             <a:pPr lvl="1"/>
             <a:r>
               <a:rPr/>
+              <a:t>Adopt a style convention for coding</a:t>
+            </a:r>
+          </a:p>
+          <a:p>
+            <a:pPr lvl="1"/>
+            <a:r>
+              <a:rPr/>
               <a:t>Develop a standardized but easy-to-use project structure</a:t>
-            </a:r>
-          </a:p>
-          <a:p>
-            <a:pPr lvl="1"/>
-            <a:r>
-              <a:rPr/>
-              <a:t>Adopt a style convention for coding</a:t>
             </a:r>
           </a:p>
           <a:p>
@@ -8016,7 +6963,7 @@
             </a:pPr>
             <a:r>
               <a:rPr/>
-              <a:t>Develop</a:t>
+              <a:t>Adopt</a:t>
             </a:r>
             <a:r>
               <a:rPr/>
@@ -8032,23 +6979,31 @@
             </a:r>
             <a:r>
               <a:rPr/>
-              <a:t>standard</a:t>
-            </a:r>
-            <a:r>
-              <a:rPr/>
-              <a:t> </a:t>
-            </a:r>
-            <a:r>
-              <a:rPr/>
-              <a:t>project</a:t>
-            </a:r>
-            <a:r>
-              <a:rPr/>
-              <a:t> </a:t>
-            </a:r>
-            <a:r>
-              <a:rPr/>
-              <a:t>structure</a:t>
+              <a:t>style</a:t>
+            </a:r>
+            <a:r>
+              <a:rPr/>
+              <a:t> </a:t>
+            </a:r>
+            <a:r>
+              <a:rPr/>
+              <a:t>convention</a:t>
+            </a:r>
+            <a:r>
+              <a:rPr/>
+              <a:t> </a:t>
+            </a:r>
+            <a:r>
+              <a:rPr/>
+              <a:t>for</a:t>
+            </a:r>
+            <a:r>
+              <a:rPr/>
+              <a:t> </a:t>
+            </a:r>
+            <a:r>
+              <a:rPr/>
+              <a:t>coding</a:t>
             </a:r>
           </a:p>
         </p:txBody>
@@ -8070,43 +7025,21 @@
           <a:p>
             <a:pPr lvl="1"/>
             <a:r>
-              <a:rPr b="1"/>
-              <a:t>Put each project in its own directory, which is named after the project</a:t>
+              <a:rPr/>
+              <a:t>Consistent style makes it easier for others (and yourself to read code)</a:t>
             </a:r>
           </a:p>
           <a:p>
             <a:pPr lvl="1"/>
             <a:r>
               <a:rPr/>
-              <a:t>Put text documents associated with the project in the doc directory</a:t>
-            </a:r>
-          </a:p>
-          <a:p>
-            <a:pPr lvl="1"/>
-            <a:r>
-              <a:rPr b="1"/>
-              <a:t>Put raw data and metadata in a data directory and files generated during cleanup and analysis in a results directory</a:t>
-            </a:r>
-          </a:p>
-          <a:p>
-            <a:pPr lvl="1"/>
-            <a:r>
-              <a:rPr/>
-              <a:t>Put project source code in the src directory</a:t>
-            </a:r>
-          </a:p>
-          <a:p>
-            <a:pPr lvl="1"/>
-            <a:r>
-              <a:rPr/>
-              <a:t>Put compiled programs in the bin directory</a:t>
-            </a:r>
-          </a:p>
-          <a:p>
-            <a:pPr lvl="1"/>
-            <a:r>
-              <a:rPr b="1"/>
-              <a:t>Name all files to reflect their content or function</a:t>
+              <a:t>Tidyverse style guide: </a:t>
+            </a:r>
+            <a:r>
+              <a:rPr>
+                <a:hlinkClick r:id="rId2"/>
+              </a:rPr>
+              <a:t>http://style.tidyverse.org/</a:t>
             </a:r>
           </a:p>
         </p:txBody>
@@ -8153,15 +7086,47 @@
             </a:pPr>
             <a:r>
               <a:rPr/>
-              <a:t>Exercise</a:t>
-            </a:r>
-            <a:r>
-              <a:rPr/>
-              <a:t> </a:t>
-            </a:r>
-            <a:r>
-              <a:rPr/>
-              <a:t>1</a:t>
+              <a:t>Adopt</a:t>
+            </a:r>
+            <a:r>
+              <a:rPr/>
+              <a:t> </a:t>
+            </a:r>
+            <a:r>
+              <a:rPr/>
+              <a:t>a</a:t>
+            </a:r>
+            <a:r>
+              <a:rPr/>
+              <a:t> </a:t>
+            </a:r>
+            <a:r>
+              <a:rPr/>
+              <a:t>style</a:t>
+            </a:r>
+            <a:r>
+              <a:rPr/>
+              <a:t> </a:t>
+            </a:r>
+            <a:r>
+              <a:rPr/>
+              <a:t>convention</a:t>
+            </a:r>
+            <a:r>
+              <a:rPr/>
+              <a:t> </a:t>
+            </a:r>
+            <a:r>
+              <a:rPr/>
+              <a:t>for</a:t>
+            </a:r>
+            <a:r>
+              <a:rPr/>
+              <a:t> </a:t>
+            </a:r>
+            <a:r>
+              <a:rPr/>
+              <a:t>coding</a:t>
             </a:r>
           </a:p>
         </p:txBody>
@@ -8181,12 +7146,113 @@
           <a:bodyPr/>
           <a:lstStyle/>
           <a:p>
-            <a:pPr lvl="0" marL="0" indent="0">
+            <a:pPr lvl="1"/>
+            <a:r>
+              <a:rPr/>
+              <a:t>Highlights:</a:t>
+            </a:r>
+          </a:p>
+          <a:p>
+            <a:pPr lvl="1">
               <a:buNone/>
             </a:pPr>
             <a:r>
               <a:rPr/>
-              <a:t>Navigate your directory structure</a:t>
+              <a:t>-Use underscores to separate words in a name (see above comments for file names)</a:t>
+            </a:r>
+          </a:p>
+          <a:p>
+            <a:pPr lvl="2"/>
+            <a:r>
+              <a:rPr/>
+              <a:t>Put a space before and after operators (such as </a:t>
+            </a:r>
+            <a:r>
+              <a:rPr>
+                <a:latin typeface="Courier"/>
+              </a:rPr>
+              <a:t>==</a:t>
+            </a:r>
+            <a:r>
+              <a:rPr/>
+              <a:t>, </a:t>
+            </a:r>
+            <a:r>
+              <a:rPr>
+                <a:latin typeface="Courier"/>
+              </a:rPr>
+              <a:t>+</a:t>
+            </a:r>
+            <a:r>
+              <a:rPr/>
+              <a:t>, </a:t>
+            </a:r>
+            <a:r>
+              <a:rPr>
+                <a:latin typeface="Courier"/>
+              </a:rPr>
+              <a:t>&lt;-</a:t>
+            </a:r>
+            <a:r>
+              <a:rPr/>
+              <a:t>), but there are a few exceptions such as </a:t>
+            </a:r>
+            <a:r>
+              <a:rPr>
+                <a:latin typeface="Courier"/>
+              </a:rPr>
+              <a:t>^</a:t>
+            </a:r>
+            <a:r>
+              <a:rPr/>
+              <a:t> or </a:t>
+            </a:r>
+            <a:r>
+              <a:rPr>
+                <a:latin typeface="Courier"/>
+              </a:rPr>
+              <a:t>:</a:t>
+            </a:r>
+          </a:p>
+          <a:p>
+            <a:pPr lvl="2"/>
+            <a:r>
+              <a:rPr/>
+              <a:t>Use </a:t>
+            </a:r>
+            <a:r>
+              <a:rPr>
+                <a:latin typeface="Courier"/>
+              </a:rPr>
+              <a:t>&lt;-</a:t>
+            </a:r>
+            <a:r>
+              <a:rPr/>
+              <a:t> rather than </a:t>
+            </a:r>
+            <a:r>
+              <a:rPr>
+                <a:latin typeface="Courier"/>
+              </a:rPr>
+              <a:t>=</a:t>
+            </a:r>
+            <a:r>
+              <a:rPr/>
+              <a:t> for assignment</a:t>
+            </a:r>
+          </a:p>
+          <a:p>
+            <a:pPr lvl="2"/>
+            <a:r>
+              <a:rPr/>
+              <a:t>Try to limit code to 80 characters per line</a:t>
+            </a:r>
+          </a:p>
+          <a:p>
+            <a:pPr lvl="2"/>
+            <a:r>
+              <a:rPr/>
+              <a:t>If a function call is too long, separate arguments to use one line each for function, arguements, and closing parenthesis</a:t>
             </a:r>
           </a:p>
         </p:txBody>
@@ -8233,73 +7299,23 @@
             </a:pPr>
             <a:r>
               <a:rPr/>
-              <a:t>fs</a:t>
-            </a:r>
-            <a:r>
-              <a:rPr/>
-              <a:t> </a:t>
-            </a:r>
-            <a:r>
-              <a:rPr/>
-              <a:t>package:</a:t>
-            </a:r>
-            <a:r>
-              <a:rPr/>
-              <a:t> </a:t>
-            </a:r>
-            <a:r>
-              <a:rPr sz="1800">
-                <a:latin typeface="Courier"/>
-              </a:rPr>
-              <a:t>dir_ls</a:t>
-            </a:r>
-            <a:r>
-              <a:rPr/>
-              <a:t> </a:t>
-            </a:r>
-            <a:r>
-              <a:rPr/>
-              <a:t>to</a:t>
-            </a:r>
-            <a:r>
-              <a:rPr/>
-              <a:t> </a:t>
-            </a:r>
-            <a:r>
-              <a:rPr/>
-              <a:t>list</a:t>
-            </a:r>
-            <a:r>
-              <a:rPr/>
-              <a:t> </a:t>
-            </a:r>
-            <a:r>
-              <a:rPr/>
-              <a:t>files</a:t>
-            </a:r>
-            <a:r>
-              <a:rPr/>
-              <a:t> </a:t>
-            </a:r>
-            <a:r>
-              <a:rPr/>
-              <a:t>in</a:t>
-            </a:r>
-            <a:r>
-              <a:rPr/>
-              <a:t> </a:t>
-            </a:r>
-            <a:r>
-              <a:rPr/>
-              <a:t>a</a:t>
-            </a:r>
-            <a:r>
-              <a:rPr/>
-              <a:t> </a:t>
-            </a:r>
-            <a:r>
-              <a:rPr/>
-              <a:t>directory</a:t>
+              <a:t>Style</a:t>
+            </a:r>
+            <a:r>
+              <a:rPr/>
+              <a:t> </a:t>
+            </a:r>
+            <a:r>
+              <a:rPr/>
+              <a:t>convention</a:t>
+            </a:r>
+            <a:r>
+              <a:rPr/>
+              <a:t> </a:t>
+            </a:r>
+            <a:r>
+              <a:rPr/>
+              <a:t>example</a:t>
             </a:r>
           </a:p>
         </p:txBody>
@@ -8319,70 +7335,195 @@
           <a:bodyPr/>
           <a:lstStyle/>
           <a:p>
-            <a:pPr lvl="0" marL="1270000" indent="0">
+            <a:pPr lvl="0" indent="0">
               <a:buNone/>
             </a:pPr>
             <a:r>
-              <a:rPr sz="1800" b="1">
-                <a:solidFill>
-                  <a:srgbClr val="007020"/>
-                </a:solidFill>
-                <a:latin typeface="Courier"/>
-              </a:rPr>
-              <a:t>library</a:t>
-            </a:r>
-            <a:r>
-              <a:rPr sz="1800">
-                <a:latin typeface="Courier"/>
-              </a:rPr>
-              <a:t>(fs)</a:t>
+              <a:rPr i="1">
+                <a:solidFill>
+                  <a:srgbClr val="60A0B0"/>
+                </a:solidFill>
+                <a:latin typeface="Courier"/>
+              </a:rPr>
+              <a:t># Good</a:t>
             </a:r>
             <a:br/>
             <a:r>
-              <a:rPr sz="1800" b="1">
-                <a:solidFill>
-                  <a:srgbClr val="007020"/>
-                </a:solidFill>
-                <a:latin typeface="Courier"/>
-              </a:rPr>
-              <a:t>dir_ls</a:t>
-            </a:r>
-            <a:r>
-              <a:rPr sz="1800">
+              <a:rPr>
+                <a:solidFill>
+                  <a:srgbClr val="06287E"/>
+                </a:solidFill>
+                <a:latin typeface="Courier"/>
+              </a:rPr>
+              <a:t>do_something_very_complicated</a:t>
+            </a:r>
+            <a:r>
+              <a:rPr>
                 <a:latin typeface="Courier"/>
               </a:rPr>
               <a:t>(</a:t>
             </a:r>
-            <a:r>
-              <a:rPr sz="1800">
+            <a:br/>
+            <a:r>
+              <a:rPr>
+                <a:latin typeface="Courier"/>
+              </a:rPr>
+              <a:t>  </a:t>
+            </a:r>
+            <a:r>
+              <a:rPr>
+                <a:solidFill>
+                  <a:srgbClr val="7D9029"/>
+                </a:solidFill>
+                <a:latin typeface="Courier"/>
+              </a:rPr>
+              <a:t>something =</a:t>
+            </a:r>
+            <a:r>
+              <a:rPr>
+                <a:latin typeface="Courier"/>
+              </a:rPr>
+              <a:t> </a:t>
+            </a:r>
+            <a:r>
+              <a:rPr>
                 <a:solidFill>
                   <a:srgbClr val="4070A0"/>
                 </a:solidFill>
                 <a:latin typeface="Courier"/>
               </a:rPr>
-              <a:t>"data"</a:t>
-            </a:r>
-            <a:r>
-              <a:rPr sz="1800">
+              <a:t>"that"</a:t>
+            </a:r>
+            <a:r>
+              <a:rPr>
+                <a:latin typeface="Courier"/>
+              </a:rPr>
+              <a:t>,</a:t>
+            </a:r>
+            <a:br/>
+            <a:r>
+              <a:rPr>
+                <a:latin typeface="Courier"/>
+              </a:rPr>
+              <a:t>  </a:t>
+            </a:r>
+            <a:r>
+              <a:rPr>
+                <a:solidFill>
+                  <a:srgbClr val="7D9029"/>
+                </a:solidFill>
+                <a:latin typeface="Courier"/>
+              </a:rPr>
+              <a:t>requires =</a:t>
+            </a:r>
+            <a:r>
+              <a:rPr>
+                <a:latin typeface="Courier"/>
+              </a:rPr>
+              <a:t> many,</a:t>
+            </a:r>
+            <a:br/>
+            <a:r>
+              <a:rPr>
+                <a:latin typeface="Courier"/>
+              </a:rPr>
+              <a:t>  </a:t>
+            </a:r>
+            <a:r>
+              <a:rPr>
+                <a:solidFill>
+                  <a:srgbClr val="7D9029"/>
+                </a:solidFill>
+                <a:latin typeface="Courier"/>
+              </a:rPr>
+              <a:t>arguments =</a:t>
+            </a:r>
+            <a:r>
+              <a:rPr>
+                <a:latin typeface="Courier"/>
+              </a:rPr>
+              <a:t> </a:t>
+            </a:r>
+            <a:r>
+              <a:rPr>
+                <a:solidFill>
+                  <a:srgbClr val="4070A0"/>
+                </a:solidFill>
+                <a:latin typeface="Courier"/>
+              </a:rPr>
+              <a:t>"some of which may be long"</a:t>
+            </a:r>
+            <a:br/>
+            <a:r>
+              <a:rPr>
                 <a:latin typeface="Courier"/>
               </a:rPr>
               <a:t>)</a:t>
             </a:r>
-          </a:p>
-          <a:p>
-            <a:pPr lvl="0" marL="1270000" indent="0">
-              <a:buNone/>
-            </a:pPr>
-            <a:r>
-              <a:rPr sz="1800">
-                <a:latin typeface="Courier"/>
-              </a:rPr>
-              <a:t>## /Users/patrickmathias/src/MSACL-intermediate-R-course/data/2017-01-06_b.csv
-## /Users/patrickmathias/src/MSACL-intermediate-R-course/data/2017-01-06_p.csv
-## /Users/patrickmathias/src/MSACL-intermediate-R-course/data/2017-01-06_s.csv
-## /Users/patrickmathias/src/MSACL-intermediate-R-course/data/2017-02-06_b.csv
-## /Users/patrickmathias/src/MSACL-intermediate-R-course/data/2017-02-06_p.csv
-## /Users/patrickmathias/src/MSACL-intermediate-R-course/data/2017-02-06_s.csv</a:t>
+            <a:br/>
+            <a:br/>
+            <a:r>
+              <a:rPr i="1">
+                <a:solidFill>
+                  <a:srgbClr val="60A0B0"/>
+                </a:solidFill>
+                <a:latin typeface="Courier"/>
+              </a:rPr>
+              <a:t># Bad</a:t>
+            </a:r>
+            <a:br/>
+            <a:r>
+              <a:rPr>
+                <a:solidFill>
+                  <a:srgbClr val="06287E"/>
+                </a:solidFill>
+                <a:latin typeface="Courier"/>
+              </a:rPr>
+              <a:t>do_something_very_complicated</a:t>
+            </a:r>
+            <a:r>
+              <a:rPr>
+                <a:latin typeface="Courier"/>
+              </a:rPr>
+              <a:t>(</a:t>
+            </a:r>
+            <a:r>
+              <a:rPr>
+                <a:solidFill>
+                  <a:srgbClr val="4070A0"/>
+                </a:solidFill>
+                <a:latin typeface="Courier"/>
+              </a:rPr>
+              <a:t>"that"</a:t>
+            </a:r>
+            <a:r>
+              <a:rPr>
+                <a:latin typeface="Courier"/>
+              </a:rPr>
+              <a:t>, requires, many, arguments,</a:t>
+            </a:r>
+            <a:br/>
+            <a:r>
+              <a:rPr>
+                <a:latin typeface="Courier"/>
+              </a:rPr>
+              <a:t>                              </a:t>
+            </a:r>
+            <a:r>
+              <a:rPr>
+                <a:solidFill>
+                  <a:srgbClr val="4070A0"/>
+                </a:solidFill>
+                <a:latin typeface="Courier"/>
+              </a:rPr>
+              <a:t>"some of which may be long"</a:t>
+            </a:r>
+            <a:br/>
+            <a:r>
+              <a:rPr>
+                <a:latin typeface="Courier"/>
+              </a:rPr>
+              <a:t>                              )</a:t>
             </a:r>
           </a:p>
         </p:txBody>
@@ -8429,63 +7570,39 @@
             </a:pPr>
             <a:r>
               <a:rPr/>
-              <a:t>Find</a:t>
-            </a:r>
-            <a:r>
-              <a:rPr/>
-              <a:t> </a:t>
-            </a:r>
-            <a:r>
-              <a:rPr/>
-              <a:t>files</a:t>
-            </a:r>
-            <a:r>
-              <a:rPr/>
-              <a:t> </a:t>
-            </a:r>
-            <a:r>
-              <a:rPr/>
-              <a:t>with</a:t>
-            </a:r>
-            <a:r>
-              <a:rPr/>
-              <a:t> </a:t>
-            </a:r>
-            <a:r>
-              <a:rPr/>
-              <a:t>a</a:t>
-            </a:r>
-            <a:r>
-              <a:rPr/>
-              <a:t> </a:t>
-            </a:r>
-            <a:r>
-              <a:rPr/>
-              <a:t>specific</a:t>
-            </a:r>
-            <a:r>
-              <a:rPr/>
-              <a:t> </a:t>
-            </a:r>
-            <a:r>
-              <a:rPr/>
-              <a:t>extension</a:t>
-            </a:r>
-            <a:r>
-              <a:rPr/>
-              <a:t> </a:t>
-            </a:r>
-            <a:r>
-              <a:rPr/>
-              <a:t>or</a:t>
-            </a:r>
-            <a:r>
-              <a:rPr/>
-              <a:t> </a:t>
-            </a:r>
-            <a:r>
-              <a:rPr/>
-              <a:t>pattern</a:t>
+              <a:t>Packages</a:t>
+            </a:r>
+            <a:r>
+              <a:rPr/>
+              <a:t> </a:t>
+            </a:r>
+            <a:r>
+              <a:rPr/>
+              <a:t>supporting</a:t>
+            </a:r>
+            <a:r>
+              <a:rPr/>
+              <a:t> </a:t>
+            </a:r>
+            <a:r>
+              <a:rPr/>
+              <a:t>consistent</a:t>
+            </a:r>
+            <a:r>
+              <a:rPr/>
+              <a:t> </a:t>
+            </a:r>
+            <a:r>
+              <a:rPr/>
+              <a:t>coding</a:t>
+            </a:r>
+            <a:r>
+              <a:rPr/>
+              <a:t> </a:t>
+            </a:r>
+            <a:r>
+              <a:rPr/>
+              <a:t>style</a:t>
             </a:r>
           </a:p>
         </p:txBody>
@@ -8505,99 +7622,56 @@
           <a:bodyPr/>
           <a:lstStyle/>
           <a:p>
-            <a:pPr lvl="0" marL="1270000" indent="0">
-              <a:buNone/>
-            </a:pPr>
-            <a:r>
-              <a:rPr sz="1800" b="1">
-                <a:solidFill>
-                  <a:srgbClr val="007020"/>
-                </a:solidFill>
-                <a:latin typeface="Courier"/>
-              </a:rPr>
-              <a:t>dir_ls</a:t>
-            </a:r>
-            <a:r>
-              <a:rPr sz="1800">
-                <a:latin typeface="Courier"/>
-              </a:rPr>
-              <a:t>(</a:t>
-            </a:r>
-            <a:r>
-              <a:rPr sz="1800">
-                <a:solidFill>
-                  <a:srgbClr val="902000"/>
-                </a:solidFill>
-                <a:latin typeface="Courier"/>
-              </a:rPr>
-              <a:t>path =</a:t>
-            </a:r>
-            <a:r>
-              <a:rPr sz="1800">
-                <a:latin typeface="Courier"/>
-              </a:rPr>
-              <a:t> </a:t>
-            </a:r>
-            <a:r>
-              <a:rPr sz="1800">
-                <a:solidFill>
-                  <a:srgbClr val="4070A0"/>
-                </a:solidFill>
-                <a:latin typeface="Courier"/>
-              </a:rPr>
-              <a:t>"data"</a:t>
-            </a:r>
-            <a:r>
-              <a:rPr sz="1800">
-                <a:latin typeface="Courier"/>
-              </a:rPr>
-              <a:t>, </a:t>
-            </a:r>
-            <a:r>
-              <a:rPr sz="1800">
-                <a:solidFill>
-                  <a:srgbClr val="902000"/>
-                </a:solidFill>
-                <a:latin typeface="Courier"/>
-              </a:rPr>
-              <a:t>glob =</a:t>
-            </a:r>
-            <a:r>
-              <a:rPr sz="1800">
-                <a:latin typeface="Courier"/>
-              </a:rPr>
-              <a:t> </a:t>
-            </a:r>
-            <a:r>
-              <a:rPr sz="1800">
-                <a:solidFill>
-                  <a:srgbClr val="4070A0"/>
-                </a:solidFill>
-                <a:latin typeface="Courier"/>
-              </a:rPr>
-              <a:t>"*_s.csv"</a:t>
-            </a:r>
-            <a:r>
-              <a:rPr sz="1800">
-                <a:latin typeface="Courier"/>
-              </a:rPr>
-              <a:t>)</a:t>
-            </a:r>
-          </a:p>
-          <a:p>
-            <a:pPr lvl="0" marL="1270000" indent="0">
-              <a:buNone/>
-            </a:pPr>
-            <a:r>
-              <a:rPr sz="1800">
-                <a:latin typeface="Courier"/>
-              </a:rPr>
-              <a:t>## /Users/patrickmathias/src/MSACL-intermediate-R-course/data/2017-01-06_s.csv
-## /Users/patrickmathias/src/MSACL-intermediate-R-course/data/2017-02-06_s.csv
-## /Users/patrickmathias/src/MSACL-intermediate-R-course/data/2017-03-09_s.csv
-## /Users/patrickmathias/src/MSACL-intermediate-R-course/data/2017-04-08_s.csv
-## /Users/patrickmathias/src/MSACL-intermediate-R-course/data/2017-05-09_s.csv
-## /Users/patrickmathias/src/MSACL-intermediate-R-course/data/2017-06-08_s.csv</a:t>
+            <a:pPr lvl="1"/>
+            <a:r>
+              <a:rPr>
+                <a:hlinkClick r:id="rId2"/>
+              </a:rPr>
+              <a:t>styler</a:t>
+            </a:r>
+            <a:r>
+              <a:rPr/>
+              <a:t> is a package that allows you to interactively reformat a chunk of code, a file, or a directory</a:t>
+            </a:r>
+          </a:p>
+          <a:p>
+            <a:pPr lvl="2"/>
+            <a:r>
+              <a:rPr/>
+              <a:t>styler can function as an Addin within RStudio (look above your markdown window for addins already installed in your RStudio)</a:t>
+            </a:r>
+          </a:p>
+          <a:p>
+            <a:pPr lvl="2"/>
+            <a:r>
+              <a:rPr/>
+              <a:t>You can highlight code, apply styler via the Addins menu, and code will automatically be formatted per the Tidyverse style guid</a:t>
+            </a:r>
+          </a:p>
+          <a:p>
+            <a:pPr lvl="1"/>
+            <a:r>
+              <a:rPr>
+                <a:hlinkClick r:id="rId3"/>
+              </a:rPr>
+              <a:t>formatr</a:t>
+            </a:r>
+            <a:r>
+              <a:rPr/>
+              <a:t> allows you to reformat whole files and directories</a:t>
+            </a:r>
+          </a:p>
+          <a:p>
+            <a:pPr lvl="1"/>
+            <a:r>
+              <a:rPr>
+                <a:hlinkClick r:id="rId4"/>
+              </a:rPr>
+              <a:t>lintr</a:t>
+            </a:r>
+            <a:r>
+              <a:rPr/>
+              <a:t> checks code and provides output on formatting issues</a:t>
             </a:r>
           </a:p>
         </p:txBody>
@@ -8644,33 +7718,55 @@
             </a:pPr>
             <a:r>
               <a:rPr/>
-              <a:t>Create</a:t>
-            </a:r>
-            <a:r>
-              <a:rPr/>
-              <a:t> </a:t>
-            </a:r>
-            <a:r>
-              <a:rPr/>
-              <a:t>directory</a:t>
-            </a:r>
-            <a:r>
-              <a:rPr/>
-              <a:t> </a:t>
-            </a:r>
-            <a:r>
-              <a:rPr/>
-              <a:t>with</a:t>
-            </a:r>
-            <a:r>
-              <a:rPr/>
-              <a:t> </a:t>
-            </a:r>
-            <a:r>
-              <a:rPr sz="1800">
-                <a:latin typeface="Courier"/>
-              </a:rPr>
-              <a:t>dir_create</a:t>
+              <a:t>Representing</a:t>
+            </a:r>
+            <a:r>
+              <a:rPr/>
+              <a:t> </a:t>
+            </a:r>
+            <a:r>
+              <a:rPr/>
+              <a:t>sequential</a:t>
+            </a:r>
+            <a:r>
+              <a:rPr/>
+              <a:t> </a:t>
+            </a:r>
+            <a:r>
+              <a:rPr/>
+              <a:t>operations</a:t>
+            </a:r>
+            <a:r>
+              <a:rPr/>
+              <a:t> </a:t>
+            </a:r>
+            <a:r>
+              <a:rPr/>
+              <a:t>in</a:t>
+            </a:r>
+            <a:r>
+              <a:rPr/>
+              <a:t> </a:t>
+            </a:r>
+            <a:r>
+              <a:rPr/>
+              <a:t>R</a:t>
+            </a:r>
+            <a:r>
+              <a:rPr/>
+              <a:t> </a:t>
+            </a:r>
+            <a:r>
+              <a:rPr/>
+              <a:t>-</a:t>
+            </a:r>
+            <a:r>
+              <a:rPr/>
+              <a:t> </a:t>
+            </a:r>
+            <a:r>
+              <a:rPr/>
+              <a:t>pipes</a:t>
             </a:r>
           </a:p>
         </p:txBody>
@@ -8690,73 +7786,342 @@
           <a:bodyPr/>
           <a:lstStyle/>
           <a:p>
-            <a:pPr lvl="1"/>
-            <a:r>
-              <a:rPr/>
-              <a:t>Optional exercise: create a projects directory</a:t>
-            </a:r>
-          </a:p>
-          <a:p>
-            <a:pPr lvl="0" marL="1270000" indent="0">
+            <a:pPr lvl="0" indent="0">
               <a:buNone/>
             </a:pPr>
             <a:r>
-              <a:rPr sz="1800" b="1">
+              <a:rPr i="1">
+                <a:solidFill>
+                  <a:srgbClr val="60A0B0"/>
+                </a:solidFill>
+                <a:latin typeface="Courier"/>
+              </a:rPr>
+              <a:t># one way to represent a hop, scoop, and a bop, without pipes</a:t>
+            </a:r>
+            <a:br/>
+            <a:r>
+              <a:rPr>
+                <a:latin typeface="Courier"/>
+              </a:rPr>
+              <a:t>my_morning </a:t>
+            </a:r>
+            <a:r>
+              <a:rPr>
                 <a:solidFill>
                   <a:srgbClr val="007020"/>
                 </a:solidFill>
                 <a:latin typeface="Courier"/>
               </a:rPr>
-              <a:t>dir_create</a:t>
-            </a:r>
-            <a:r>
-              <a:rPr sz="1800">
-                <a:latin typeface="Courier"/>
-              </a:rPr>
-              <a:t>(</a:t>
-            </a:r>
-            <a:r>
-              <a:rPr sz="1800">
+              <a:t>&lt;-</a:t>
+            </a:r>
+            <a:r>
+              <a:rPr>
+                <a:latin typeface="Courier"/>
+              </a:rPr>
+              <a:t> </a:t>
+            </a:r>
+            <a:r>
+              <a:rPr>
+                <a:solidFill>
+                  <a:srgbClr val="06287E"/>
+                </a:solidFill>
+                <a:latin typeface="Courier"/>
+              </a:rPr>
+              <a:t>wake_up</a:t>
+            </a:r>
+            <a:r>
+              <a:rPr>
+                <a:latin typeface="Courier"/>
+              </a:rPr>
+              <a:t>(I, </a:t>
+            </a:r>
+            <a:r>
+              <a:rPr>
+                <a:solidFill>
+                  <a:srgbClr val="7D9029"/>
+                </a:solidFill>
+                <a:latin typeface="Courier"/>
+              </a:rPr>
+              <a:t>time =</a:t>
+            </a:r>
+            <a:r>
+              <a:rPr>
+                <a:latin typeface="Courier"/>
+              </a:rPr>
+              <a:t> </a:t>
+            </a:r>
+            <a:r>
+              <a:rPr>
                 <a:solidFill>
                   <a:srgbClr val="4070A0"/>
                 </a:solidFill>
                 <a:latin typeface="Courier"/>
               </a:rPr>
-              <a:t>"Projects"</a:t>
-            </a:r>
-            <a:r>
-              <a:rPr sz="1800">
+              <a:t>"8:00"</a:t>
+            </a:r>
+            <a:r>
+              <a:rPr>
                 <a:latin typeface="Courier"/>
               </a:rPr>
               <a:t>)</a:t>
             </a:r>
             <a:br/>
             <a:r>
-              <a:rPr sz="1800" b="1">
+              <a:rPr>
+                <a:latin typeface="Courier"/>
+              </a:rPr>
+              <a:t>my_morning </a:t>
+            </a:r>
+            <a:r>
+              <a:rPr>
                 <a:solidFill>
                   <a:srgbClr val="007020"/>
                 </a:solidFill>
                 <a:latin typeface="Courier"/>
               </a:rPr>
-              <a:t>setwd</a:t>
-            </a:r>
-            <a:r>
-              <a:rPr sz="1800">
-                <a:latin typeface="Courier"/>
-              </a:rPr>
-              <a:t>(</a:t>
-            </a:r>
-            <a:r>
-              <a:rPr sz="1800">
+              <a:t>&lt;-</a:t>
+            </a:r>
+            <a:r>
+              <a:rPr>
+                <a:latin typeface="Courier"/>
+              </a:rPr>
+              <a:t> </a:t>
+            </a:r>
+            <a:r>
+              <a:rPr>
+                <a:solidFill>
+                  <a:srgbClr val="06287E"/>
+                </a:solidFill>
+                <a:latin typeface="Courier"/>
+              </a:rPr>
+              <a:t>get_out_of_bed</a:t>
+            </a:r>
+            <a:r>
+              <a:rPr>
+                <a:latin typeface="Courier"/>
+              </a:rPr>
+              <a:t>(my_morning, </a:t>
+            </a:r>
+            <a:r>
+              <a:rPr>
+                <a:solidFill>
+                  <a:srgbClr val="7D9029"/>
+                </a:solidFill>
+                <a:latin typeface="Courier"/>
+              </a:rPr>
+              <a:t>side =</a:t>
+            </a:r>
+            <a:r>
+              <a:rPr>
+                <a:latin typeface="Courier"/>
+              </a:rPr>
+              <a:t> </a:t>
+            </a:r>
+            <a:r>
+              <a:rPr>
                 <a:solidFill>
                   <a:srgbClr val="4070A0"/>
                 </a:solidFill>
                 <a:latin typeface="Courier"/>
               </a:rPr>
-              <a:t>"/Projects"</a:t>
-            </a:r>
-            <a:r>
-              <a:rPr sz="1800">
+              <a:t>"correct"</a:t>
+            </a:r>
+            <a:r>
+              <a:rPr>
+                <a:latin typeface="Courier"/>
+              </a:rPr>
+              <a:t>)</a:t>
+            </a:r>
+            <a:br/>
+            <a:r>
+              <a:rPr>
+                <a:latin typeface="Courier"/>
+              </a:rPr>
+              <a:t>my_morning </a:t>
+            </a:r>
+            <a:r>
+              <a:rPr>
+                <a:solidFill>
+                  <a:srgbClr val="007020"/>
+                </a:solidFill>
+                <a:latin typeface="Courier"/>
+              </a:rPr>
+              <a:t>&lt;-</a:t>
+            </a:r>
+            <a:r>
+              <a:rPr>
+                <a:latin typeface="Courier"/>
+              </a:rPr>
+              <a:t> </a:t>
+            </a:r>
+            <a:r>
+              <a:rPr>
+                <a:solidFill>
+                  <a:srgbClr val="06287E"/>
+                </a:solidFill>
+                <a:latin typeface="Courier"/>
+              </a:rPr>
+              <a:t>get_dressed</a:t>
+            </a:r>
+            <a:r>
+              <a:rPr>
+                <a:latin typeface="Courier"/>
+              </a:rPr>
+              <a:t>(my_morning, </a:t>
+            </a:r>
+            <a:r>
+              <a:rPr>
+                <a:solidFill>
+                  <a:srgbClr val="7D9029"/>
+                </a:solidFill>
+                <a:latin typeface="Courier"/>
+              </a:rPr>
+              <a:t>pants =</a:t>
+            </a:r>
+            <a:r>
+              <a:rPr>
+                <a:latin typeface="Courier"/>
+              </a:rPr>
+              <a:t> </a:t>
+            </a:r>
+            <a:r>
+              <a:rPr>
+                <a:solidFill>
+                  <a:srgbClr val="880000"/>
+                </a:solidFill>
+                <a:latin typeface="Courier"/>
+              </a:rPr>
+              <a:t>TRUE</a:t>
+            </a:r>
+            <a:r>
+              <a:rPr>
+                <a:latin typeface="Courier"/>
+              </a:rPr>
+              <a:t>, </a:t>
+            </a:r>
+            <a:r>
+              <a:rPr>
+                <a:solidFill>
+                  <a:srgbClr val="7D9029"/>
+                </a:solidFill>
+                <a:latin typeface="Courier"/>
+              </a:rPr>
+              <a:t>shirt =</a:t>
+            </a:r>
+            <a:r>
+              <a:rPr>
+                <a:latin typeface="Courier"/>
+              </a:rPr>
+              <a:t> </a:t>
+            </a:r>
+            <a:r>
+              <a:rPr>
+                <a:solidFill>
+                  <a:srgbClr val="880000"/>
+                </a:solidFill>
+                <a:latin typeface="Courier"/>
+              </a:rPr>
+              <a:t>TRUE</a:t>
+            </a:r>
+            <a:r>
+              <a:rPr>
+                <a:latin typeface="Courier"/>
+              </a:rPr>
+              <a:t>)</a:t>
+            </a:r>
+            <a:br/>
+            <a:r>
+              <a:rPr>
+                <a:latin typeface="Courier"/>
+              </a:rPr>
+              <a:t>my_morning </a:t>
+            </a:r>
+            <a:r>
+              <a:rPr>
+                <a:solidFill>
+                  <a:srgbClr val="007020"/>
+                </a:solidFill>
+                <a:latin typeface="Courier"/>
+              </a:rPr>
+              <a:t>&lt;-</a:t>
+            </a:r>
+            <a:r>
+              <a:rPr>
+                <a:latin typeface="Courier"/>
+              </a:rPr>
+              <a:t> </a:t>
+            </a:r>
+            <a:r>
+              <a:rPr>
+                <a:solidFill>
+                  <a:srgbClr val="06287E"/>
+                </a:solidFill>
+                <a:latin typeface="Courier"/>
+              </a:rPr>
+              <a:t>leave_house</a:t>
+            </a:r>
+            <a:r>
+              <a:rPr>
+                <a:latin typeface="Courier"/>
+              </a:rPr>
+              <a:t>(my_morning, </a:t>
+            </a:r>
+            <a:r>
+              <a:rPr>
+                <a:solidFill>
+                  <a:srgbClr val="7D9029"/>
+                </a:solidFill>
+                <a:latin typeface="Courier"/>
+              </a:rPr>
+              <a:t>car =</a:t>
+            </a:r>
+            <a:r>
+              <a:rPr>
+                <a:latin typeface="Courier"/>
+              </a:rPr>
+              <a:t> </a:t>
+            </a:r>
+            <a:r>
+              <a:rPr>
+                <a:solidFill>
+                  <a:srgbClr val="880000"/>
+                </a:solidFill>
+                <a:latin typeface="Courier"/>
+              </a:rPr>
+              <a:t>TRUE</a:t>
+            </a:r>
+            <a:r>
+              <a:rPr>
+                <a:latin typeface="Courier"/>
+              </a:rPr>
+              <a:t>, </a:t>
+            </a:r>
+            <a:r>
+              <a:rPr>
+                <a:solidFill>
+                  <a:srgbClr val="7D9029"/>
+                </a:solidFill>
+                <a:latin typeface="Courier"/>
+              </a:rPr>
+              <a:t>bike =</a:t>
+            </a:r>
+            <a:r>
+              <a:rPr>
+                <a:latin typeface="Courier"/>
+              </a:rPr>
+              <a:t> </a:t>
+            </a:r>
+            <a:r>
+              <a:rPr>
+                <a:solidFill>
+                  <a:srgbClr val="880000"/>
+                </a:solidFill>
+                <a:latin typeface="Courier"/>
+              </a:rPr>
+              <a:t>FALSE</a:t>
+            </a:r>
+            <a:r>
+              <a:rPr>
                 <a:latin typeface="Courier"/>
               </a:rPr>
               <a:t>)</a:t>

--- a/slides/01---Reproducible-Research.pptx
+++ b/slides/01---Reproducible-Research.pptx
@@ -190,10 +190,9 @@
           <a:lstStyle/>
           <a:p>
             <a:r>
-              <a:rPr lang="en-US" smtClean="0"/>
+              <a:rPr lang="en-US"/>
               <a:t>Click to edit Master title style</a:t>
             </a:r>
-            <a:endParaRPr lang="en-US"/>
           </a:p>
         </p:txBody>
       </p:sp>
@@ -309,10 +308,9 @@
           </a:lstStyle>
           <a:p>
             <a:r>
-              <a:rPr lang="en-US" smtClean="0"/>
+              <a:rPr lang="en-US"/>
               <a:t>Click to edit Master subtitle style</a:t>
             </a:r>
-            <a:endParaRPr lang="en-US"/>
           </a:p>
         </p:txBody>
       </p:sp>
@@ -333,7 +331,7 @@
           <a:p>
             <a:fld id="{241EB5C9-1307-BA42-ABA2-0BC069CD8E7F}" type="datetimeFigureOut">
               <a:rPr lang="en-US" smtClean="0"/>
-              <a:t>4/5/2019</a:t>
+              <a:t>2/23/21</a:t>
             </a:fld>
             <a:endParaRPr lang="en-US"/>
           </a:p>
@@ -427,10 +425,9 @@
           <a:lstStyle/>
           <a:p>
             <a:r>
-              <a:rPr lang="en-US" smtClean="0"/>
+              <a:rPr lang="en-US"/>
               <a:t>Click to edit Master title style</a:t>
             </a:r>
-            <a:endParaRPr lang="en-US"/>
           </a:p>
         </p:txBody>
       </p:sp>
@@ -451,38 +448,37 @@
           <a:p>
             <a:pPr lvl="0"/>
             <a:r>
-              <a:rPr lang="en-US" smtClean="0"/>
+              <a:rPr lang="en-US"/>
               <a:t>Click to edit Master text styles</a:t>
             </a:r>
           </a:p>
           <a:p>
             <a:pPr lvl="1"/>
             <a:r>
-              <a:rPr lang="en-US" smtClean="0"/>
+              <a:rPr lang="en-US"/>
               <a:t>Second level</a:t>
             </a:r>
           </a:p>
           <a:p>
             <a:pPr lvl="2"/>
             <a:r>
-              <a:rPr lang="en-US" smtClean="0"/>
+              <a:rPr lang="en-US"/>
               <a:t>Third level</a:t>
             </a:r>
           </a:p>
           <a:p>
             <a:pPr lvl="3"/>
             <a:r>
-              <a:rPr lang="en-US" smtClean="0"/>
+              <a:rPr lang="en-US"/>
               <a:t>Fourth level</a:t>
             </a:r>
           </a:p>
           <a:p>
             <a:pPr lvl="4"/>
             <a:r>
-              <a:rPr lang="en-US" smtClean="0"/>
+              <a:rPr lang="en-US"/>
               <a:t>Fifth level</a:t>
             </a:r>
-            <a:endParaRPr lang="en-US"/>
           </a:p>
         </p:txBody>
       </p:sp>
@@ -503,7 +499,7 @@
           <a:p>
             <a:fld id="{241EB5C9-1307-BA42-ABA2-0BC069CD8E7F}" type="datetimeFigureOut">
               <a:rPr lang="en-US" smtClean="0"/>
-              <a:t>4/5/2019</a:t>
+              <a:t>2/23/21</a:t>
             </a:fld>
             <a:endParaRPr lang="en-US"/>
           </a:p>
@@ -602,10 +598,9 @@
           <a:lstStyle/>
           <a:p>
             <a:r>
-              <a:rPr lang="en-US" smtClean="0"/>
+              <a:rPr lang="en-US"/>
               <a:t>Click to edit Master title style</a:t>
             </a:r>
-            <a:endParaRPr lang="en-US"/>
           </a:p>
         </p:txBody>
       </p:sp>
@@ -631,38 +626,37 @@
           <a:p>
             <a:pPr lvl="0"/>
             <a:r>
-              <a:rPr lang="en-US" smtClean="0"/>
+              <a:rPr lang="en-US"/>
               <a:t>Click to edit Master text styles</a:t>
             </a:r>
           </a:p>
           <a:p>
             <a:pPr lvl="1"/>
             <a:r>
-              <a:rPr lang="en-US" smtClean="0"/>
+              <a:rPr lang="en-US"/>
               <a:t>Second level</a:t>
             </a:r>
           </a:p>
           <a:p>
             <a:pPr lvl="2"/>
             <a:r>
-              <a:rPr lang="en-US" smtClean="0"/>
+              <a:rPr lang="en-US"/>
               <a:t>Third level</a:t>
             </a:r>
           </a:p>
           <a:p>
             <a:pPr lvl="3"/>
             <a:r>
-              <a:rPr lang="en-US" smtClean="0"/>
+              <a:rPr lang="en-US"/>
               <a:t>Fourth level</a:t>
             </a:r>
           </a:p>
           <a:p>
             <a:pPr lvl="4"/>
             <a:r>
-              <a:rPr lang="en-US" smtClean="0"/>
+              <a:rPr lang="en-US"/>
               <a:t>Fifth level</a:t>
             </a:r>
-            <a:endParaRPr lang="en-US"/>
           </a:p>
         </p:txBody>
       </p:sp>
@@ -683,7 +677,7 @@
           <a:p>
             <a:fld id="{241EB5C9-1307-BA42-ABA2-0BC069CD8E7F}" type="datetimeFigureOut">
               <a:rPr lang="en-US" smtClean="0"/>
-              <a:t>4/5/2019</a:t>
+              <a:t>2/23/21</a:t>
             </a:fld>
             <a:endParaRPr lang="en-US"/>
           </a:p>
@@ -777,10 +771,9 @@
           <a:lstStyle/>
           <a:p>
             <a:r>
-              <a:rPr lang="en-US" smtClean="0"/>
+              <a:rPr lang="en-US"/>
               <a:t>Click to edit Master title style</a:t>
             </a:r>
-            <a:endParaRPr lang="en-US"/>
           </a:p>
         </p:txBody>
       </p:sp>
@@ -801,38 +794,37 @@
           <a:p>
             <a:pPr lvl="0"/>
             <a:r>
-              <a:rPr lang="en-US" smtClean="0"/>
+              <a:rPr lang="en-US"/>
               <a:t>Click to edit Master text styles</a:t>
             </a:r>
           </a:p>
           <a:p>
             <a:pPr lvl="1"/>
             <a:r>
-              <a:rPr lang="en-US" smtClean="0"/>
+              <a:rPr lang="en-US"/>
               <a:t>Second level</a:t>
             </a:r>
           </a:p>
           <a:p>
             <a:pPr lvl="2"/>
             <a:r>
-              <a:rPr lang="en-US" smtClean="0"/>
+              <a:rPr lang="en-US"/>
               <a:t>Third level</a:t>
             </a:r>
           </a:p>
           <a:p>
             <a:pPr lvl="3"/>
             <a:r>
-              <a:rPr lang="en-US" smtClean="0"/>
+              <a:rPr lang="en-US"/>
               <a:t>Fourth level</a:t>
             </a:r>
           </a:p>
           <a:p>
             <a:pPr lvl="4"/>
             <a:r>
-              <a:rPr lang="en-US" smtClean="0"/>
+              <a:rPr lang="en-US"/>
               <a:t>Fifth level</a:t>
             </a:r>
-            <a:endParaRPr lang="en-US"/>
           </a:p>
         </p:txBody>
       </p:sp>
@@ -853,7 +845,7 @@
           <a:p>
             <a:fld id="{241EB5C9-1307-BA42-ABA2-0BC069CD8E7F}" type="datetimeFigureOut">
               <a:rPr lang="en-US" smtClean="0"/>
-              <a:t>4/5/2019</a:t>
+              <a:t>2/23/21</a:t>
             </a:fld>
             <a:endParaRPr lang="en-US"/>
           </a:p>
@@ -956,10 +948,9 @@
           </a:lstStyle>
           <a:p>
             <a:r>
-              <a:rPr lang="en-US" smtClean="0"/>
+              <a:rPr lang="en-US"/>
               <a:t>Click to edit Master title style</a:t>
             </a:r>
-            <a:endParaRPr lang="en-US"/>
           </a:p>
         </p:txBody>
       </p:sp>
@@ -1076,7 +1067,7 @@
           <a:p>
             <a:pPr lvl="0"/>
             <a:r>
-              <a:rPr lang="en-US" smtClean="0"/>
+              <a:rPr lang="en-US"/>
               <a:t>Click to edit Master text styles</a:t>
             </a:r>
           </a:p>
@@ -1099,7 +1090,7 @@
           <a:p>
             <a:fld id="{241EB5C9-1307-BA42-ABA2-0BC069CD8E7F}" type="datetimeFigureOut">
               <a:rPr lang="en-US" smtClean="0"/>
-              <a:t>4/5/2019</a:t>
+              <a:t>2/23/21</a:t>
             </a:fld>
             <a:endParaRPr lang="en-US"/>
           </a:p>
@@ -1193,10 +1184,9 @@
           <a:lstStyle/>
           <a:p>
             <a:r>
-              <a:rPr lang="en-US" smtClean="0"/>
+              <a:rPr lang="en-US"/>
               <a:t>Click to edit Master title style</a:t>
             </a:r>
-            <a:endParaRPr lang="en-US"/>
           </a:p>
         </p:txBody>
       </p:sp>
@@ -1250,38 +1240,37 @@
           <a:p>
             <a:pPr lvl="0"/>
             <a:r>
-              <a:rPr lang="en-US" smtClean="0"/>
+              <a:rPr lang="en-US"/>
               <a:t>Click to edit Master text styles</a:t>
             </a:r>
           </a:p>
           <a:p>
             <a:pPr lvl="1"/>
             <a:r>
-              <a:rPr lang="en-US" smtClean="0"/>
+              <a:rPr lang="en-US"/>
               <a:t>Second level</a:t>
             </a:r>
           </a:p>
           <a:p>
             <a:pPr lvl="2"/>
             <a:r>
-              <a:rPr lang="en-US" smtClean="0"/>
+              <a:rPr lang="en-US"/>
               <a:t>Third level</a:t>
             </a:r>
           </a:p>
           <a:p>
             <a:pPr lvl="3"/>
             <a:r>
-              <a:rPr lang="en-US" smtClean="0"/>
+              <a:rPr lang="en-US"/>
               <a:t>Fourth level</a:t>
             </a:r>
           </a:p>
           <a:p>
             <a:pPr lvl="4"/>
             <a:r>
-              <a:rPr lang="en-US" smtClean="0"/>
+              <a:rPr lang="en-US"/>
               <a:t>Fifth level</a:t>
             </a:r>
-            <a:endParaRPr lang="en-US"/>
           </a:p>
         </p:txBody>
       </p:sp>
@@ -1335,38 +1324,37 @@
           <a:p>
             <a:pPr lvl="0"/>
             <a:r>
-              <a:rPr lang="en-US" smtClean="0"/>
+              <a:rPr lang="en-US"/>
               <a:t>Click to edit Master text styles</a:t>
             </a:r>
           </a:p>
           <a:p>
             <a:pPr lvl="1"/>
             <a:r>
-              <a:rPr lang="en-US" smtClean="0"/>
+              <a:rPr lang="en-US"/>
               <a:t>Second level</a:t>
             </a:r>
           </a:p>
           <a:p>
             <a:pPr lvl="2"/>
             <a:r>
-              <a:rPr lang="en-US" smtClean="0"/>
+              <a:rPr lang="en-US"/>
               <a:t>Third level</a:t>
             </a:r>
           </a:p>
           <a:p>
             <a:pPr lvl="3"/>
             <a:r>
-              <a:rPr lang="en-US" smtClean="0"/>
+              <a:rPr lang="en-US"/>
               <a:t>Fourth level</a:t>
             </a:r>
           </a:p>
           <a:p>
             <a:pPr lvl="4"/>
             <a:r>
-              <a:rPr lang="en-US" smtClean="0"/>
+              <a:rPr lang="en-US"/>
               <a:t>Fifth level</a:t>
             </a:r>
-            <a:endParaRPr lang="en-US"/>
           </a:p>
         </p:txBody>
       </p:sp>
@@ -1387,7 +1375,7 @@
           <a:p>
             <a:fld id="{241EB5C9-1307-BA42-ABA2-0BC069CD8E7F}" type="datetimeFigureOut">
               <a:rPr lang="en-US" smtClean="0"/>
-              <a:t>4/5/2019</a:t>
+              <a:t>2/23/21</a:t>
             </a:fld>
             <a:endParaRPr lang="en-US"/>
           </a:p>
@@ -1485,10 +1473,9 @@
           </a:lstStyle>
           <a:p>
             <a:r>
-              <a:rPr lang="en-US" smtClean="0"/>
+              <a:rPr lang="en-US"/>
               <a:t>Click to edit Master title style</a:t>
             </a:r>
-            <a:endParaRPr lang="en-US"/>
           </a:p>
         </p:txBody>
       </p:sp>
@@ -1551,7 +1538,7 @@
           <a:p>
             <a:pPr lvl="0"/>
             <a:r>
-              <a:rPr lang="en-US" smtClean="0"/>
+              <a:rPr lang="en-US"/>
               <a:t>Click to edit Master text styles</a:t>
             </a:r>
           </a:p>
@@ -1607,38 +1594,37 @@
           <a:p>
             <a:pPr lvl="0"/>
             <a:r>
-              <a:rPr lang="en-US" smtClean="0"/>
+              <a:rPr lang="en-US"/>
               <a:t>Click to edit Master text styles</a:t>
             </a:r>
           </a:p>
           <a:p>
             <a:pPr lvl="1"/>
             <a:r>
-              <a:rPr lang="en-US" smtClean="0"/>
+              <a:rPr lang="en-US"/>
               <a:t>Second level</a:t>
             </a:r>
           </a:p>
           <a:p>
             <a:pPr lvl="2"/>
             <a:r>
-              <a:rPr lang="en-US" smtClean="0"/>
+              <a:rPr lang="en-US"/>
               <a:t>Third level</a:t>
             </a:r>
           </a:p>
           <a:p>
             <a:pPr lvl="3"/>
             <a:r>
-              <a:rPr lang="en-US" smtClean="0"/>
+              <a:rPr lang="en-US"/>
               <a:t>Fourth level</a:t>
             </a:r>
           </a:p>
           <a:p>
             <a:pPr lvl="4"/>
             <a:r>
-              <a:rPr lang="en-US" smtClean="0"/>
+              <a:rPr lang="en-US"/>
               <a:t>Fifth level</a:t>
             </a:r>
-            <a:endParaRPr lang="en-US"/>
           </a:p>
         </p:txBody>
       </p:sp>
@@ -1701,7 +1687,7 @@
           <a:p>
             <a:pPr lvl="0"/>
             <a:r>
-              <a:rPr lang="en-US" smtClean="0"/>
+              <a:rPr lang="en-US"/>
               <a:t>Click to edit Master text styles</a:t>
             </a:r>
           </a:p>
@@ -1757,38 +1743,37 @@
           <a:p>
             <a:pPr lvl="0"/>
             <a:r>
-              <a:rPr lang="en-US" smtClean="0"/>
+              <a:rPr lang="en-US"/>
               <a:t>Click to edit Master text styles</a:t>
             </a:r>
           </a:p>
           <a:p>
             <a:pPr lvl="1"/>
             <a:r>
-              <a:rPr lang="en-US" smtClean="0"/>
+              <a:rPr lang="en-US"/>
               <a:t>Second level</a:t>
             </a:r>
           </a:p>
           <a:p>
             <a:pPr lvl="2"/>
             <a:r>
-              <a:rPr lang="en-US" smtClean="0"/>
+              <a:rPr lang="en-US"/>
               <a:t>Third level</a:t>
             </a:r>
           </a:p>
           <a:p>
             <a:pPr lvl="3"/>
             <a:r>
-              <a:rPr lang="en-US" smtClean="0"/>
+              <a:rPr lang="en-US"/>
               <a:t>Fourth level</a:t>
             </a:r>
           </a:p>
           <a:p>
             <a:pPr lvl="4"/>
             <a:r>
-              <a:rPr lang="en-US" smtClean="0"/>
+              <a:rPr lang="en-US"/>
               <a:t>Fifth level</a:t>
             </a:r>
-            <a:endParaRPr lang="en-US"/>
           </a:p>
         </p:txBody>
       </p:sp>
@@ -1809,7 +1794,7 @@
           <a:p>
             <a:fld id="{241EB5C9-1307-BA42-ABA2-0BC069CD8E7F}" type="datetimeFigureOut">
               <a:rPr lang="en-US" smtClean="0"/>
-              <a:t>4/5/2019</a:t>
+              <a:t>2/23/21</a:t>
             </a:fld>
             <a:endParaRPr lang="en-US"/>
           </a:p>
@@ -1903,10 +1888,9 @@
           <a:lstStyle/>
           <a:p>
             <a:r>
-              <a:rPr lang="en-US" smtClean="0"/>
+              <a:rPr lang="en-US"/>
               <a:t>Click to edit Master title style</a:t>
             </a:r>
-            <a:endParaRPr lang="en-US"/>
           </a:p>
         </p:txBody>
       </p:sp>
@@ -1927,7 +1911,7 @@
           <a:p>
             <a:fld id="{241EB5C9-1307-BA42-ABA2-0BC069CD8E7F}" type="datetimeFigureOut">
               <a:rPr lang="en-US" smtClean="0"/>
-              <a:t>4/5/2019</a:t>
+              <a:t>2/23/21</a:t>
             </a:fld>
             <a:endParaRPr lang="en-US"/>
           </a:p>
@@ -2022,7 +2006,7 @@
           <a:p>
             <a:fld id="{241EB5C9-1307-BA42-ABA2-0BC069CD8E7F}" type="datetimeFigureOut">
               <a:rPr lang="en-US" smtClean="0"/>
-              <a:t>4/5/2019</a:t>
+              <a:t>2/23/21</a:t>
             </a:fld>
             <a:endParaRPr lang="en-US"/>
           </a:p>
@@ -2125,10 +2109,9 @@
           </a:lstStyle>
           <a:p>
             <a:r>
-              <a:rPr lang="en-US" smtClean="0"/>
+              <a:rPr lang="en-US"/>
               <a:t>Click to edit Master title style</a:t>
             </a:r>
-            <a:endParaRPr lang="en-US"/>
           </a:p>
         </p:txBody>
       </p:sp>
@@ -2182,38 +2165,37 @@
           <a:p>
             <a:pPr lvl="0"/>
             <a:r>
-              <a:rPr lang="en-US" smtClean="0"/>
+              <a:rPr lang="en-US"/>
               <a:t>Click to edit Master text styles</a:t>
             </a:r>
           </a:p>
           <a:p>
             <a:pPr lvl="1"/>
             <a:r>
-              <a:rPr lang="en-US" smtClean="0"/>
+              <a:rPr lang="en-US"/>
               <a:t>Second level</a:t>
             </a:r>
           </a:p>
           <a:p>
             <a:pPr lvl="2"/>
             <a:r>
-              <a:rPr lang="en-US" smtClean="0"/>
+              <a:rPr lang="en-US"/>
               <a:t>Third level</a:t>
             </a:r>
           </a:p>
           <a:p>
             <a:pPr lvl="3"/>
             <a:r>
-              <a:rPr lang="en-US" smtClean="0"/>
+              <a:rPr lang="en-US"/>
               <a:t>Fourth level</a:t>
             </a:r>
           </a:p>
           <a:p>
             <a:pPr lvl="4"/>
             <a:r>
-              <a:rPr lang="en-US" smtClean="0"/>
+              <a:rPr lang="en-US"/>
               <a:t>Fifth level</a:t>
             </a:r>
-            <a:endParaRPr lang="en-US"/>
           </a:p>
         </p:txBody>
       </p:sp>
@@ -2276,7 +2258,7 @@
           <a:p>
             <a:pPr lvl="0"/>
             <a:r>
-              <a:rPr lang="en-US" smtClean="0"/>
+              <a:rPr lang="en-US"/>
               <a:t>Click to edit Master text styles</a:t>
             </a:r>
           </a:p>
@@ -2299,7 +2281,7 @@
           <a:p>
             <a:fld id="{241EB5C9-1307-BA42-ABA2-0BC069CD8E7F}" type="datetimeFigureOut">
               <a:rPr lang="en-US" smtClean="0"/>
-              <a:t>4/5/2019</a:t>
+              <a:t>2/23/21</a:t>
             </a:fld>
             <a:endParaRPr lang="en-US"/>
           </a:p>
@@ -2402,10 +2384,9 @@
           </a:lstStyle>
           <a:p>
             <a:r>
-              <a:rPr lang="en-US" smtClean="0"/>
+              <a:rPr lang="en-US"/>
               <a:t>Click to edit Master title style</a:t>
             </a:r>
-            <a:endParaRPr lang="en-US"/>
           </a:p>
         </p:txBody>
       </p:sp>
@@ -2529,7 +2510,7 @@
           <a:p>
             <a:pPr lvl="0"/>
             <a:r>
-              <a:rPr lang="en-US" smtClean="0"/>
+              <a:rPr lang="en-US"/>
               <a:t>Click to edit Master text styles</a:t>
             </a:r>
           </a:p>
@@ -2552,7 +2533,7 @@
           <a:p>
             <a:fld id="{241EB5C9-1307-BA42-ABA2-0BC069CD8E7F}" type="datetimeFigureOut">
               <a:rPr lang="en-US" smtClean="0"/>
-              <a:t>4/5/2019</a:t>
+              <a:t>2/23/21</a:t>
             </a:fld>
             <a:endParaRPr lang="en-US"/>
           </a:p>
@@ -2661,10 +2642,9 @@
           <a:lstStyle/>
           <a:p>
             <a:r>
-              <a:rPr lang="en-US" smtClean="0"/>
+              <a:rPr lang="en-US"/>
               <a:t>Click to edit Master title style</a:t>
             </a:r>
-            <a:endParaRPr lang="en-US"/>
           </a:p>
         </p:txBody>
       </p:sp>
@@ -2695,38 +2675,37 @@
           <a:p>
             <a:pPr lvl="0"/>
             <a:r>
-              <a:rPr lang="en-US" smtClean="0"/>
+              <a:rPr lang="en-US"/>
               <a:t>Click to edit Master text styles</a:t>
             </a:r>
           </a:p>
           <a:p>
             <a:pPr lvl="1"/>
             <a:r>
-              <a:rPr lang="en-US" smtClean="0"/>
+              <a:rPr lang="en-US"/>
               <a:t>Second level</a:t>
             </a:r>
           </a:p>
           <a:p>
             <a:pPr lvl="2"/>
             <a:r>
-              <a:rPr lang="en-US" smtClean="0"/>
+              <a:rPr lang="en-US"/>
               <a:t>Third level</a:t>
             </a:r>
           </a:p>
           <a:p>
             <a:pPr lvl="3"/>
             <a:r>
-              <a:rPr lang="en-US" smtClean="0"/>
+              <a:rPr lang="en-US"/>
               <a:t>Fourth level</a:t>
             </a:r>
           </a:p>
           <a:p>
             <a:pPr lvl="4"/>
             <a:r>
-              <a:rPr lang="en-US" smtClean="0"/>
+              <a:rPr lang="en-US"/>
               <a:t>Fifth level</a:t>
             </a:r>
-            <a:endParaRPr lang="en-US"/>
           </a:p>
         </p:txBody>
       </p:sp>
@@ -2765,7 +2744,7 @@
           <a:p>
             <a:fld id="{241EB5C9-1307-BA42-ABA2-0BC069CD8E7F}" type="datetimeFigureOut">
               <a:rPr lang="en-US" smtClean="0"/>
-              <a:t>4/5/2019</a:t>
+              <a:t>2/23/21</a:t>
             </a:fld>
             <a:endParaRPr lang="en-US"/>
           </a:p>
@@ -3160,36 +3139,11 @@
           <a:bodyPr/>
           <a:lstStyle/>
           <a:p>
-            <a:pPr lvl="0" marL="0" indent="0">
+            <a:pPr marL="0" lvl="0" indent="0">
               <a:buNone/>
             </a:pPr>
             <a:r>
-              <a:rPr/>
-              <a:t>Priniciples</a:t>
-            </a:r>
-            <a:r>
-              <a:rPr/>
-              <a:t> </a:t>
-            </a:r>
-            <a:r>
-              <a:rPr/>
-              <a:t>of</a:t>
-            </a:r>
-            <a:r>
-              <a:rPr/>
-              <a:t> </a:t>
-            </a:r>
-            <a:r>
-              <a:rPr/>
-              <a:t>Reproducible</a:t>
-            </a:r>
-            <a:r>
-              <a:rPr/>
-              <a:t> </a:t>
-            </a:r>
-            <a:r>
-              <a:rPr/>
-              <a:t>Research</a:t>
+              <a:t>Priniciples of Reproducible Research</a:t>
             </a:r>
           </a:p>
         </p:txBody>
@@ -3214,28 +3168,22 @@
           <a:bodyPr/>
           <a:lstStyle/>
           <a:p>
-            <a:pPr lvl="0" marL="0" indent="0">
+            <a:pPr marL="0" lvl="0" indent="0">
               <a:buNone/>
             </a:pPr>
             <a:br/>
             <a:br/>
             <a:r>
-              <a:rPr/>
-              <a:t>Patrick</a:t>
-            </a:r>
-            <a:r>
-              <a:rPr/>
-              <a:t> </a:t>
-            </a:r>
-            <a:r>
-              <a:rPr/>
-              <a:t>Mathias</a:t>
+              <a:t>Patrick Mathias</a:t>
             </a:r>
           </a:p>
         </p:txBody>
       </p:sp>
     </p:spTree>
   </p:cSld>
+  <p:clrMapOvr>
+    <a:masterClrMapping/>
+  </p:clrMapOvr>
 </p:sld>
 </file>
 
@@ -3271,379 +3219,375 @@
           <a:bodyPr/>
           <a:lstStyle/>
           <a:p>
-            <a:pPr lvl="0" marL="0" indent="0">
+            <a:pPr marL="0" lvl="0" indent="0">
               <a:buNone/>
             </a:pPr>
             <a:r>
-              <a:rPr/>
-              <a:t>Same</a:t>
-            </a:r>
-            <a:r>
-              <a:rPr/>
+              <a:t>Same example using pipes</a:t>
+            </a:r>
+          </a:p>
+        </p:txBody>
+      </p:sp>
+      <p:sp>
+        <p:nvSpPr>
+          <p:cNvPr id="3" name="Content Placeholder 2"/>
+          <p:cNvSpPr>
+            <a:spLocks noGrp="1"/>
+          </p:cNvSpPr>
+          <p:nvPr>
+            <p:ph idx="1"/>
+          </p:nvPr>
+        </p:nvSpPr>
+        <p:spPr>
+          <a:xfrm>
+            <a:off x="154112" y="2147298"/>
+            <a:ext cx="8989888" cy="4710701"/>
+          </a:xfrm>
+        </p:spPr>
+        <p:txBody>
+          <a:bodyPr>
+            <a:normAutofit/>
+          </a:bodyPr>
+          <a:lstStyle/>
+          <a:p>
+            <a:pPr lvl="0" indent="0">
+              <a:buNone/>
+            </a:pPr>
+            <a:r>
+              <a:rPr sz="2800" dirty="0" err="1">
+                <a:latin typeface="Courier"/>
+              </a:rPr>
+              <a:t>my_morning</a:t>
+            </a:r>
+            <a:r>
+              <a:rPr sz="2800" dirty="0">
+                <a:latin typeface="Courier"/>
+              </a:rPr>
               <a:t> </a:t>
             </a:r>
             <a:r>
-              <a:rPr/>
-              <a:t>example</a:t>
-            </a:r>
-            <a:r>
-              <a:rPr/>
+              <a:rPr sz="2800" dirty="0">
+                <a:solidFill>
+                  <a:srgbClr val="007020"/>
+                </a:solidFill>
+                <a:latin typeface="Courier"/>
+              </a:rPr>
+              <a:t>&lt;-</a:t>
+            </a:r>
+            <a:r>
+              <a:rPr sz="2800" dirty="0">
+                <a:latin typeface="Courier"/>
+              </a:rPr>
+              <a:t> I </a:t>
+            </a:r>
+            <a:r>
+              <a:rPr sz="2800" dirty="0">
+                <a:solidFill>
+                  <a:srgbClr val="4070A0"/>
+                </a:solidFill>
+                <a:latin typeface="Courier"/>
+              </a:rPr>
+              <a:t>%&gt;%</a:t>
+            </a:r>
+            <a:br>
+              <a:rPr sz="2800" dirty="0"/>
+            </a:br>
+            <a:r>
+              <a:rPr sz="2800" dirty="0">
+                <a:latin typeface="Courier"/>
+              </a:rPr>
+              <a:t>  </a:t>
+            </a:r>
+            <a:r>
+              <a:rPr sz="2800" dirty="0" err="1">
+                <a:solidFill>
+                  <a:srgbClr val="06287E"/>
+                </a:solidFill>
+                <a:latin typeface="Courier"/>
+              </a:rPr>
+              <a:t>wake_up</a:t>
+            </a:r>
+            <a:r>
+              <a:rPr sz="2800" dirty="0">
+                <a:latin typeface="Courier"/>
+              </a:rPr>
+              <a:t>(</a:t>
+            </a:r>
+            <a:r>
+              <a:rPr sz="2800" dirty="0">
+                <a:solidFill>
+                  <a:srgbClr val="7D9029"/>
+                </a:solidFill>
+                <a:latin typeface="Courier"/>
+              </a:rPr>
+              <a:t>time =</a:t>
+            </a:r>
+            <a:r>
+              <a:rPr sz="2800" dirty="0">
+                <a:latin typeface="Courier"/>
+              </a:rPr>
               <a:t> </a:t>
             </a:r>
             <a:r>
-              <a:rPr/>
-              <a:t>using</a:t>
-            </a:r>
-            <a:r>
-              <a:rPr/>
+              <a:rPr sz="2800" dirty="0">
+                <a:solidFill>
+                  <a:srgbClr val="4070A0"/>
+                </a:solidFill>
+                <a:latin typeface="Courier"/>
+              </a:rPr>
+              <a:t>"8:00"</a:t>
+            </a:r>
+            <a:r>
+              <a:rPr sz="2800" dirty="0">
+                <a:latin typeface="Courier"/>
+              </a:rPr>
+              <a:t>) </a:t>
+            </a:r>
+            <a:r>
+              <a:rPr sz="2800" dirty="0">
+                <a:solidFill>
+                  <a:srgbClr val="4070A0"/>
+                </a:solidFill>
+                <a:latin typeface="Courier"/>
+              </a:rPr>
+              <a:t>%&gt;%</a:t>
+            </a:r>
+            <a:br>
+              <a:rPr sz="2800" dirty="0"/>
+            </a:br>
+            <a:r>
+              <a:rPr sz="2800" dirty="0">
+                <a:latin typeface="Courier"/>
+              </a:rPr>
+              <a:t>  </a:t>
+            </a:r>
+            <a:r>
+              <a:rPr sz="2800" dirty="0" err="1">
+                <a:solidFill>
+                  <a:srgbClr val="06287E"/>
+                </a:solidFill>
+                <a:latin typeface="Courier"/>
+              </a:rPr>
+              <a:t>get_out_of_bed</a:t>
+            </a:r>
+            <a:r>
+              <a:rPr sz="2800" dirty="0">
+                <a:latin typeface="Courier"/>
+              </a:rPr>
+              <a:t>(</a:t>
+            </a:r>
+            <a:r>
+              <a:rPr sz="2800" dirty="0">
+                <a:solidFill>
+                  <a:srgbClr val="7D9029"/>
+                </a:solidFill>
+                <a:latin typeface="Courier"/>
+              </a:rPr>
+              <a:t>side =</a:t>
+            </a:r>
+            <a:r>
+              <a:rPr sz="2800" dirty="0">
+                <a:latin typeface="Courier"/>
+              </a:rPr>
               <a:t> </a:t>
             </a:r>
             <a:r>
-              <a:rPr/>
-              <a:t>pipes</a:t>
-            </a:r>
-          </a:p>
-        </p:txBody>
-      </p:sp>
-      <p:sp>
-        <p:nvSpPr>
-          <p:cNvPr id="3" name="Content Placeholder 2"/>
-          <p:cNvSpPr>
-            <a:spLocks noGrp="1"/>
-          </p:cNvSpPr>
-          <p:nvPr>
-            <p:ph idx="1"/>
-          </p:nvPr>
-        </p:nvSpPr>
-        <p:spPr/>
-        <p:txBody>
-          <a:bodyPr/>
-          <a:lstStyle/>
-          <a:p>
-            <a:pPr lvl="0" indent="0">
-              <a:buNone/>
-            </a:pPr>
-            <a:r>
-              <a:rPr>
-                <a:latin typeface="Courier"/>
-              </a:rPr>
-              <a:t>my_morning </a:t>
-            </a:r>
-            <a:r>
-              <a:rPr>
-                <a:solidFill>
-                  <a:srgbClr val="007020"/>
-                </a:solidFill>
-                <a:latin typeface="Courier"/>
-              </a:rPr>
-              <a:t>&lt;-</a:t>
-            </a:r>
-            <a:r>
-              <a:rPr>
-                <a:latin typeface="Courier"/>
-              </a:rPr>
-              <a:t> I </a:t>
-            </a:r>
-            <a:r>
-              <a:rPr>
+              <a:rPr sz="2800" dirty="0">
                 <a:solidFill>
                   <a:srgbClr val="4070A0"/>
                 </a:solidFill>
                 <a:latin typeface="Courier"/>
               </a:rPr>
+              <a:t>"correct"</a:t>
+            </a:r>
+            <a:r>
+              <a:rPr sz="2800" dirty="0">
+                <a:latin typeface="Courier"/>
+              </a:rPr>
+              <a:t>) </a:t>
+            </a:r>
+            <a:r>
+              <a:rPr sz="2800" dirty="0">
+                <a:solidFill>
+                  <a:srgbClr val="4070A0"/>
+                </a:solidFill>
+                <a:latin typeface="Courier"/>
+              </a:rPr>
               <a:t>%&gt;%</a:t>
             </a:r>
-            <a:br/>
-            <a:r>
-              <a:rPr>
+            <a:br>
+              <a:rPr sz="2800" dirty="0"/>
+            </a:br>
+            <a:r>
+              <a:rPr sz="2800" dirty="0">
                 <a:latin typeface="Courier"/>
               </a:rPr>
               <a:t>  </a:t>
             </a:r>
             <a:r>
-              <a:rPr>
+              <a:rPr sz="2800" dirty="0" err="1">
                 <a:solidFill>
                   <a:srgbClr val="06287E"/>
                 </a:solidFill>
                 <a:latin typeface="Courier"/>
               </a:rPr>
-              <a:t>wake_up</a:t>
-            </a:r>
-            <a:r>
-              <a:rPr>
+              <a:t>get_dressed</a:t>
+            </a:r>
+            <a:r>
+              <a:rPr sz="2800" dirty="0">
                 <a:latin typeface="Courier"/>
               </a:rPr>
               <a:t>(</a:t>
             </a:r>
             <a:r>
-              <a:rPr>
+              <a:rPr sz="2800" dirty="0">
                 <a:solidFill>
                   <a:srgbClr val="7D9029"/>
                 </a:solidFill>
                 <a:latin typeface="Courier"/>
               </a:rPr>
-              <a:t>time =</a:t>
-            </a:r>
-            <a:r>
-              <a:rPr>
+              <a:t>pants =</a:t>
+            </a:r>
+            <a:r>
+              <a:rPr sz="2800" dirty="0">
                 <a:latin typeface="Courier"/>
               </a:rPr>
               <a:t> </a:t>
             </a:r>
             <a:r>
-              <a:rPr>
+              <a:rPr sz="2800" dirty="0">
+                <a:solidFill>
+                  <a:srgbClr val="880000"/>
+                </a:solidFill>
+                <a:latin typeface="Courier"/>
+              </a:rPr>
+              <a:t>TRUE</a:t>
+            </a:r>
+            <a:r>
+              <a:rPr sz="2800" dirty="0">
+                <a:latin typeface="Courier"/>
+              </a:rPr>
+              <a:t>, </a:t>
+            </a:r>
+            <a:r>
+              <a:rPr sz="2800" dirty="0">
+                <a:solidFill>
+                  <a:srgbClr val="7D9029"/>
+                </a:solidFill>
+                <a:latin typeface="Courier"/>
+              </a:rPr>
+              <a:t>shirt =</a:t>
+            </a:r>
+            <a:r>
+              <a:rPr sz="2800" dirty="0">
+                <a:latin typeface="Courier"/>
+              </a:rPr>
+              <a:t> </a:t>
+            </a:r>
+            <a:r>
+              <a:rPr sz="2800" dirty="0">
+                <a:solidFill>
+                  <a:srgbClr val="880000"/>
+                </a:solidFill>
+                <a:latin typeface="Courier"/>
+              </a:rPr>
+              <a:t>TRUE</a:t>
+            </a:r>
+            <a:r>
+              <a:rPr sz="2800" dirty="0">
+                <a:latin typeface="Courier"/>
+              </a:rPr>
+              <a:t>) </a:t>
+            </a:r>
+            <a:r>
+              <a:rPr sz="2800" dirty="0">
                 <a:solidFill>
                   <a:srgbClr val="4070A0"/>
                 </a:solidFill>
                 <a:latin typeface="Courier"/>
               </a:rPr>
-              <a:t>"8:00"</a:t>
-            </a:r>
-            <a:r>
-              <a:rPr>
-                <a:latin typeface="Courier"/>
-              </a:rPr>
-              <a:t>) </a:t>
-            </a:r>
-            <a:r>
-              <a:rPr>
-                <a:solidFill>
-                  <a:srgbClr val="4070A0"/>
-                </a:solidFill>
-                <a:latin typeface="Courier"/>
-              </a:rPr>
               <a:t>%&gt;%</a:t>
             </a:r>
-            <a:br/>
-            <a:r>
-              <a:rPr>
+            <a:br>
+              <a:rPr sz="2800" dirty="0"/>
+            </a:br>
+            <a:r>
+              <a:rPr sz="2800" dirty="0">
                 <a:latin typeface="Courier"/>
               </a:rPr>
               <a:t>  </a:t>
             </a:r>
             <a:r>
-              <a:rPr>
+              <a:rPr sz="2800" dirty="0" err="1">
                 <a:solidFill>
                   <a:srgbClr val="06287E"/>
                 </a:solidFill>
                 <a:latin typeface="Courier"/>
               </a:rPr>
-              <a:t>get_out_of_bed</a:t>
-            </a:r>
-            <a:r>
-              <a:rPr>
+              <a:t>leave_house</a:t>
+            </a:r>
+            <a:r>
+              <a:rPr sz="2800" dirty="0">
                 <a:latin typeface="Courier"/>
               </a:rPr>
               <a:t>(</a:t>
             </a:r>
             <a:r>
-              <a:rPr>
+              <a:rPr sz="2800" dirty="0">
                 <a:solidFill>
                   <a:srgbClr val="7D9029"/>
                 </a:solidFill>
                 <a:latin typeface="Courier"/>
               </a:rPr>
-              <a:t>side =</a:t>
-            </a:r>
-            <a:r>
-              <a:rPr>
+              <a:t>car =</a:t>
+            </a:r>
+            <a:r>
+              <a:rPr sz="2800" dirty="0">
                 <a:latin typeface="Courier"/>
               </a:rPr>
               <a:t> </a:t>
             </a:r>
             <a:r>
-              <a:rPr>
-                <a:solidFill>
-                  <a:srgbClr val="4070A0"/>
-                </a:solidFill>
-                <a:latin typeface="Courier"/>
-              </a:rPr>
-              <a:t>"correct"</a:t>
-            </a:r>
-            <a:r>
-              <a:rPr>
-                <a:latin typeface="Courier"/>
-              </a:rPr>
-              <a:t>) </a:t>
-            </a:r>
-            <a:r>
-              <a:rPr>
-                <a:solidFill>
-                  <a:srgbClr val="4070A0"/>
-                </a:solidFill>
-                <a:latin typeface="Courier"/>
-              </a:rPr>
-              <a:t>%&gt;%</a:t>
-            </a:r>
-            <a:br/>
-            <a:r>
-              <a:rPr>
-                <a:latin typeface="Courier"/>
-              </a:rPr>
-              <a:t>  </a:t>
-            </a:r>
-            <a:r>
-              <a:rPr>
-                <a:solidFill>
-                  <a:srgbClr val="06287E"/>
-                </a:solidFill>
-                <a:latin typeface="Courier"/>
-              </a:rPr>
-              <a:t>get_dressed</a:t>
-            </a:r>
-            <a:r>
-              <a:rPr>
-                <a:latin typeface="Courier"/>
-              </a:rPr>
-              <a:t>(</a:t>
-            </a:r>
-            <a:r>
-              <a:rPr>
+              <a:rPr sz="2800" dirty="0">
+                <a:solidFill>
+                  <a:srgbClr val="880000"/>
+                </a:solidFill>
+                <a:latin typeface="Courier"/>
+              </a:rPr>
+              <a:t>TRUE</a:t>
+            </a:r>
+            <a:r>
+              <a:rPr sz="2800" dirty="0">
+                <a:latin typeface="Courier"/>
+              </a:rPr>
+              <a:t>, </a:t>
+            </a:r>
+            <a:r>
+              <a:rPr sz="2800" dirty="0">
                 <a:solidFill>
                   <a:srgbClr val="7D9029"/>
                 </a:solidFill>
                 <a:latin typeface="Courier"/>
               </a:rPr>
-              <a:t>pants =</a:t>
-            </a:r>
-            <a:r>
-              <a:rPr>
+              <a:t>bike =</a:t>
+            </a:r>
+            <a:r>
+              <a:rPr sz="2800" dirty="0">
                 <a:latin typeface="Courier"/>
               </a:rPr>
               <a:t> </a:t>
             </a:r>
             <a:r>
-              <a:rPr>
+              <a:rPr sz="2800" dirty="0">
                 <a:solidFill>
                   <a:srgbClr val="880000"/>
                 </a:solidFill>
                 <a:latin typeface="Courier"/>
               </a:rPr>
-              <a:t>TRUE</a:t>
-            </a:r>
-            <a:r>
-              <a:rPr>
-                <a:latin typeface="Courier"/>
-              </a:rPr>
-              <a:t>, </a:t>
-            </a:r>
-            <a:r>
-              <a:rPr>
-                <a:solidFill>
-                  <a:srgbClr val="7D9029"/>
-                </a:solidFill>
-                <a:latin typeface="Courier"/>
-              </a:rPr>
-              <a:t>shirt =</a:t>
-            </a:r>
-            <a:r>
-              <a:rPr>
-                <a:latin typeface="Courier"/>
-              </a:rPr>
-              <a:t> </a:t>
-            </a:r>
-            <a:r>
-              <a:rPr>
-                <a:solidFill>
-                  <a:srgbClr val="880000"/>
-                </a:solidFill>
-                <a:latin typeface="Courier"/>
-              </a:rPr>
-              <a:t>TRUE</a:t>
-            </a:r>
-            <a:r>
-              <a:rPr>
-                <a:latin typeface="Courier"/>
-              </a:rPr>
-              <a:t>) </a:t>
-            </a:r>
-            <a:r>
-              <a:rPr>
-                <a:solidFill>
-                  <a:srgbClr val="4070A0"/>
-                </a:solidFill>
-                <a:latin typeface="Courier"/>
-              </a:rPr>
-              <a:t>%&gt;%</a:t>
-            </a:r>
-            <a:br/>
-            <a:r>
-              <a:rPr>
-                <a:latin typeface="Courier"/>
-              </a:rPr>
-              <a:t>  </a:t>
-            </a:r>
-            <a:r>
-              <a:rPr>
-                <a:solidFill>
-                  <a:srgbClr val="06287E"/>
-                </a:solidFill>
-                <a:latin typeface="Courier"/>
-              </a:rPr>
-              <a:t>leave_house</a:t>
-            </a:r>
-            <a:r>
-              <a:rPr>
-                <a:latin typeface="Courier"/>
-              </a:rPr>
-              <a:t>(</a:t>
-            </a:r>
-            <a:r>
-              <a:rPr>
-                <a:solidFill>
-                  <a:srgbClr val="7D9029"/>
-                </a:solidFill>
-                <a:latin typeface="Courier"/>
-              </a:rPr>
-              <a:t>car =</a:t>
-            </a:r>
-            <a:r>
-              <a:rPr>
-                <a:latin typeface="Courier"/>
-              </a:rPr>
-              <a:t> </a:t>
-            </a:r>
-            <a:r>
-              <a:rPr>
-                <a:solidFill>
-                  <a:srgbClr val="880000"/>
-                </a:solidFill>
-                <a:latin typeface="Courier"/>
-              </a:rPr>
-              <a:t>TRUE</a:t>
-            </a:r>
-            <a:r>
-              <a:rPr>
-                <a:latin typeface="Courier"/>
-              </a:rPr>
-              <a:t>, </a:t>
-            </a:r>
-            <a:r>
-              <a:rPr>
-                <a:solidFill>
-                  <a:srgbClr val="7D9029"/>
-                </a:solidFill>
-                <a:latin typeface="Courier"/>
-              </a:rPr>
-              <a:t>bike =</a:t>
-            </a:r>
-            <a:r>
-              <a:rPr>
-                <a:latin typeface="Courier"/>
-              </a:rPr>
-              <a:t> </a:t>
-            </a:r>
-            <a:r>
-              <a:rPr>
-                <a:solidFill>
-                  <a:srgbClr val="880000"/>
-                </a:solidFill>
-                <a:latin typeface="Courier"/>
-              </a:rPr>
               <a:t>FALSE</a:t>
             </a:r>
             <a:r>
-              <a:rPr>
+              <a:rPr sz="2800" dirty="0">
                 <a:latin typeface="Courier"/>
               </a:rPr>
               <a:t>)</a:t>
@@ -3653,6 +3597,9 @@
       </p:sp>
     </p:spTree>
   </p:cSld>
+  <p:clrMapOvr>
+    <a:masterClrMapping/>
+  </p:clrMapOvr>
 </p:sld>
 </file>
 
@@ -3688,44 +3635,11 @@
           <a:bodyPr/>
           <a:lstStyle/>
           <a:p>
-            <a:pPr lvl="0" marL="0" indent="0">
+            <a:pPr marL="0" lvl="0" indent="0">
               <a:buNone/>
             </a:pPr>
             <a:r>
-              <a:rPr/>
-              <a:t>Develop</a:t>
-            </a:r>
-            <a:r>
-              <a:rPr/>
-              <a:t> </a:t>
-            </a:r>
-            <a:r>
-              <a:rPr/>
-              <a:t>a</a:t>
-            </a:r>
-            <a:r>
-              <a:rPr/>
-              <a:t> </a:t>
-            </a:r>
-            <a:r>
-              <a:rPr/>
-              <a:t>standard</a:t>
-            </a:r>
-            <a:r>
-              <a:rPr/>
-              <a:t> </a:t>
-            </a:r>
-            <a:r>
-              <a:rPr/>
-              <a:t>project</a:t>
-            </a:r>
-            <a:r>
-              <a:rPr/>
-              <a:t> </a:t>
-            </a:r>
-            <a:r>
-              <a:rPr/>
-              <a:t>structure</a:t>
+              <a:t>Develop a standard project structure</a:t>
             </a:r>
           </a:p>
         </p:txBody>
@@ -3754,7 +3668,6 @@
           <a:p>
             <a:pPr lvl="1"/>
             <a:r>
-              <a:rPr/>
               <a:t>Put text documents associated with the project in the doc directory</a:t>
             </a:r>
           </a:p>
@@ -3768,14 +3681,12 @@
           <a:p>
             <a:pPr lvl="1"/>
             <a:r>
-              <a:rPr/>
               <a:t>Put project source code in the src directory</a:t>
             </a:r>
           </a:p>
           <a:p>
             <a:pPr lvl="1"/>
             <a:r>
-              <a:rPr/>
               <a:t>Put compiled programs in the bin directory</a:t>
             </a:r>
           </a:p>
@@ -3790,6 +3701,9 @@
       </p:sp>
     </p:spTree>
   </p:cSld>
+  <p:clrMapOvr>
+    <a:masterClrMapping/>
+  </p:clrMapOvr>
 </p:sld>
 </file>
 
@@ -3820,56 +3734,395 @@
             <p:ph type="title"/>
           </p:nvPr>
         </p:nvSpPr>
-        <p:spPr/>
-        <p:txBody>
-          <a:bodyPr/>
-          <a:lstStyle/>
-          <a:p>
-            <a:pPr lvl="0" marL="0" indent="0">
+        <p:spPr>
+          <a:xfrm>
+            <a:off x="457200" y="0"/>
+            <a:ext cx="8229600" cy="639762"/>
+          </a:xfrm>
+        </p:spPr>
+        <p:txBody>
+          <a:bodyPr>
+            <a:normAutofit fontScale="90000"/>
+          </a:bodyPr>
+          <a:lstStyle/>
+          <a:p>
+            <a:pPr marL="0" lvl="0" indent="0">
               <a:buNone/>
             </a:pPr>
             <a:r>
-              <a:rPr/>
-              <a:t>Exercise</a:t>
-            </a:r>
-            <a:r>
-              <a:rPr/>
+              <a:rPr dirty="0"/>
+              <a:t>Exercise 1</a:t>
+            </a:r>
+          </a:p>
+        </p:txBody>
+      </p:sp>
+      <p:sp>
+        <p:nvSpPr>
+          <p:cNvPr id="3" name="Content Placeholder 2"/>
+          <p:cNvSpPr>
+            <a:spLocks noGrp="1"/>
+          </p:cNvSpPr>
+          <p:nvPr>
+            <p:ph idx="1"/>
+          </p:nvPr>
+        </p:nvSpPr>
+        <p:spPr>
+          <a:xfrm>
+            <a:off x="71919" y="719191"/>
+            <a:ext cx="9072081" cy="6138809"/>
+          </a:xfrm>
+        </p:spPr>
+        <p:txBody>
+          <a:bodyPr>
+            <a:normAutofit fontScale="62500" lnSpcReduction="20000"/>
+          </a:bodyPr>
+          <a:lstStyle/>
+          <a:p>
+            <a:pPr marL="0" lvl="0" indent="0">
+              <a:buNone/>
+            </a:pPr>
+            <a:r>
+              <a:rPr dirty="0"/>
+              <a:t>1. Navigate to “Global Options” under the Tools menu in the RStudio application and note the </a:t>
+            </a:r>
+            <a:r>
+              <a:rPr i="1" dirty="0"/>
+              <a:t>Default working directory (when not in a project)</a:t>
+            </a:r>
+            <a:r>
+              <a:rPr dirty="0"/>
               <a:t> </a:t>
             </a:r>
-            <a:r>
-              <a:rPr/>
-              <a:t>1</a:t>
-            </a:r>
-          </a:p>
-        </p:txBody>
-      </p:sp>
-      <p:sp>
-        <p:nvSpPr>
-          <p:cNvPr id="3" name="Content Placeholder 2"/>
-          <p:cNvSpPr>
-            <a:spLocks noGrp="1"/>
-          </p:cNvSpPr>
-          <p:nvPr>
-            <p:ph idx="1"/>
-          </p:nvPr>
-        </p:nvSpPr>
-        <p:spPr/>
-        <p:txBody>
-          <a:bodyPr/>
-          <a:lstStyle/>
-          <a:p>
-            <a:pPr lvl="0" marL="0" indent="0">
+            <a:endParaRPr lang="en-US" dirty="0"/>
+          </a:p>
+          <a:p>
+            <a:pPr marL="0" lvl="0" indent="0">
               <a:buNone/>
             </a:pPr>
             <a:r>
-              <a:rPr/>
-              <a:t>Navigate your directory structure</a:t>
+              <a:rPr dirty="0"/>
+              <a:t>2. Navigate to your Console and get the working directory using </a:t>
+            </a:r>
+            <a:r>
+              <a:rPr dirty="0" err="1">
+                <a:latin typeface="Courier"/>
+              </a:rPr>
+              <a:t>getwd</a:t>
+            </a:r>
+            <a:r>
+              <a:rPr dirty="0">
+                <a:latin typeface="Courier"/>
+              </a:rPr>
+              <a:t>()</a:t>
+            </a:r>
+            <a:r>
+              <a:rPr dirty="0"/>
+              <a:t> </a:t>
+            </a:r>
+            <a:endParaRPr lang="en-US" dirty="0"/>
+          </a:p>
+          <a:p>
+            <a:pPr marL="0" lvl="0" indent="0">
+              <a:buNone/>
+            </a:pPr>
+            <a:r>
+              <a:rPr dirty="0"/>
+              <a:t>3. If you haven’t already installed the fs package (from the pre-course instructions), do so now: </a:t>
+            </a:r>
+            <a:r>
+              <a:rPr dirty="0" err="1">
+                <a:latin typeface="Courier"/>
+              </a:rPr>
+              <a:t>install.packages</a:t>
+            </a:r>
+            <a:r>
+              <a:rPr dirty="0">
+                <a:latin typeface="Courier"/>
+              </a:rPr>
+              <a:t>("fs")</a:t>
+            </a:r>
+            <a:r>
+              <a:rPr dirty="0"/>
+              <a:t>. Then load the package with </a:t>
+            </a:r>
+            <a:r>
+              <a:rPr dirty="0">
+                <a:latin typeface="Courier"/>
+              </a:rPr>
+              <a:t>library(fs)</a:t>
+            </a:r>
+            <a:r>
+              <a:rPr dirty="0"/>
+              <a:t> if you did not already run the set up chunk above. </a:t>
+            </a:r>
+            <a:endParaRPr lang="en-US" dirty="0"/>
+          </a:p>
+          <a:p>
+            <a:pPr marL="0" lvl="0" indent="0">
+              <a:buNone/>
+            </a:pPr>
+            <a:r>
+              <a:rPr dirty="0"/>
+              <a:t>4. Review the contents of your current folder using </a:t>
+            </a:r>
+            <a:r>
+              <a:rPr dirty="0" err="1">
+                <a:latin typeface="Courier"/>
+              </a:rPr>
+              <a:t>dir_ls</a:t>
+            </a:r>
+            <a:r>
+              <a:rPr dirty="0">
+                <a:latin typeface="Courier"/>
+              </a:rPr>
+              <a:t>()</a:t>
+            </a:r>
+            <a:r>
+              <a:rPr dirty="0"/>
+              <a:t>. (Base equivalent: </a:t>
+            </a:r>
+            <a:r>
+              <a:rPr dirty="0" err="1">
+                <a:latin typeface="Courier"/>
+              </a:rPr>
+              <a:t>list.files</a:t>
+            </a:r>
+            <a:r>
+              <a:rPr dirty="0">
+                <a:latin typeface="Courier"/>
+              </a:rPr>
+              <a:t>()</a:t>
+            </a:r>
+            <a:r>
+              <a:rPr dirty="0"/>
+              <a:t>) </a:t>
+            </a:r>
+            <a:endParaRPr lang="en-US" dirty="0"/>
+          </a:p>
+          <a:p>
+            <a:pPr marL="0" lvl="0" indent="0">
+              <a:buNone/>
+            </a:pPr>
+            <a:r>
+              <a:rPr dirty="0"/>
+              <a:t>5. Now try to set your working directory using </a:t>
+            </a:r>
+            <a:r>
+              <a:rPr dirty="0" err="1">
+                <a:latin typeface="Courier"/>
+              </a:rPr>
+              <a:t>setwd</a:t>
+            </a:r>
+            <a:r>
+              <a:rPr dirty="0">
+                <a:latin typeface="Courier"/>
+              </a:rPr>
+              <a:t>("</a:t>
+            </a:r>
+            <a:r>
+              <a:rPr dirty="0" err="1">
+                <a:latin typeface="Courier"/>
+              </a:rPr>
+              <a:t>test_dir</a:t>
+            </a:r>
+            <a:r>
+              <a:rPr dirty="0">
+                <a:latin typeface="Courier"/>
+              </a:rPr>
+              <a:t>")</a:t>
+            </a:r>
+            <a:r>
+              <a:rPr dirty="0"/>
+              <a:t>. What happened? </a:t>
+            </a:r>
+            <a:endParaRPr lang="en-US" dirty="0"/>
+          </a:p>
+          <a:p>
+            <a:pPr marL="0" lvl="0" indent="0">
+              <a:buNone/>
+            </a:pPr>
+            <a:r>
+              <a:rPr dirty="0"/>
+              <a:t>6. Create a new test directory using </a:t>
+            </a:r>
+            <a:r>
+              <a:rPr dirty="0" err="1">
+                <a:latin typeface="Courier"/>
+              </a:rPr>
+              <a:t>dir_create</a:t>
+            </a:r>
+            <a:r>
+              <a:rPr dirty="0">
+                <a:latin typeface="Courier"/>
+              </a:rPr>
+              <a:t>("</a:t>
+            </a:r>
+            <a:r>
+              <a:rPr dirty="0" err="1">
+                <a:latin typeface="Courier"/>
+              </a:rPr>
+              <a:t>test_dir</a:t>
+            </a:r>
+            <a:r>
+              <a:rPr dirty="0">
+                <a:latin typeface="Courier"/>
+              </a:rPr>
+              <a:t>")</a:t>
+            </a:r>
+            <a:r>
+              <a:rPr dirty="0"/>
+              <a:t>. (Base equivalent: </a:t>
+            </a:r>
+            <a:r>
+              <a:rPr dirty="0" err="1">
+                <a:latin typeface="Courier"/>
+              </a:rPr>
+              <a:t>dir.create</a:t>
+            </a:r>
+            <a:r>
+              <a:rPr dirty="0">
+                <a:latin typeface="Courier"/>
+              </a:rPr>
+              <a:t>("</a:t>
+            </a:r>
+            <a:r>
+              <a:rPr dirty="0" err="1">
+                <a:latin typeface="Courier"/>
+              </a:rPr>
+              <a:t>test_dir</a:t>
+            </a:r>
+            <a:r>
+              <a:rPr dirty="0">
+                <a:latin typeface="Courier"/>
+              </a:rPr>
+              <a:t>")</a:t>
+            </a:r>
+            <a:r>
+              <a:rPr dirty="0"/>
+              <a:t>) </a:t>
+            </a:r>
+            <a:endParaRPr lang="en-US" dirty="0"/>
+          </a:p>
+          <a:p>
+            <a:pPr marL="0" lvl="0" indent="0">
+              <a:buNone/>
+            </a:pPr>
+            <a:r>
+              <a:rPr dirty="0"/>
+              <a:t>7. Review your current directory </a:t>
+            </a:r>
+            <a:endParaRPr lang="en-US" dirty="0"/>
+          </a:p>
+          <a:p>
+            <a:pPr marL="0" lvl="0" indent="0">
+              <a:buNone/>
+            </a:pPr>
+            <a:r>
+              <a:rPr dirty="0"/>
+              <a:t>8. Set your directory to the test directory you just created </a:t>
+            </a:r>
+            <a:endParaRPr lang="en-US" dirty="0"/>
+          </a:p>
+          <a:p>
+            <a:pPr marL="0" lvl="0" indent="0">
+              <a:buNone/>
+            </a:pPr>
+            <a:r>
+              <a:rPr dirty="0"/>
+              <a:t>9. Using the Files window (bottom right in RStudio, click on </a:t>
+            </a:r>
+            <a:r>
+              <a:rPr b="1" dirty="0"/>
+              <a:t>Files</a:t>
+            </a:r>
+            <a:r>
+              <a:rPr dirty="0"/>
+              <a:t> tab if on another tab), navigate to the test directory you just created and list the files. </a:t>
+            </a:r>
+            <a:r>
+              <a:rPr i="1" dirty="0"/>
+              <a:t>Pro tip: The More menu here has shortcuts to set the currently displayed directory as your working directory and to navigate to the current working directory</a:t>
+            </a:r>
+            <a:r>
+              <a:rPr dirty="0"/>
+              <a:t> </a:t>
+            </a:r>
+            <a:endParaRPr lang="en-US" dirty="0"/>
+          </a:p>
+          <a:p>
+            <a:pPr marL="0" lvl="0" indent="0">
+              <a:buNone/>
+            </a:pPr>
+            <a:r>
+              <a:rPr dirty="0"/>
+              <a:t>10. Navigate back to one level above the directory you created using </a:t>
+            </a:r>
+            <a:r>
+              <a:rPr dirty="0" err="1">
+                <a:latin typeface="Courier"/>
+              </a:rPr>
+              <a:t>setwd</a:t>
+            </a:r>
+            <a:r>
+              <a:rPr dirty="0">
+                <a:latin typeface="Courier"/>
+              </a:rPr>
+              <a:t>("..")</a:t>
+            </a:r>
+            <a:r>
+              <a:rPr dirty="0"/>
+              <a:t> and list the files </a:t>
+            </a:r>
+            <a:endParaRPr lang="en-US" dirty="0"/>
+          </a:p>
+          <a:p>
+            <a:pPr marL="0" lvl="0" indent="0">
+              <a:buNone/>
+            </a:pPr>
+            <a:r>
+              <a:rPr dirty="0"/>
+              <a:t>11. Delete the directory you created using the </a:t>
+            </a:r>
+            <a:r>
+              <a:rPr dirty="0" err="1">
+                <a:latin typeface="Courier"/>
+              </a:rPr>
+              <a:t>dir_delete</a:t>
+            </a:r>
+            <a:r>
+              <a:rPr dirty="0">
+                <a:latin typeface="Courier"/>
+              </a:rPr>
+              <a:t>()</a:t>
+            </a:r>
+            <a:r>
+              <a:rPr dirty="0"/>
+              <a:t> function. Learn more about how to use the function by reviewing the documentation: </a:t>
+            </a:r>
+            <a:r>
+              <a:rPr dirty="0">
+                <a:latin typeface="Courier"/>
+              </a:rPr>
+              <a:t>?</a:t>
+            </a:r>
+            <a:r>
+              <a:rPr dirty="0" err="1">
+                <a:latin typeface="Courier"/>
+              </a:rPr>
+              <a:t>dir_delete</a:t>
+            </a:r>
+            <a:r>
+              <a:rPr dirty="0"/>
+              <a:t>.</a:t>
             </a:r>
           </a:p>
         </p:txBody>
       </p:sp>
     </p:spTree>
   </p:cSld>
+  <p:clrMapOvr>
+    <a:masterClrMapping/>
+  </p:clrMapOvr>
 </p:sld>
 </file>
 
@@ -3905,24 +4158,11 @@
           <a:bodyPr/>
           <a:lstStyle/>
           <a:p>
-            <a:pPr lvl="0" marL="0" indent="0">
+            <a:pPr marL="0" lvl="0" indent="0">
               <a:buNone/>
             </a:pPr>
             <a:r>
-              <a:rPr/>
-              <a:t>fs</a:t>
-            </a:r>
-            <a:r>
-              <a:rPr/>
-              <a:t> </a:t>
-            </a:r>
-            <a:r>
-              <a:rPr/>
-              <a:t>package:</a:t>
-            </a:r>
-            <a:r>
-              <a:rPr/>
-              <a:t> </a:t>
+              <a:t>fs package: </a:t>
             </a:r>
             <a:r>
               <a:rPr>
@@ -3931,52 +4171,7 @@
               <a:t>dir_ls</a:t>
             </a:r>
             <a:r>
-              <a:rPr/>
-              <a:t> </a:t>
-            </a:r>
-            <a:r>
-              <a:rPr/>
-              <a:t>to</a:t>
-            </a:r>
-            <a:r>
-              <a:rPr/>
-              <a:t> </a:t>
-            </a:r>
-            <a:r>
-              <a:rPr/>
-              <a:t>list</a:t>
-            </a:r>
-            <a:r>
-              <a:rPr/>
-              <a:t> </a:t>
-            </a:r>
-            <a:r>
-              <a:rPr/>
-              <a:t>files</a:t>
-            </a:r>
-            <a:r>
-              <a:rPr/>
-              <a:t> </a:t>
-            </a:r>
-            <a:r>
-              <a:rPr/>
-              <a:t>in</a:t>
-            </a:r>
-            <a:r>
-              <a:rPr/>
-              <a:t> </a:t>
-            </a:r>
-            <a:r>
-              <a:rPr/>
-              <a:t>a</a:t>
-            </a:r>
-            <a:r>
-              <a:rPr/>
-              <a:t> </a:t>
-            </a:r>
-            <a:r>
-              <a:rPr/>
-              <a:t>directory</a:t>
+              <a:t> to list files in a directory</a:t>
             </a:r>
           </a:p>
         </p:txBody>
@@ -3991,16 +4186,23 @@
             <p:ph idx="1"/>
           </p:nvPr>
         </p:nvSpPr>
-        <p:spPr/>
-        <p:txBody>
-          <a:bodyPr/>
+        <p:spPr>
+          <a:xfrm>
+            <a:off x="164387" y="1600200"/>
+            <a:ext cx="8774130" cy="5257800"/>
+          </a:xfrm>
+        </p:spPr>
+        <p:txBody>
+          <a:bodyPr>
+            <a:normAutofit fontScale="77500" lnSpcReduction="20000"/>
+          </a:bodyPr>
           <a:lstStyle/>
           <a:p>
             <a:pPr lvl="0" indent="0">
               <a:buNone/>
             </a:pPr>
             <a:r>
-              <a:rPr>
+              <a:rPr dirty="0">
                 <a:solidFill>
                   <a:srgbClr val="06287E"/>
                 </a:solidFill>
@@ -4009,14 +4211,16 @@
               <a:t>library</a:t>
             </a:r>
             <a:r>
-              <a:rPr>
+              <a:rPr dirty="0">
                 <a:latin typeface="Courier"/>
               </a:rPr>
               <a:t>(fs)</a:t>
             </a:r>
-            <a:br/>
-            <a:r>
-              <a:rPr>
+            <a:br>
+              <a:rPr dirty="0"/>
+            </a:br>
+            <a:r>
+              <a:rPr dirty="0" err="1">
                 <a:solidFill>
                   <a:srgbClr val="06287E"/>
                 </a:solidFill>
@@ -4025,13 +4229,13 @@
               <a:t>dir_ls</a:t>
             </a:r>
             <a:r>
-              <a:rPr>
+              <a:rPr dirty="0">
                 <a:latin typeface="Courier"/>
               </a:rPr>
               <a:t>(</a:t>
             </a:r>
             <a:r>
-              <a:rPr>
+              <a:rPr dirty="0">
                 <a:solidFill>
                   <a:srgbClr val="4070A0"/>
                 </a:solidFill>
@@ -4040,7 +4244,7 @@
               <a:t>"data"</a:t>
             </a:r>
             <a:r>
-              <a:rPr>
+              <a:rPr dirty="0">
                 <a:latin typeface="Courier"/>
               </a:rPr>
               <a:t>)</a:t>
@@ -4051,21 +4255,168 @@
               <a:buNone/>
             </a:pPr>
             <a:r>
-              <a:rPr>
-                <a:latin typeface="Courier"/>
-              </a:rPr>
-              <a:t>## /Users/patrickmathias/src/MSACL-intermediate-R-course/data/2017-01-06_b.csv
-## /Users/patrickmathias/src/MSACL-intermediate-R-course/data/2017-01-06_p.csv
-## /Users/patrickmathias/src/MSACL-intermediate-R-course/data/2017-01-06_s.csv
-## /Users/patrickmathias/src/MSACL-intermediate-R-course/data/2017-02-06_b.csv
-## /Users/patrickmathias/src/MSACL-intermediate-R-course/data/2017-02-06_p.csv
-## /Users/patrickmathias/src/MSACL-intermediate-R-course/data/2017-02-06_s.csv</a:t>
+              <a:rPr dirty="0">
+                <a:latin typeface="Courier"/>
+              </a:rPr>
+              <a:t>## /Users/</a:t>
+            </a:r>
+            <a:r>
+              <a:rPr dirty="0" err="1">
+                <a:latin typeface="Courier"/>
+              </a:rPr>
+              <a:t>patrickmathias</a:t>
+            </a:r>
+            <a:r>
+              <a:rPr dirty="0">
+                <a:latin typeface="Courier"/>
+              </a:rPr>
+              <a:t>/</a:t>
+            </a:r>
+            <a:r>
+              <a:rPr dirty="0" err="1">
+                <a:latin typeface="Courier"/>
+              </a:rPr>
+              <a:t>src</a:t>
+            </a:r>
+            <a:r>
+              <a:rPr dirty="0">
+                <a:latin typeface="Courier"/>
+              </a:rPr>
+              <a:t>/MSACL-intermediate-R-course/data/2017-01-06_b.csv
+## /Users/</a:t>
+            </a:r>
+            <a:r>
+              <a:rPr dirty="0" err="1">
+                <a:latin typeface="Courier"/>
+              </a:rPr>
+              <a:t>patrickmathias</a:t>
+            </a:r>
+            <a:r>
+              <a:rPr dirty="0">
+                <a:latin typeface="Courier"/>
+              </a:rPr>
+              <a:t>/</a:t>
+            </a:r>
+            <a:r>
+              <a:rPr dirty="0" err="1">
+                <a:latin typeface="Courier"/>
+              </a:rPr>
+              <a:t>src</a:t>
+            </a:r>
+            <a:r>
+              <a:rPr dirty="0">
+                <a:latin typeface="Courier"/>
+              </a:rPr>
+              <a:t>/MSACL-intermediate-R-course/data/2017-01-06_p.csv
+## /Users/</a:t>
+            </a:r>
+            <a:r>
+              <a:rPr dirty="0" err="1">
+                <a:latin typeface="Courier"/>
+              </a:rPr>
+              <a:t>patrickmathias</a:t>
+            </a:r>
+            <a:r>
+              <a:rPr dirty="0">
+                <a:latin typeface="Courier"/>
+              </a:rPr>
+              <a:t>/</a:t>
+            </a:r>
+            <a:r>
+              <a:rPr dirty="0" err="1">
+                <a:latin typeface="Courier"/>
+              </a:rPr>
+              <a:t>src</a:t>
+            </a:r>
+            <a:r>
+              <a:rPr dirty="0">
+                <a:latin typeface="Courier"/>
+              </a:rPr>
+              <a:t>/MSACL-intermediate-R-course/data/2017-01-06_s.csv
+## /Users/</a:t>
+            </a:r>
+            <a:r>
+              <a:rPr dirty="0" err="1">
+                <a:latin typeface="Courier"/>
+              </a:rPr>
+              <a:t>patrickmathias</a:t>
+            </a:r>
+            <a:r>
+              <a:rPr dirty="0">
+                <a:latin typeface="Courier"/>
+              </a:rPr>
+              <a:t>/</a:t>
+            </a:r>
+            <a:r>
+              <a:rPr dirty="0" err="1">
+                <a:latin typeface="Courier"/>
+              </a:rPr>
+              <a:t>src</a:t>
+            </a:r>
+            <a:r>
+              <a:rPr dirty="0">
+                <a:latin typeface="Courier"/>
+              </a:rPr>
+              <a:t>/MSACL-intermediate-R-course/data/2017-02-06_b.csv
+## /Users/</a:t>
+            </a:r>
+            <a:r>
+              <a:rPr dirty="0" err="1">
+                <a:latin typeface="Courier"/>
+              </a:rPr>
+              <a:t>patrickmathias</a:t>
+            </a:r>
+            <a:r>
+              <a:rPr dirty="0">
+                <a:latin typeface="Courier"/>
+              </a:rPr>
+              <a:t>/</a:t>
+            </a:r>
+            <a:r>
+              <a:rPr dirty="0" err="1">
+                <a:latin typeface="Courier"/>
+              </a:rPr>
+              <a:t>src</a:t>
+            </a:r>
+            <a:r>
+              <a:rPr dirty="0">
+                <a:latin typeface="Courier"/>
+              </a:rPr>
+              <a:t>/MSACL-intermediate-R-course/data/2017-02-06_p.csv
+## /Users/</a:t>
+            </a:r>
+            <a:r>
+              <a:rPr dirty="0" err="1">
+                <a:latin typeface="Courier"/>
+              </a:rPr>
+              <a:t>patrickmathias</a:t>
+            </a:r>
+            <a:r>
+              <a:rPr dirty="0">
+                <a:latin typeface="Courier"/>
+              </a:rPr>
+              <a:t>/</a:t>
+            </a:r>
+            <a:r>
+              <a:rPr dirty="0" err="1">
+                <a:latin typeface="Courier"/>
+              </a:rPr>
+              <a:t>src</a:t>
+            </a:r>
+            <a:r>
+              <a:rPr dirty="0">
+                <a:latin typeface="Courier"/>
+              </a:rPr>
+              <a:t>/MSACL-intermediate-R-course/data/2017-02-06_s.csv</a:t>
             </a:r>
           </a:p>
         </p:txBody>
       </p:sp>
     </p:spTree>
   </p:cSld>
+  <p:clrMapOvr>
+    <a:masterClrMapping/>
+  </p:clrMapOvr>
 </p:sld>
 </file>
 
@@ -4101,186 +4452,301 @@
           <a:bodyPr/>
           <a:lstStyle/>
           <a:p>
-            <a:pPr lvl="0" marL="0" indent="0">
+            <a:pPr marL="0" lvl="0" indent="0">
               <a:buNone/>
             </a:pPr>
             <a:r>
-              <a:rPr/>
-              <a:t>Find</a:t>
-            </a:r>
-            <a:r>
-              <a:rPr/>
+              <a:t>Find files with a specific extension or pattern</a:t>
+            </a:r>
+          </a:p>
+        </p:txBody>
+      </p:sp>
+      <p:sp>
+        <p:nvSpPr>
+          <p:cNvPr id="3" name="Content Placeholder 2"/>
+          <p:cNvSpPr>
+            <a:spLocks noGrp="1"/>
+          </p:cNvSpPr>
+          <p:nvPr>
+            <p:ph idx="1"/>
+          </p:nvPr>
+        </p:nvSpPr>
+        <p:spPr>
+          <a:xfrm>
+            <a:off x="164387" y="1600200"/>
+            <a:ext cx="8722759" cy="5257800"/>
+          </a:xfrm>
+        </p:spPr>
+        <p:txBody>
+          <a:bodyPr>
+            <a:normAutofit fontScale="77500" lnSpcReduction="20000"/>
+          </a:bodyPr>
+          <a:lstStyle/>
+          <a:p>
+            <a:pPr lvl="0" indent="0">
+              <a:buNone/>
+            </a:pPr>
+            <a:r>
+              <a:rPr dirty="0" err="1">
+                <a:solidFill>
+                  <a:srgbClr val="06287E"/>
+                </a:solidFill>
+                <a:latin typeface="Courier"/>
+              </a:rPr>
+              <a:t>dir_ls</a:t>
+            </a:r>
+            <a:r>
+              <a:rPr dirty="0">
+                <a:latin typeface="Courier"/>
+              </a:rPr>
+              <a:t>(</a:t>
+            </a:r>
+            <a:r>
+              <a:rPr dirty="0">
+                <a:solidFill>
+                  <a:srgbClr val="7D9029"/>
+                </a:solidFill>
+                <a:latin typeface="Courier"/>
+              </a:rPr>
+              <a:t>path =</a:t>
+            </a:r>
+            <a:r>
+              <a:rPr dirty="0">
+                <a:latin typeface="Courier"/>
+              </a:rPr>
               <a:t> </a:t>
             </a:r>
             <a:r>
-              <a:rPr/>
-              <a:t>files</a:t>
-            </a:r>
-            <a:r>
-              <a:rPr/>
+              <a:rPr dirty="0">
+                <a:solidFill>
+                  <a:srgbClr val="4070A0"/>
+                </a:solidFill>
+                <a:latin typeface="Courier"/>
+              </a:rPr>
+              <a:t>"data"</a:t>
+            </a:r>
+            <a:r>
+              <a:rPr dirty="0">
+                <a:latin typeface="Courier"/>
+              </a:rPr>
+              <a:t>, </a:t>
+            </a:r>
+            <a:r>
+              <a:rPr dirty="0">
+                <a:solidFill>
+                  <a:srgbClr val="7D9029"/>
+                </a:solidFill>
+                <a:latin typeface="Courier"/>
+              </a:rPr>
+              <a:t>glob =</a:t>
+            </a:r>
+            <a:r>
+              <a:rPr dirty="0">
+                <a:latin typeface="Courier"/>
+              </a:rPr>
               <a:t> </a:t>
             </a:r>
             <a:r>
-              <a:rPr/>
-              <a:t>with</a:t>
-            </a:r>
-            <a:r>
-              <a:rPr/>
-              <a:t> </a:t>
-            </a:r>
-            <a:r>
-              <a:rPr/>
-              <a:t>a</a:t>
-            </a:r>
-            <a:r>
-              <a:rPr/>
-              <a:t> </a:t>
-            </a:r>
-            <a:r>
-              <a:rPr/>
-              <a:t>specific</a:t>
-            </a:r>
-            <a:r>
-              <a:rPr/>
-              <a:t> </a:t>
-            </a:r>
-            <a:r>
-              <a:rPr/>
-              <a:t>extension</a:t>
-            </a:r>
-            <a:r>
-              <a:rPr/>
-              <a:t> </a:t>
-            </a:r>
-            <a:r>
-              <a:rPr/>
-              <a:t>or</a:t>
-            </a:r>
-            <a:r>
-              <a:rPr/>
-              <a:t> </a:t>
-            </a:r>
-            <a:r>
-              <a:rPr/>
-              <a:t>pattern</a:t>
-            </a:r>
-          </a:p>
-        </p:txBody>
-      </p:sp>
-      <p:sp>
-        <p:nvSpPr>
-          <p:cNvPr id="3" name="Content Placeholder 2"/>
-          <p:cNvSpPr>
-            <a:spLocks noGrp="1"/>
-          </p:cNvSpPr>
-          <p:nvPr>
-            <p:ph idx="1"/>
-          </p:nvPr>
-        </p:nvSpPr>
-        <p:spPr/>
-        <p:txBody>
-          <a:bodyPr/>
-          <a:lstStyle/>
+              <a:rPr dirty="0">
+                <a:solidFill>
+                  <a:srgbClr val="4070A0"/>
+                </a:solidFill>
+                <a:latin typeface="Courier"/>
+              </a:rPr>
+              <a:t>"*_</a:t>
+            </a:r>
+            <a:r>
+              <a:rPr dirty="0" err="1">
+                <a:solidFill>
+                  <a:srgbClr val="4070A0"/>
+                </a:solidFill>
+                <a:latin typeface="Courier"/>
+              </a:rPr>
+              <a:t>s.csv</a:t>
+            </a:r>
+            <a:r>
+              <a:rPr dirty="0">
+                <a:solidFill>
+                  <a:srgbClr val="4070A0"/>
+                </a:solidFill>
+                <a:latin typeface="Courier"/>
+              </a:rPr>
+              <a:t>"</a:t>
+            </a:r>
+            <a:r>
+              <a:rPr dirty="0">
+                <a:latin typeface="Courier"/>
+              </a:rPr>
+              <a:t>)</a:t>
+            </a:r>
+          </a:p>
           <a:p>
             <a:pPr lvl="0" indent="0">
               <a:buNone/>
             </a:pPr>
             <a:r>
-              <a:rPr>
-                <a:solidFill>
-                  <a:srgbClr val="06287E"/>
-                </a:solidFill>
-                <a:latin typeface="Courier"/>
-              </a:rPr>
-              <a:t>dir_ls</a:t>
-            </a:r>
-            <a:r>
-              <a:rPr>
-                <a:latin typeface="Courier"/>
-              </a:rPr>
-              <a:t>(</a:t>
-            </a:r>
-            <a:r>
-              <a:rPr>
-                <a:solidFill>
-                  <a:srgbClr val="7D9029"/>
-                </a:solidFill>
-                <a:latin typeface="Courier"/>
-              </a:rPr>
-              <a:t>path =</a:t>
-            </a:r>
-            <a:r>
-              <a:rPr>
-                <a:latin typeface="Courier"/>
-              </a:rPr>
-              <a:t> </a:t>
-            </a:r>
-            <a:r>
-              <a:rPr>
-                <a:solidFill>
-                  <a:srgbClr val="4070A0"/>
-                </a:solidFill>
-                <a:latin typeface="Courier"/>
-              </a:rPr>
-              <a:t>"data"</a:t>
-            </a:r>
-            <a:r>
-              <a:rPr>
-                <a:latin typeface="Courier"/>
-              </a:rPr>
-              <a:t>, </a:t>
-            </a:r>
-            <a:r>
-              <a:rPr>
-                <a:solidFill>
-                  <a:srgbClr val="7D9029"/>
-                </a:solidFill>
-                <a:latin typeface="Courier"/>
-              </a:rPr>
-              <a:t>glob =</a:t>
-            </a:r>
-            <a:r>
-              <a:rPr>
-                <a:latin typeface="Courier"/>
-              </a:rPr>
-              <a:t> </a:t>
-            </a:r>
-            <a:r>
-              <a:rPr>
-                <a:solidFill>
-                  <a:srgbClr val="4070A0"/>
-                </a:solidFill>
-                <a:latin typeface="Courier"/>
-              </a:rPr>
-              <a:t>"*_s.csv"</a:t>
-            </a:r>
-            <a:r>
-              <a:rPr>
-                <a:latin typeface="Courier"/>
-              </a:rPr>
-              <a:t>)</a:t>
-            </a:r>
-          </a:p>
-          <a:p>
-            <a:pPr lvl="0" indent="0">
-              <a:buNone/>
-            </a:pPr>
-            <a:r>
-              <a:rPr>
-                <a:latin typeface="Courier"/>
-              </a:rPr>
-              <a:t>## /Users/patrickmathias/src/MSACL-intermediate-R-course/data/2017-01-06_s.csv
-## /Users/patrickmathias/src/MSACL-intermediate-R-course/data/2017-02-06_s.csv
-## /Users/patrickmathias/src/MSACL-intermediate-R-course/data/2017-03-09_s.csv
-## /Users/patrickmathias/src/MSACL-intermediate-R-course/data/2017-04-08_s.csv
-## /Users/patrickmathias/src/MSACL-intermediate-R-course/data/2017-05-09_s.csv
-## /Users/patrickmathias/src/MSACL-intermediate-R-course/data/2017-06-08_s.csv</a:t>
+              <a:rPr dirty="0">
+                <a:latin typeface="Courier"/>
+              </a:rPr>
+              <a:t>## /Users/</a:t>
+            </a:r>
+            <a:r>
+              <a:rPr dirty="0" err="1">
+                <a:latin typeface="Courier"/>
+              </a:rPr>
+              <a:t>patrickmathias</a:t>
+            </a:r>
+            <a:r>
+              <a:rPr dirty="0">
+                <a:latin typeface="Courier"/>
+              </a:rPr>
+              <a:t>/</a:t>
+            </a:r>
+            <a:r>
+              <a:rPr dirty="0" err="1">
+                <a:latin typeface="Courier"/>
+              </a:rPr>
+              <a:t>src</a:t>
+            </a:r>
+            <a:r>
+              <a:rPr dirty="0">
+                <a:latin typeface="Courier"/>
+              </a:rPr>
+              <a:t>/MSACL-intermediate-R-course/data/2017-01-06_s.csv
+## /Users/</a:t>
+            </a:r>
+            <a:r>
+              <a:rPr dirty="0" err="1">
+                <a:latin typeface="Courier"/>
+              </a:rPr>
+              <a:t>patrickmathias</a:t>
+            </a:r>
+            <a:r>
+              <a:rPr dirty="0">
+                <a:latin typeface="Courier"/>
+              </a:rPr>
+              <a:t>/</a:t>
+            </a:r>
+            <a:r>
+              <a:rPr dirty="0" err="1">
+                <a:latin typeface="Courier"/>
+              </a:rPr>
+              <a:t>src</a:t>
+            </a:r>
+            <a:r>
+              <a:rPr dirty="0">
+                <a:latin typeface="Courier"/>
+              </a:rPr>
+              <a:t>/MSACL-intermediate-R-course/data/2017-02-06_s.csv
+## /Users/</a:t>
+            </a:r>
+            <a:r>
+              <a:rPr dirty="0" err="1">
+                <a:latin typeface="Courier"/>
+              </a:rPr>
+              <a:t>patrickmathias</a:t>
+            </a:r>
+            <a:r>
+              <a:rPr dirty="0">
+                <a:latin typeface="Courier"/>
+              </a:rPr>
+              <a:t>/</a:t>
+            </a:r>
+            <a:r>
+              <a:rPr dirty="0" err="1">
+                <a:latin typeface="Courier"/>
+              </a:rPr>
+              <a:t>src</a:t>
+            </a:r>
+            <a:r>
+              <a:rPr dirty="0">
+                <a:latin typeface="Courier"/>
+              </a:rPr>
+              <a:t>/MSACL-intermediate-R-course/data/2017-03-09_s.csv
+## /Users/</a:t>
+            </a:r>
+            <a:r>
+              <a:rPr dirty="0" err="1">
+                <a:latin typeface="Courier"/>
+              </a:rPr>
+              <a:t>patrickmathias</a:t>
+            </a:r>
+            <a:r>
+              <a:rPr dirty="0">
+                <a:latin typeface="Courier"/>
+              </a:rPr>
+              <a:t>/</a:t>
+            </a:r>
+            <a:r>
+              <a:rPr dirty="0" err="1">
+                <a:latin typeface="Courier"/>
+              </a:rPr>
+              <a:t>src</a:t>
+            </a:r>
+            <a:r>
+              <a:rPr dirty="0">
+                <a:latin typeface="Courier"/>
+              </a:rPr>
+              <a:t>/MSACL-intermediate-R-course/data/2017-04-08_s.csv
+## /Users/</a:t>
+            </a:r>
+            <a:r>
+              <a:rPr dirty="0" err="1">
+                <a:latin typeface="Courier"/>
+              </a:rPr>
+              <a:t>patrickmathias</a:t>
+            </a:r>
+            <a:r>
+              <a:rPr dirty="0">
+                <a:latin typeface="Courier"/>
+              </a:rPr>
+              <a:t>/</a:t>
+            </a:r>
+            <a:r>
+              <a:rPr dirty="0" err="1">
+                <a:latin typeface="Courier"/>
+              </a:rPr>
+              <a:t>src</a:t>
+            </a:r>
+            <a:r>
+              <a:rPr dirty="0">
+                <a:latin typeface="Courier"/>
+              </a:rPr>
+              <a:t>/MSACL-intermediate-R-course/data/2017-05-09_s.csv
+## /Users/</a:t>
+            </a:r>
+            <a:r>
+              <a:rPr dirty="0" err="1">
+                <a:latin typeface="Courier"/>
+              </a:rPr>
+              <a:t>patrickmathias</a:t>
+            </a:r>
+            <a:r>
+              <a:rPr dirty="0">
+                <a:latin typeface="Courier"/>
+              </a:rPr>
+              <a:t>/</a:t>
+            </a:r>
+            <a:r>
+              <a:rPr dirty="0" err="1">
+                <a:latin typeface="Courier"/>
+              </a:rPr>
+              <a:t>src</a:t>
+            </a:r>
+            <a:r>
+              <a:rPr dirty="0">
+                <a:latin typeface="Courier"/>
+              </a:rPr>
+              <a:t>/MSACL-intermediate-R-course/data/2017-06-08_s.csv</a:t>
             </a:r>
           </a:p>
         </p:txBody>
       </p:sp>
     </p:spTree>
   </p:cSld>
+  <p:clrMapOvr>
+    <a:masterClrMapping/>
+  </p:clrMapOvr>
 </p:sld>
 </file>
 
@@ -4316,32 +4782,11 @@
           <a:bodyPr/>
           <a:lstStyle/>
           <a:p>
-            <a:pPr lvl="0" marL="0" indent="0">
+            <a:pPr marL="0" lvl="0" indent="0">
               <a:buNone/>
             </a:pPr>
             <a:r>
-              <a:rPr/>
-              <a:t>Create</a:t>
-            </a:r>
-            <a:r>
-              <a:rPr/>
-              <a:t> </a:t>
-            </a:r>
-            <a:r>
-              <a:rPr/>
-              <a:t>directory</a:t>
-            </a:r>
-            <a:r>
-              <a:rPr/>
-              <a:t> </a:t>
-            </a:r>
-            <a:r>
-              <a:rPr/>
-              <a:t>with</a:t>
-            </a:r>
-            <a:r>
-              <a:rPr/>
-              <a:t> </a:t>
+              <a:t>Create directory with </a:t>
             </a:r>
             <a:r>
               <a:rPr>
@@ -4369,7 +4814,6 @@
           <a:p>
             <a:pPr lvl="1"/>
             <a:r>
-              <a:rPr/>
               <a:t>Optional exercise: create a projects directory</a:t>
             </a:r>
           </a:p>
@@ -4443,6 +4887,9 @@
       </p:sp>
     </p:spTree>
   </p:cSld>
+  <p:clrMapOvr>
+    <a:masterClrMapping/>
+  </p:clrMapOvr>
 </p:sld>
 </file>
 
@@ -4478,20 +4925,11 @@
           <a:bodyPr/>
           <a:lstStyle/>
           <a:p>
-            <a:pPr lvl="0" marL="0" indent="0">
+            <a:pPr marL="0" lvl="0" indent="0">
               <a:buNone/>
             </a:pPr>
             <a:r>
-              <a:rPr/>
-              <a:t>Exercise</a:t>
-            </a:r>
-            <a:r>
-              <a:rPr/>
-              <a:t> </a:t>
-            </a:r>
-            <a:r>
-              <a:rPr/>
-              <a:t>2</a:t>
+              <a:t>Exercise 2</a:t>
             </a:r>
           </a:p>
         </p:txBody>
@@ -4506,23 +4944,113 @@
             <p:ph idx="1"/>
           </p:nvPr>
         </p:nvSpPr>
-        <p:spPr/>
-        <p:txBody>
-          <a:bodyPr/>
-          <a:lstStyle/>
-          <a:p>
-            <a:pPr lvl="0" marL="0" indent="0">
-              <a:buNone/>
+        <p:spPr>
+          <a:xfrm>
+            <a:off x="82193" y="1600200"/>
+            <a:ext cx="8907695" cy="5257800"/>
+          </a:xfrm>
+        </p:spPr>
+        <p:txBody>
+          <a:bodyPr>
+            <a:normAutofit fontScale="92500" lnSpcReduction="10000"/>
+          </a:bodyPr>
+          <a:lstStyle/>
+          <a:p>
+            <a:pPr lvl="1">
+              <a:buAutoNum type="arabicPeriod"/>
             </a:pPr>
             <a:r>
-              <a:rPr/>
-              <a:t>Create a new project using RStudio functionality</a:t>
+              <a:rPr dirty="0"/>
+              <a:t>Navigate to the </a:t>
+            </a:r>
+            <a:r>
+              <a:rPr b="1" dirty="0"/>
+              <a:t>File</a:t>
+            </a:r>
+            <a:r>
+              <a:rPr dirty="0"/>
+              <a:t> menu and select </a:t>
+            </a:r>
+            <a:r>
+              <a:rPr b="1" dirty="0"/>
+              <a:t>New Project…</a:t>
+            </a:r>
+            <a:r>
+              <a:rPr dirty="0"/>
+              <a:t> OR Select the </a:t>
+            </a:r>
+            <a:r>
+              <a:rPr b="1" dirty="0"/>
+              <a:t>Create a project</a:t>
+            </a:r>
+            <a:r>
+              <a:rPr dirty="0"/>
+              <a:t> button on the global toolbar (2nd from the left)</a:t>
+            </a:r>
+          </a:p>
+          <a:p>
+            <a:pPr lvl="1">
+              <a:buAutoNum type="arabicPeriod"/>
+            </a:pPr>
+            <a:r>
+              <a:rPr dirty="0"/>
+              <a:t>Select </a:t>
+            </a:r>
+            <a:r>
+              <a:rPr b="1" dirty="0"/>
+              <a:t>New Directory</a:t>
+            </a:r>
+            <a:r>
+              <a:rPr dirty="0"/>
+              <a:t> option</a:t>
+            </a:r>
+          </a:p>
+          <a:p>
+            <a:pPr lvl="1">
+              <a:buAutoNum type="arabicPeriod"/>
+            </a:pPr>
+            <a:r>
+              <a:rPr dirty="0"/>
+              <a:t>In the Project Type prompt, select </a:t>
+            </a:r>
+            <a:r>
+              <a:rPr b="1" dirty="0"/>
+              <a:t>New Project</a:t>
+            </a:r>
+          </a:p>
+          <a:p>
+            <a:pPr lvl="1">
+              <a:buAutoNum type="arabicPeriod"/>
+            </a:pPr>
+            <a:r>
+              <a:rPr dirty="0"/>
+              <a:t>In the Directory Name prompt under Create New Project, enter “msacl-201-project”</a:t>
+            </a:r>
+          </a:p>
+          <a:p>
+            <a:pPr lvl="1">
+              <a:buAutoNum type="arabicPeriod"/>
+            </a:pPr>
+            <a:r>
+              <a:rPr dirty="0"/>
+              <a:t>In the Create Project as a Subdirectory of prompt under Create New Project, navigate to the Projects folder you just created (or another directory of your choosing). You can type in the path or hit the </a:t>
+            </a:r>
+            <a:r>
+              <a:rPr b="1" dirty="0"/>
+              <a:t>Browse</a:t>
+            </a:r>
+            <a:r>
+              <a:rPr dirty="0"/>
+              <a:t> button to find the directory. Check the option for “Open in a new session” and create your project.</a:t>
             </a:r>
           </a:p>
         </p:txBody>
       </p:sp>
     </p:spTree>
   </p:cSld>
+  <p:clrMapOvr>
+    <a:masterClrMapping/>
+  </p:clrMapOvr>
 </p:sld>
 </file>
 
@@ -4558,28 +5086,11 @@
           <a:bodyPr/>
           <a:lstStyle/>
           <a:p>
-            <a:pPr lvl="0" marL="0" indent="0">
+            <a:pPr marL="0" lvl="0" indent="0">
               <a:buNone/>
             </a:pPr>
             <a:r>
-              <a:rPr/>
-              <a:t>Exercise</a:t>
-            </a:r>
-            <a:r>
-              <a:rPr/>
-              <a:t> </a:t>
-            </a:r>
-            <a:r>
-              <a:rPr/>
-              <a:t>2</a:t>
-            </a:r>
-            <a:r>
-              <a:rPr/>
-              <a:t> </a:t>
-            </a:r>
-            <a:r>
-              <a:rPr/>
-              <a:t>Comments</a:t>
+              <a:t>Exercise 2 Comments</a:t>
             </a:r>
           </a:p>
         </p:txBody>
@@ -4601,21 +5112,18 @@
           <a:p>
             <a:pPr lvl="1"/>
             <a:r>
-              <a:rPr/>
               <a:t>RStudio projects can be easily closed and re-opened, preserving your work at a given time</a:t>
             </a:r>
           </a:p>
           <a:p>
             <a:pPr lvl="1"/>
             <a:r>
-              <a:rPr/>
               <a:t>RStudio projects can also help with directory organization</a:t>
             </a:r>
           </a:p>
           <a:p>
             <a:pPr lvl="2"/>
             <a:r>
-              <a:rPr/>
               <a:t>Working dir = project dir (unless otherwise explicitly specified)</a:t>
             </a:r>
           </a:p>
@@ -4623,6 +5131,9 @@
       </p:sp>
     </p:spTree>
   </p:cSld>
+  <p:clrMapOvr>
+    <a:masterClrMapping/>
+  </p:clrMapOvr>
 </p:sld>
 </file>
 
@@ -4658,68 +5169,11 @@
           <a:bodyPr/>
           <a:lstStyle/>
           <a:p>
-            <a:pPr lvl="0" marL="0" indent="0">
+            <a:pPr marL="0" lvl="0" indent="0">
               <a:buNone/>
             </a:pPr>
             <a:r>
-              <a:rPr/>
-              <a:t>Create</a:t>
-            </a:r>
-            <a:r>
-              <a:rPr/>
-              <a:t> </a:t>
-            </a:r>
-            <a:r>
-              <a:rPr/>
-              <a:t>a</a:t>
-            </a:r>
-            <a:r>
-              <a:rPr/>
-              <a:t> </a:t>
-            </a:r>
-            <a:r>
-              <a:rPr/>
-              <a:t>data</a:t>
-            </a:r>
-            <a:r>
-              <a:rPr/>
-              <a:t> </a:t>
-            </a:r>
-            <a:r>
-              <a:rPr/>
-              <a:t>directory</a:t>
-            </a:r>
-            <a:r>
-              <a:rPr/>
-              <a:t> </a:t>
-            </a:r>
-            <a:r>
-              <a:rPr/>
-              <a:t>and</a:t>
-            </a:r>
-            <a:r>
-              <a:rPr/>
-              <a:t> </a:t>
-            </a:r>
-            <a:r>
-              <a:rPr/>
-              <a:t>a</a:t>
-            </a:r>
-            <a:r>
-              <a:rPr/>
-              <a:t> </a:t>
-            </a:r>
-            <a:r>
-              <a:rPr/>
-              <a:t>results</a:t>
-            </a:r>
-            <a:r>
-              <a:rPr/>
-              <a:t> </a:t>
-            </a:r>
-            <a:r>
-              <a:rPr/>
-              <a:t>directory</a:t>
+              <a:t>Create a data directory and a results directory</a:t>
             </a:r>
           </a:p>
         </p:txBody>
@@ -4741,21 +5195,18 @@
           <a:p>
             <a:pPr lvl="1"/>
             <a:r>
-              <a:rPr/>
               <a:t>Using programming languages (as opposed to Excel) can help separate analysis from data</a:t>
             </a:r>
           </a:p>
           <a:p>
             <a:pPr lvl="2"/>
             <a:r>
-              <a:rPr/>
               <a:t>Cannot trace what happened to data if overwritten during analysis</a:t>
             </a:r>
           </a:p>
           <a:p>
             <a:pPr lvl="1"/>
             <a:r>
-              <a:rPr/>
               <a:t>Raw data in </a:t>
             </a:r>
             <a:r>
@@ -4763,14 +5214,12 @@
               <a:t>data</a:t>
             </a:r>
             <a:r>
-              <a:rPr/>
               <a:t> directory</a:t>
             </a:r>
           </a:p>
           <a:p>
             <a:pPr lvl="1"/>
             <a:r>
-              <a:rPr/>
               <a:t>Results from analysis in </a:t>
             </a:r>
             <a:r>
@@ -4778,7 +5227,6 @@
               <a:t>results</a:t>
             </a:r>
             <a:r>
-              <a:rPr/>
               <a:t> or </a:t>
             </a:r>
             <a:r>
@@ -4786,14 +5234,12 @@
               <a:t>output</a:t>
             </a:r>
             <a:r>
-              <a:rPr/>
               <a:t> directory</a:t>
             </a:r>
           </a:p>
           <a:p>
             <a:pPr lvl="1"/>
             <a:r>
-              <a:rPr/>
               <a:t>May want to separate out source code (</a:t>
             </a:r>
             <a:r>
@@ -4801,7 +5247,6 @@
               <a:t>src</a:t>
             </a:r>
             <a:r>
-              <a:rPr/>
               <a:t> directory), figures, and documents (eg. manuscripts) as well</a:t>
             </a:r>
           </a:p>
@@ -4809,6 +5254,9 @@
       </p:sp>
     </p:spTree>
   </p:cSld>
+  <p:clrMapOvr>
+    <a:masterClrMapping/>
+  </p:clrMapOvr>
 </p:sld>
 </file>
 
@@ -4844,20 +5292,11 @@
           <a:bodyPr/>
           <a:lstStyle/>
           <a:p>
-            <a:pPr lvl="0" marL="0" indent="0">
+            <a:pPr marL="0" lvl="0" indent="0">
               <a:buNone/>
             </a:pPr>
             <a:r>
-              <a:rPr/>
-              <a:t>Exericse</a:t>
-            </a:r>
-            <a:r>
-              <a:rPr/>
-              <a:t> </a:t>
-            </a:r>
-            <a:r>
-              <a:rPr/>
-              <a:t>3</a:t>
+              <a:t>Exericse 3</a:t>
             </a:r>
           </a:p>
         </p:txBody>
@@ -4877,18 +5316,227 @@
           <a:bodyPr/>
           <a:lstStyle/>
           <a:p>
-            <a:pPr lvl="0" marL="0" indent="0">
+            <a:pPr marL="0" lvl="0" indent="0">
               <a:buNone/>
             </a:pPr>
             <a:r>
-              <a:rPr/>
+              <a:rPr dirty="0"/>
               <a:t>Create a minimal project structure</a:t>
+            </a:r>
+          </a:p>
+          <a:p>
+            <a:pPr lvl="0" indent="0">
+              <a:buNone/>
+            </a:pPr>
+            <a:r>
+              <a:rPr dirty="0">
+                <a:solidFill>
+                  <a:srgbClr val="06287E"/>
+                </a:solidFill>
+                <a:latin typeface="Courier"/>
+              </a:rPr>
+              <a:t>library</a:t>
+            </a:r>
+            <a:r>
+              <a:rPr dirty="0">
+                <a:latin typeface="Courier"/>
+              </a:rPr>
+              <a:t>(fs)</a:t>
+            </a:r>
+            <a:br>
+              <a:rPr dirty="0"/>
+            </a:br>
+            <a:r>
+              <a:rPr dirty="0" err="1">
+                <a:solidFill>
+                  <a:srgbClr val="06287E"/>
+                </a:solidFill>
+                <a:latin typeface="Courier"/>
+              </a:rPr>
+              <a:t>dir_create</a:t>
+            </a:r>
+            <a:r>
+              <a:rPr dirty="0">
+                <a:latin typeface="Courier"/>
+              </a:rPr>
+              <a:t>(</a:t>
+            </a:r>
+            <a:r>
+              <a:rPr dirty="0">
+                <a:solidFill>
+                  <a:srgbClr val="4070A0"/>
+                </a:solidFill>
+                <a:latin typeface="Courier"/>
+              </a:rPr>
+              <a:t>"data"</a:t>
+            </a:r>
+            <a:r>
+              <a:rPr dirty="0">
+                <a:latin typeface="Courier"/>
+              </a:rPr>
+              <a:t>) </a:t>
+            </a:r>
+            <a:r>
+              <a:rPr i="1" dirty="0">
+                <a:solidFill>
+                  <a:srgbClr val="60A0B0"/>
+                </a:solidFill>
+                <a:latin typeface="Courier"/>
+              </a:rPr>
+              <a:t># raw data</a:t>
+            </a:r>
+            <a:br>
+              <a:rPr dirty="0"/>
+            </a:br>
+            <a:r>
+              <a:rPr dirty="0" err="1">
+                <a:solidFill>
+                  <a:srgbClr val="06287E"/>
+                </a:solidFill>
+                <a:latin typeface="Courier"/>
+              </a:rPr>
+              <a:t>dir_create</a:t>
+            </a:r>
+            <a:r>
+              <a:rPr dirty="0">
+                <a:latin typeface="Courier"/>
+              </a:rPr>
+              <a:t>(</a:t>
+            </a:r>
+            <a:r>
+              <a:rPr dirty="0">
+                <a:solidFill>
+                  <a:srgbClr val="4070A0"/>
+                </a:solidFill>
+                <a:latin typeface="Courier"/>
+              </a:rPr>
+              <a:t>"output"</a:t>
+            </a:r>
+            <a:r>
+              <a:rPr dirty="0">
+                <a:latin typeface="Courier"/>
+              </a:rPr>
+              <a:t>) </a:t>
+            </a:r>
+            <a:r>
+              <a:rPr i="1" dirty="0">
+                <a:solidFill>
+                  <a:srgbClr val="60A0B0"/>
+                </a:solidFill>
+                <a:latin typeface="Courier"/>
+              </a:rPr>
+              <a:t># output from analysis</a:t>
+            </a:r>
+            <a:br>
+              <a:rPr dirty="0"/>
+            </a:br>
+            <a:r>
+              <a:rPr dirty="0" err="1">
+                <a:solidFill>
+                  <a:srgbClr val="06287E"/>
+                </a:solidFill>
+                <a:latin typeface="Courier"/>
+              </a:rPr>
+              <a:t>dir_create</a:t>
+            </a:r>
+            <a:r>
+              <a:rPr dirty="0">
+                <a:latin typeface="Courier"/>
+              </a:rPr>
+              <a:t>(</a:t>
+            </a:r>
+            <a:r>
+              <a:rPr dirty="0">
+                <a:solidFill>
+                  <a:srgbClr val="4070A0"/>
+                </a:solidFill>
+                <a:latin typeface="Courier"/>
+              </a:rPr>
+              <a:t>"cache"</a:t>
+            </a:r>
+            <a:r>
+              <a:rPr dirty="0">
+                <a:latin typeface="Courier"/>
+              </a:rPr>
+              <a:t>) </a:t>
+            </a:r>
+            <a:r>
+              <a:rPr i="1" dirty="0">
+                <a:solidFill>
+                  <a:srgbClr val="60A0B0"/>
+                </a:solidFill>
+                <a:latin typeface="Courier"/>
+              </a:rPr>
+              <a:t># intermediate data (after processing raw data)</a:t>
+            </a:r>
+            <a:br>
+              <a:rPr dirty="0"/>
+            </a:br>
+            <a:r>
+              <a:rPr dirty="0" err="1">
+                <a:solidFill>
+                  <a:srgbClr val="06287E"/>
+                </a:solidFill>
+                <a:latin typeface="Courier"/>
+              </a:rPr>
+              <a:t>dir_create</a:t>
+            </a:r>
+            <a:r>
+              <a:rPr dirty="0">
+                <a:latin typeface="Courier"/>
+              </a:rPr>
+              <a:t>(</a:t>
+            </a:r>
+            <a:r>
+              <a:rPr dirty="0">
+                <a:solidFill>
+                  <a:srgbClr val="4070A0"/>
+                </a:solidFill>
+                <a:latin typeface="Courier"/>
+              </a:rPr>
+              <a:t>"</a:t>
+            </a:r>
+            <a:r>
+              <a:rPr dirty="0" err="1">
+                <a:solidFill>
+                  <a:srgbClr val="4070A0"/>
+                </a:solidFill>
+                <a:latin typeface="Courier"/>
+              </a:rPr>
+              <a:t>src</a:t>
+            </a:r>
+            <a:r>
+              <a:rPr dirty="0">
+                <a:solidFill>
+                  <a:srgbClr val="4070A0"/>
+                </a:solidFill>
+                <a:latin typeface="Courier"/>
+              </a:rPr>
+              <a:t>"</a:t>
+            </a:r>
+            <a:r>
+              <a:rPr dirty="0">
+                <a:latin typeface="Courier"/>
+              </a:rPr>
+              <a:t>) </a:t>
+            </a:r>
+            <a:r>
+              <a:rPr i="1" dirty="0">
+                <a:solidFill>
+                  <a:srgbClr val="60A0B0"/>
+                </a:solidFill>
+                <a:latin typeface="Courier"/>
+              </a:rPr>
+              <a:t># code goes into this folder</a:t>
             </a:r>
           </a:p>
         </p:txBody>
       </p:sp>
     </p:spTree>
   </p:cSld>
+  <p:clrMapOvr>
+    <a:masterClrMapping/>
+  </p:clrMapOvr>
 </p:sld>
 </file>
 
@@ -4924,36 +5572,11 @@
           <a:bodyPr/>
           <a:lstStyle/>
           <a:p>
-            <a:pPr lvl="0" marL="0" indent="0">
+            <a:pPr marL="0" lvl="0" indent="0">
               <a:buNone/>
             </a:pPr>
             <a:r>
-              <a:rPr/>
-              <a:t>What</a:t>
-            </a:r>
-            <a:r>
-              <a:rPr/>
-              <a:t> </a:t>
-            </a:r>
-            <a:r>
-              <a:rPr/>
-              <a:t>is</a:t>
-            </a:r>
-            <a:r>
-              <a:rPr/>
-              <a:t> </a:t>
-            </a:r>
-            <a:r>
-              <a:rPr/>
-              <a:t>reproducible</a:t>
-            </a:r>
-            <a:r>
-              <a:rPr/>
-              <a:t> </a:t>
-            </a:r>
-            <a:r>
-              <a:rPr/>
-              <a:t>research?</a:t>
+              <a:t>What is reproducible research?</a:t>
             </a:r>
           </a:p>
         </p:txBody>
@@ -4973,20 +5596,18 @@
           <a:bodyPr/>
           <a:lstStyle/>
           <a:p>
-            <a:pPr lvl="0" marL="0" indent="0">
+            <a:pPr marL="0" lvl="0" indent="0">
               <a:buNone/>
             </a:pPr>
             <a:r>
-              <a:rPr/>
               <a:t>Reproducible research = any research result can be reproduced by anybody</a:t>
             </a:r>
           </a:p>
           <a:p>
-            <a:pPr lvl="0" marL="0" indent="0">
+            <a:pPr marL="0" lvl="0" indent="0">
               <a:buNone/>
             </a:pPr>
             <a:r>
-              <a:rPr/>
               <a:t>Reproducibility can be achieved when the following criteria are met </a:t>
             </a:r>
             <a:r>
@@ -4996,28 +5617,24 @@
               <a:t>(Marecelino 2016)</a:t>
             </a:r>
             <a:r>
-              <a:rPr/>
               <a:t>:</a:t>
             </a:r>
           </a:p>
           <a:p>
             <a:pPr lvl="1"/>
             <a:r>
-              <a:rPr/>
               <a:t>All methods are fully reported</a:t>
             </a:r>
           </a:p>
           <a:p>
             <a:pPr lvl="1"/>
             <a:r>
-              <a:rPr/>
               <a:t>All data and files used for the analysis are available</a:t>
             </a:r>
           </a:p>
           <a:p>
             <a:pPr lvl="1"/>
             <a:r>
-              <a:rPr/>
               <a:t>The process of analyzing raw data is well reported and preserved</a:t>
             </a:r>
           </a:p>
@@ -5025,6 +5642,9 @@
       </p:sp>
     </p:spTree>
   </p:cSld>
+  <p:clrMapOvr>
+    <a:masterClrMapping/>
+  </p:clrMapOvr>
 </p:sld>
 </file>
 
@@ -5060,28 +5680,11 @@
           <a:bodyPr/>
           <a:lstStyle/>
           <a:p>
-            <a:pPr lvl="0" marL="0" indent="0">
+            <a:pPr marL="0" lvl="0" indent="0">
               <a:buNone/>
             </a:pPr>
             <a:r>
-              <a:rPr/>
-              <a:t>Exercise</a:t>
-            </a:r>
-            <a:r>
-              <a:rPr/>
-              <a:t> </a:t>
-            </a:r>
-            <a:r>
-              <a:rPr/>
-              <a:t>3</a:t>
-            </a:r>
-            <a:r>
-              <a:rPr/>
-              <a:t> </a:t>
-            </a:r>
-            <a:r>
-              <a:rPr/>
-              <a:t>Comments</a:t>
+              <a:t>Exercise 3 Comments</a:t>
             </a:r>
           </a:p>
         </p:txBody>
@@ -5103,7 +5706,6 @@
           <a:p>
             <a:pPr lvl="1"/>
             <a:r>
-              <a:rPr/>
               <a:t>Can convert code into a function that will build project structure for you </a:t>
             </a:r>
             <a:r>
@@ -5116,7 +5718,6 @@
           <a:p>
             <a:pPr lvl="1"/>
             <a:r>
-              <a:rPr/>
               <a:t>Alternately, use an existing package to create your project structure: eg. </a:t>
             </a:r>
             <a:r>
@@ -5130,6 +5731,9 @@
       </p:sp>
     </p:spTree>
   </p:cSld>
+  <p:clrMapOvr>
+    <a:masterClrMapping/>
+  </p:clrMapOvr>
 </p:sld>
 </file>
 
@@ -5165,92 +5769,11 @@
           <a:bodyPr/>
           <a:lstStyle/>
           <a:p>
-            <a:pPr lvl="0" marL="0" indent="0">
+            <a:pPr marL="0" lvl="0" indent="0">
               <a:buNone/>
             </a:pPr>
             <a:r>
-              <a:rPr/>
-              <a:t>Name</a:t>
-            </a:r>
-            <a:r>
-              <a:rPr/>
-              <a:t> </a:t>
-            </a:r>
-            <a:r>
-              <a:rPr/>
-              <a:t>all</a:t>
-            </a:r>
-            <a:r>
-              <a:rPr/>
-              <a:t> </a:t>
-            </a:r>
-            <a:r>
-              <a:rPr/>
-              <a:t>files</a:t>
-            </a:r>
-            <a:r>
-              <a:rPr/>
-              <a:t> </a:t>
-            </a:r>
-            <a:r>
-              <a:rPr/>
-              <a:t>(and</a:t>
-            </a:r>
-            <a:r>
-              <a:rPr/>
-              <a:t> </a:t>
-            </a:r>
-            <a:r>
-              <a:rPr/>
-              <a:t>variables)</a:t>
-            </a:r>
-            <a:r>
-              <a:rPr/>
-              <a:t> </a:t>
-            </a:r>
-            <a:r>
-              <a:rPr/>
-              <a:t>to</a:t>
-            </a:r>
-            <a:r>
-              <a:rPr/>
-              <a:t> </a:t>
-            </a:r>
-            <a:r>
-              <a:rPr/>
-              <a:t>reflect</a:t>
-            </a:r>
-            <a:r>
-              <a:rPr/>
-              <a:t> </a:t>
-            </a:r>
-            <a:r>
-              <a:rPr/>
-              <a:t>their</a:t>
-            </a:r>
-            <a:r>
-              <a:rPr/>
-              <a:t> </a:t>
-            </a:r>
-            <a:r>
-              <a:rPr/>
-              <a:t>content</a:t>
-            </a:r>
-            <a:r>
-              <a:rPr/>
-              <a:t> </a:t>
-            </a:r>
-            <a:r>
-              <a:rPr/>
-              <a:t>or</a:t>
-            </a:r>
-            <a:r>
-              <a:rPr/>
-              <a:t> </a:t>
-            </a:r>
-            <a:r>
-              <a:rPr/>
-              <a:t>function</a:t>
+              <a:t>Name all files (and variables) to reflect their content or function</a:t>
             </a:r>
           </a:p>
         </p:txBody>
@@ -5272,28 +5795,24 @@
           <a:p>
             <a:pPr lvl="1"/>
             <a:r>
-              <a:rPr/>
               <a:t>Compare the following names:</a:t>
             </a:r>
           </a:p>
           <a:p>
             <a:pPr lvl="2"/>
             <a:r>
-              <a:rPr/>
               <a:t>results.csv</a:t>
             </a:r>
           </a:p>
           <a:p>
             <a:pPr lvl="2"/>
             <a:r>
-              <a:rPr/>
               <a:t>morphine_precision_results.csv</a:t>
             </a:r>
           </a:p>
           <a:p>
             <a:pPr lvl="1"/>
             <a:r>
-              <a:rPr/>
               <a:t>Avoid sequential numerical names: what happens to figure2.jpg and figure3.jpg if you need to insert a figure between them in the manuscript?</a:t>
             </a:r>
           </a:p>
@@ -5307,14 +5826,12 @@
           <a:p>
             <a:pPr lvl="2"/>
             <a:r>
-              <a:rPr/>
               <a:t>More efficient to type all lower case</a:t>
             </a:r>
           </a:p>
           <a:p>
             <a:pPr lvl="2"/>
             <a:r>
-              <a:rPr/>
               <a:t>Ambiguity about whether you used white space or not</a:t>
             </a:r>
           </a:p>
@@ -5322,6 +5839,9 @@
       </p:sp>
     </p:spTree>
   </p:cSld>
+  <p:clrMapOvr>
+    <a:masterClrMapping/>
+  </p:clrMapOvr>
 </p:sld>
 </file>
 
@@ -5357,36 +5877,11 @@
           <a:bodyPr/>
           <a:lstStyle/>
           <a:p>
-            <a:pPr lvl="0" marL="0" indent="0">
+            <a:pPr marL="0" lvl="0" indent="0">
               <a:buNone/>
             </a:pPr>
             <a:r>
-              <a:rPr/>
-              <a:t>Reproducibility</a:t>
-            </a:r>
-            <a:r>
-              <a:rPr/>
-              <a:t> </a:t>
-            </a:r>
-            <a:r>
-              <a:rPr/>
-              <a:t>of</a:t>
-            </a:r>
-            <a:r>
-              <a:rPr/>
-              <a:t> </a:t>
-            </a:r>
-            <a:r>
-              <a:rPr/>
-              <a:t>directory</a:t>
-            </a:r>
-            <a:r>
-              <a:rPr/>
-              <a:t> </a:t>
-            </a:r>
-            <a:r>
-              <a:rPr/>
-              <a:t>structure</a:t>
+              <a:t>Reproducibility of directory structure</a:t>
             </a:r>
           </a:p>
         </p:txBody>
@@ -5406,39 +5901,34 @@
           <a:bodyPr/>
           <a:lstStyle/>
           <a:p>
-            <a:pPr lvl="0" marL="0" indent="0">
+            <a:pPr marL="0" lvl="0" indent="0">
               <a:buNone/>
             </a:pPr>
             <a:r>
-              <a:rPr/>
               <a:t>Scenario:</a:t>
             </a:r>
           </a:p>
           <a:p>
             <a:pPr lvl="1"/>
             <a:r>
-              <a:rPr/>
               <a:t>you have an analysis to share with a colleague</a:t>
             </a:r>
           </a:p>
           <a:p>
             <a:pPr lvl="1"/>
             <a:r>
-              <a:rPr/>
               <a:t>want to share entire project folder</a:t>
             </a:r>
           </a:p>
           <a:p>
             <a:pPr lvl="1"/>
             <a:r>
-              <a:rPr/>
               <a:t>directory calls specific files</a:t>
             </a:r>
           </a:p>
           <a:p>
             <a:pPr lvl="1"/>
             <a:r>
-              <a:rPr/>
               <a:t>you use </a:t>
             </a:r>
             <a:r>
@@ -5448,25 +5938,22 @@
               <a:t>setwd()</a:t>
             </a:r>
             <a:r>
-              <a:rPr/>
               <a:t> to put yourself in the right place to call scripts</a:t>
             </a:r>
           </a:p>
           <a:p>
-            <a:pPr lvl="0" marL="0" indent="0">
+            <a:pPr marL="0" lvl="0" indent="0">
               <a:buNone/>
             </a:pPr>
             <a:r>
-              <a:rPr/>
               <a:t>Problem:</a:t>
             </a:r>
           </a:p>
           <a:p>
-            <a:pPr lvl="0" marL="0" indent="0">
+            <a:pPr marL="0" lvl="0" indent="0">
               <a:buNone/>
             </a:pPr>
             <a:r>
-              <a:rPr/>
               <a:t>Your working directory name is almost never the same as someone else’s!</a:t>
             </a:r>
           </a:p>
@@ -5474,6 +5961,9 @@
       </p:sp>
     </p:spTree>
   </p:cSld>
+  <p:clrMapOvr>
+    <a:masterClrMapping/>
+  </p:clrMapOvr>
 </p:sld>
 </file>
 
@@ -5509,28 +5999,11 @@
           <a:bodyPr/>
           <a:lstStyle/>
           <a:p>
-            <a:pPr lvl="0" marL="0" indent="0">
+            <a:pPr marL="0" lvl="0" indent="0">
               <a:buNone/>
             </a:pPr>
             <a:r>
-              <a:rPr/>
-              <a:t>The</a:t>
-            </a:r>
-            <a:r>
-              <a:rPr/>
-              <a:t> </a:t>
-            </a:r>
-            <a:r>
-              <a:rPr/>
-              <a:t>here</a:t>
-            </a:r>
-            <a:r>
-              <a:rPr/>
-              <a:t> </a:t>
-            </a:r>
-            <a:r>
-              <a:rPr/>
-              <a:t>package</a:t>
+              <a:t>The here package</a:t>
             </a:r>
           </a:p>
         </p:txBody>
@@ -5552,7 +6025,6 @@
           <a:p>
             <a:pPr lvl="1"/>
             <a:r>
-              <a:rPr/>
               <a:t>Function in </a:t>
             </a:r>
             <a:r>
@@ -5562,14 +6034,12 @@
               <a:t>here package</a:t>
             </a:r>
             <a:r>
-              <a:rPr/>
               <a:t> anchors you in one directory</a:t>
             </a:r>
           </a:p>
           <a:p>
             <a:pPr lvl="1"/>
             <a:r>
-              <a:rPr/>
               <a:t>Call </a:t>
             </a:r>
             <a:r>
@@ -5579,28 +6049,24 @@
               <a:t>library(here)</a:t>
             </a:r>
             <a:r>
-              <a:rPr/>
               <a:t> in script</a:t>
             </a:r>
           </a:p>
           <a:p>
             <a:pPr lvl="1"/>
             <a:r>
-              <a:rPr/>
               <a:t>Follows algorithm to find the right place:</a:t>
             </a:r>
           </a:p>
           <a:p>
             <a:pPr lvl="2"/>
             <a:r>
-              <a:rPr/>
               <a:t>Looks for .Rproj and uses that directory as reference</a:t>
             </a:r>
           </a:p>
           <a:p>
             <a:pPr lvl="2"/>
             <a:r>
-              <a:rPr/>
               <a:t>Looks for empty “.here” file (can create this using </a:t>
             </a:r>
             <a:r>
@@ -5610,14 +6076,12 @@
               <a:t>set_here()</a:t>
             </a:r>
             <a:r>
-              <a:rPr/>
               <a:t>)</a:t>
             </a:r>
           </a:p>
           <a:p>
             <a:pPr lvl="2"/>
             <a:r>
-              <a:rPr/>
               <a:t>Looks for other relevant files such as “.git”</a:t>
             </a:r>
           </a:p>
@@ -5625,6 +6089,9 @@
       </p:sp>
     </p:spTree>
   </p:cSld>
+  <p:clrMapOvr>
+    <a:masterClrMapping/>
+  </p:clrMapOvr>
 </p:sld>
 </file>
 
@@ -5660,28 +6127,11 @@
           <a:bodyPr/>
           <a:lstStyle/>
           <a:p>
-            <a:pPr lvl="0" marL="0" indent="0">
+            <a:pPr marL="0" lvl="0" indent="0">
               <a:buNone/>
             </a:pPr>
             <a:r>
-              <a:rPr/>
-              <a:t>Reproducibility</a:t>
-            </a:r>
-            <a:r>
-              <a:rPr/>
-              <a:t> </a:t>
-            </a:r>
-            <a:r>
-              <a:rPr/>
-              <a:t>of</a:t>
-            </a:r>
-            <a:r>
-              <a:rPr/>
-              <a:t> </a:t>
-            </a:r>
-            <a:r>
-              <a:rPr/>
-              <a:t>packages</a:t>
+              <a:t>Reproducibility of packages</a:t>
             </a:r>
           </a:p>
         </p:txBody>
@@ -5701,41 +6151,36 @@
           <a:bodyPr/>
           <a:lstStyle/>
           <a:p>
-            <a:pPr lvl="0" marL="0" indent="0">
+            <a:pPr marL="0" lvl="0" indent="0">
               <a:buNone/>
             </a:pPr>
             <a:r>
-              <a:rPr/>
               <a:t>Scenario:</a:t>
             </a:r>
           </a:p>
           <a:p>
             <a:pPr lvl="1"/>
             <a:r>
-              <a:rPr/>
               <a:t>in September 2019 you want to run an analysis you wrote in September 2018</a:t>
             </a:r>
           </a:p>
           <a:p>
             <a:pPr lvl="1"/>
             <a:r>
-              <a:rPr/>
               <a:t>you are using cutting edge packages that may have changed in 1 year</a:t>
             </a:r>
           </a:p>
           <a:p>
             <a:pPr lvl="1"/>
             <a:r>
-              <a:rPr/>
               <a:t>some changes impact expected input and output data structure</a:t>
             </a:r>
           </a:p>
           <a:p>
-            <a:pPr lvl="0" marL="0" indent="0">
+            <a:pPr marL="0" lvl="0" indent="0">
               <a:buNone/>
             </a:pPr>
             <a:r>
-              <a:rPr/>
               <a:t>Problem: Your script may fail to run or (much worse) your script runs but produces incorrect output!</a:t>
             </a:r>
           </a:p>
@@ -5743,6 +6188,9 @@
       </p:sp>
     </p:spTree>
   </p:cSld>
+  <p:clrMapOvr>
+    <a:masterClrMapping/>
+  </p:clrMapOvr>
 </p:sld>
 </file>
 
@@ -5778,67 +6226,18 @@
           <a:bodyPr/>
           <a:lstStyle/>
           <a:p>
-            <a:pPr lvl="0" marL="0" indent="0">
+            <a:pPr marL="0" lvl="0" indent="0">
               <a:buNone/>
             </a:pPr>
             <a:r>
-              <a:rPr/>
-              <a:t>System</a:t>
-            </a:r>
-            <a:r>
-              <a:rPr/>
-              <a:t> </a:t>
-            </a:r>
-            <a:r>
-              <a:rPr/>
-              <a:t>packages</a:t>
-            </a:r>
-            <a:r>
-              <a:rPr/>
-              <a:t> </a:t>
-            </a:r>
-            <a:r>
-              <a:rPr/>
-              <a:t>are</a:t>
-            </a:r>
-            <a:r>
-              <a:rPr/>
-              <a:t> </a:t>
-            </a:r>
-            <a:r>
-              <a:rPr/>
-              <a:t>shared</a:t>
-            </a:r>
-            <a:r>
-              <a:rPr/>
-              <a:t> </a:t>
-            </a:r>
-            <a:r>
-              <a:rPr/>
-              <a:t>between</a:t>
-            </a:r>
-            <a:r>
-              <a:rPr/>
-              <a:t> </a:t>
-            </a:r>
-            <a:r>
-              <a:rPr/>
-              <a:t>different</a:t>
-            </a:r>
-            <a:r>
-              <a:rPr/>
-              <a:t> </a:t>
-            </a:r>
-            <a:r>
-              <a:rPr/>
-              <a:t>projects</a:t>
+              <a:t>System packages are shared between different projects</a:t>
             </a:r>
           </a:p>
         </p:txBody>
       </p:sp>
       <p:pic>
         <p:nvPicPr>
-          <p:cNvPr descr="../assets/shared-library.svg" id="0" name="Picture 1"/>
+          <p:cNvPr id="3" name="Picture 1" descr="../assets/shared-library.png"/>
           <p:cNvPicPr>
             <a:picLocks noGrp="1" noChangeAspect="1"/>
           </p:cNvPicPr>
@@ -5868,7 +6267,7 @@
       </p:pic>
       <p:sp>
         <p:nvSpPr>
-          <p:cNvPr id="1" name="TextBox 3"/>
+          <p:cNvPr id="4" name="TextBox 3"/>
           <p:cNvSpPr txBox="1"/>
           <p:nvPr/>
         </p:nvSpPr>
@@ -5886,56 +6285,11 @@
           <a:bodyPr/>
           <a:lstStyle/>
           <a:p>
-            <a:pPr lvl="0" marL="0" indent="0" algn="ctr">
+            <a:pPr marL="0" lvl="0" indent="0" algn="ctr">
               <a:buNone/>
             </a:pPr>
             <a:r>
-              <a:rPr/>
-              <a:t>One</a:t>
-            </a:r>
-            <a:r>
-              <a:rPr/>
-              <a:t> </a:t>
-            </a:r>
-            <a:r>
-              <a:rPr/>
-              <a:t>library</a:t>
-            </a:r>
-            <a:r>
-              <a:rPr/>
-              <a:t> </a:t>
-            </a:r>
-            <a:r>
-              <a:rPr/>
-              <a:t>rules</a:t>
-            </a:r>
-            <a:r>
-              <a:rPr/>
-              <a:t> </a:t>
-            </a:r>
-            <a:r>
-              <a:rPr/>
-              <a:t>them</a:t>
-            </a:r>
-            <a:r>
-              <a:rPr/>
-              <a:t> </a:t>
-            </a:r>
-            <a:r>
-              <a:rPr/>
-              <a:t>all.</a:t>
-            </a:r>
-            <a:r>
-              <a:rPr/>
-              <a:t> </a:t>
-            </a:r>
-            <a:r>
-              <a:rPr/>
-              <a:t>Source:</a:t>
-            </a:r>
-            <a:r>
-              <a:rPr/>
-              <a:t> </a:t>
+              <a:t>One library rules them all. Source: </a:t>
             </a:r>
             <a:r>
               <a:rPr>
@@ -5948,6 +6302,9 @@
       </p:sp>
     </p:spTree>
   </p:cSld>
+  <p:clrMapOvr>
+    <a:masterClrMapping/>
+  </p:clrMapOvr>
 </p:sld>
 </file>
 
@@ -5983,75 +6340,18 @@
           <a:bodyPr/>
           <a:lstStyle/>
           <a:p>
-            <a:pPr lvl="0" marL="0" indent="0">
+            <a:pPr marL="0" lvl="0" indent="0">
               <a:buNone/>
             </a:pPr>
             <a:r>
-              <a:rPr/>
-              <a:t>Package</a:t>
-            </a:r>
-            <a:r>
-              <a:rPr/>
-              <a:t> </a:t>
-            </a:r>
-            <a:r>
-              <a:rPr/>
-              <a:t>management</a:t>
-            </a:r>
-            <a:r>
-              <a:rPr/>
-              <a:t> </a:t>
-            </a:r>
-            <a:r>
-              <a:rPr/>
-              <a:t>solutions</a:t>
-            </a:r>
-            <a:r>
-              <a:rPr/>
-              <a:t> </a:t>
-            </a:r>
-            <a:r>
-              <a:rPr/>
-              <a:t>link</a:t>
-            </a:r>
-            <a:r>
-              <a:rPr/>
-              <a:t> </a:t>
-            </a:r>
-            <a:r>
-              <a:rPr/>
-              <a:t>projects</a:t>
-            </a:r>
-            <a:r>
-              <a:rPr/>
-              <a:t> </a:t>
-            </a:r>
-            <a:r>
-              <a:rPr/>
-              <a:t>to</a:t>
-            </a:r>
-            <a:r>
-              <a:rPr/>
-              <a:t> </a:t>
-            </a:r>
-            <a:r>
-              <a:rPr/>
-              <a:t>specific</a:t>
-            </a:r>
-            <a:r>
-              <a:rPr/>
-              <a:t> </a:t>
-            </a:r>
-            <a:r>
-              <a:rPr/>
-              <a:t>packages</a:t>
+              <a:t>Package management solutions link projects to specific packages</a:t>
             </a:r>
           </a:p>
         </p:txBody>
       </p:sp>
       <p:pic>
         <p:nvPicPr>
-          <p:cNvPr descr="../assets/project-library.svg" id="0" name="Picture 1"/>
+          <p:cNvPr id="3" name="Picture 1" descr="../assets/project-library.png"/>
           <p:cNvPicPr>
             <a:picLocks noGrp="1" noChangeAspect="1"/>
           </p:cNvPicPr>
@@ -6081,7 +6381,7 @@
       </p:pic>
       <p:sp>
         <p:nvSpPr>
-          <p:cNvPr id="1" name="TextBox 3"/>
+          <p:cNvPr id="4" name="TextBox 3"/>
           <p:cNvSpPr txBox="1"/>
           <p:nvPr/>
         </p:nvSpPr>
@@ -6099,48 +6399,11 @@
           <a:bodyPr/>
           <a:lstStyle/>
           <a:p>
-            <a:pPr lvl="0" marL="0" indent="0" algn="ctr">
+            <a:pPr marL="0" lvl="0" indent="0" algn="ctr">
               <a:buNone/>
             </a:pPr>
             <a:r>
-              <a:rPr/>
-              <a:t>One</a:t>
-            </a:r>
-            <a:r>
-              <a:rPr/>
-              <a:t> </a:t>
-            </a:r>
-            <a:r>
-              <a:rPr/>
-              <a:t>library</a:t>
-            </a:r>
-            <a:r>
-              <a:rPr/>
-              <a:t> </a:t>
-            </a:r>
-            <a:r>
-              <a:rPr/>
-              <a:t>per</a:t>
-            </a:r>
-            <a:r>
-              <a:rPr/>
-              <a:t> </a:t>
-            </a:r>
-            <a:r>
-              <a:rPr/>
-              <a:t>package.</a:t>
-            </a:r>
-            <a:r>
-              <a:rPr/>
-              <a:t> </a:t>
-            </a:r>
-            <a:r>
-              <a:rPr/>
-              <a:t>Source:</a:t>
-            </a:r>
-            <a:r>
-              <a:rPr/>
-              <a:t> </a:t>
+              <a:t>One library per package. Source: </a:t>
             </a:r>
             <a:r>
               <a:rPr>
@@ -6153,6 +6416,9 @@
       </p:sp>
     </p:spTree>
   </p:cSld>
+  <p:clrMapOvr>
+    <a:masterClrMapping/>
+  </p:clrMapOvr>
 </p:sld>
 </file>
 
@@ -6188,44 +6454,11 @@
           <a:bodyPr/>
           <a:lstStyle/>
           <a:p>
-            <a:pPr lvl="0" marL="0" indent="0">
+            <a:pPr marL="0" lvl="0" indent="0">
               <a:buNone/>
             </a:pPr>
             <a:r>
-              <a:rPr/>
-              <a:t>Package</a:t>
-            </a:r>
-            <a:r>
-              <a:rPr/>
-              <a:t> </a:t>
-            </a:r>
-            <a:r>
-              <a:rPr/>
-              <a:t>management</a:t>
-            </a:r>
-            <a:r>
-              <a:rPr/>
-              <a:t> </a:t>
-            </a:r>
-            <a:r>
-              <a:rPr/>
-              <a:t>solutions</a:t>
-            </a:r>
-            <a:r>
-              <a:rPr/>
-              <a:t> </a:t>
-            </a:r>
-            <a:r>
-              <a:rPr/>
-              <a:t>-</a:t>
-            </a:r>
-            <a:r>
-              <a:rPr/>
-              <a:t> </a:t>
-            </a:r>
-            <a:r>
-              <a:rPr/>
-              <a:t>checkpoint</a:t>
+              <a:t>Package management solutions - checkpoint</a:t>
             </a:r>
           </a:p>
         </p:txBody>
@@ -6253,21 +6486,18 @@
               <a:t>checkpoint package</a:t>
             </a:r>
             <a:r>
-              <a:rPr/>
               <a:t> couples package install to a date</a:t>
             </a:r>
           </a:p>
           <a:p>
             <a:pPr lvl="2"/>
             <a:r>
-              <a:rPr/>
               <a:t>Based on Microsoft server that is taking daily snapshots of CRAN</a:t>
             </a:r>
           </a:p>
           <a:p>
             <a:pPr lvl="2"/>
             <a:r>
-              <a:rPr/>
               <a:t>Add </a:t>
             </a:r>
             <a:r>
@@ -6277,7 +6507,6 @@
               <a:t>library(checkpoint)</a:t>
             </a:r>
             <a:r>
-              <a:rPr/>
               <a:t> and </a:t>
             </a:r>
             <a:r>
@@ -6287,7 +6516,6 @@
               <a:t>checkpoint("2018-09-09")</a:t>
             </a:r>
             <a:r>
-              <a:rPr/>
               <a:t> to begining of script</a:t>
             </a:r>
           </a:p>
@@ -6295,6 +6523,9 @@
       </p:sp>
     </p:spTree>
   </p:cSld>
+  <p:clrMapOvr>
+    <a:masterClrMapping/>
+  </p:clrMapOvr>
 </p:sld>
 </file>
 
@@ -6330,44 +6561,11 @@
           <a:bodyPr/>
           <a:lstStyle/>
           <a:p>
-            <a:pPr lvl="0" marL="0" indent="0">
+            <a:pPr marL="0" lvl="0" indent="0">
               <a:buNone/>
             </a:pPr>
             <a:r>
-              <a:rPr/>
-              <a:t>Package</a:t>
-            </a:r>
-            <a:r>
-              <a:rPr/>
-              <a:t> </a:t>
-            </a:r>
-            <a:r>
-              <a:rPr/>
-              <a:t>management</a:t>
-            </a:r>
-            <a:r>
-              <a:rPr/>
-              <a:t> </a:t>
-            </a:r>
-            <a:r>
-              <a:rPr/>
-              <a:t>solutions</a:t>
-            </a:r>
-            <a:r>
-              <a:rPr/>
-              <a:t> </a:t>
-            </a:r>
-            <a:r>
-              <a:rPr/>
-              <a:t>-</a:t>
-            </a:r>
-            <a:r>
-              <a:rPr/>
-              <a:t> </a:t>
-            </a:r>
-            <a:r>
-              <a:rPr/>
-              <a:t>renv</a:t>
+              <a:t>Package management solutions - renv</a:t>
             </a:r>
           </a:p>
         </p:txBody>
@@ -6395,21 +6593,18 @@
               <a:t>renv</a:t>
             </a:r>
             <a:r>
-              <a:rPr/>
               <a:t> maintains specification of package versions</a:t>
             </a:r>
           </a:p>
           <a:p>
             <a:pPr lvl="2"/>
             <a:r>
-              <a:rPr/>
               <a:t>More complex to manage but arguably the “ideal” way to manage packages</a:t>
             </a:r>
           </a:p>
           <a:p>
             <a:pPr lvl="2"/>
             <a:r>
-              <a:rPr/>
               <a:t>Use </a:t>
             </a:r>
             <a:r>
@@ -6419,14 +6614,12 @@
               <a:t>renv::init()</a:t>
             </a:r>
             <a:r>
-              <a:rPr/>
               <a:t> to capture the state of your R libraries and create local project library</a:t>
             </a:r>
           </a:p>
           <a:p>
             <a:pPr lvl="2"/>
             <a:r>
-              <a:rPr/>
               <a:t>RStudio integration with Packages window</a:t>
             </a:r>
           </a:p>
@@ -6434,6 +6627,9 @@
       </p:sp>
     </p:spTree>
   </p:cSld>
+  <p:clrMapOvr>
+    <a:masterClrMapping/>
+  </p:clrMapOvr>
 </p:sld>
 </file>
 
@@ -6469,28 +6665,11 @@
           <a:bodyPr/>
           <a:lstStyle/>
           <a:p>
-            <a:pPr lvl="0" marL="0" indent="0">
+            <a:pPr marL="0" lvl="0" indent="0">
               <a:buNone/>
             </a:pPr>
             <a:r>
-              <a:rPr/>
-              <a:t>Lesson</a:t>
-            </a:r>
-            <a:r>
-              <a:rPr/>
-              <a:t> </a:t>
-            </a:r>
-            <a:r>
-              <a:rPr/>
-              <a:t>1</a:t>
-            </a:r>
-            <a:r>
-              <a:rPr/>
-              <a:t> </a:t>
-            </a:r>
-            <a:r>
-              <a:rPr/>
-              <a:t>wrap-up</a:t>
+              <a:t>Lesson 1 wrap-up</a:t>
             </a:r>
           </a:p>
         </p:txBody>
@@ -6512,14 +6691,12 @@
           <a:p>
             <a:pPr lvl="1"/>
             <a:r>
-              <a:rPr/>
               <a:t>Reproducible research is the principle that any research result can be reproduced by anybody</a:t>
             </a:r>
           </a:p>
           <a:p>
             <a:pPr lvl="1"/>
             <a:r>
-              <a:rPr/>
               <a:t>Practices in reproducible research also offer benefits for to the code author in producing clearer, easier to understand code and being able to easily repeat past work</a:t>
             </a:r>
           </a:p>
@@ -6527,6 +6704,9 @@
       </p:sp>
     </p:spTree>
   </p:cSld>
+  <p:clrMapOvr>
+    <a:masterClrMapping/>
+  </p:clrMapOvr>
 </p:sld>
 </file>
 
@@ -6562,52 +6742,11 @@
           <a:bodyPr/>
           <a:lstStyle/>
           <a:p>
-            <a:pPr lvl="0" marL="0" indent="0">
+            <a:pPr marL="0" lvl="0" indent="0">
               <a:buNone/>
             </a:pPr>
             <a:r>
-              <a:rPr/>
-              <a:t>Why</a:t>
-            </a:r>
-            <a:r>
-              <a:rPr/>
-              <a:t> </a:t>
-            </a:r>
-            <a:r>
-              <a:rPr/>
-              <a:t>should</a:t>
-            </a:r>
-            <a:r>
-              <a:rPr/>
-              <a:t> </a:t>
-            </a:r>
-            <a:r>
-              <a:rPr/>
-              <a:t>I</a:t>
-            </a:r>
-            <a:r>
-              <a:rPr/>
-              <a:t> </a:t>
-            </a:r>
-            <a:r>
-              <a:rPr/>
-              <a:t>care</a:t>
-            </a:r>
-            <a:r>
-              <a:rPr/>
-              <a:t> </a:t>
-            </a:r>
-            <a:r>
-              <a:rPr/>
-              <a:t>about</a:t>
-            </a:r>
-            <a:r>
-              <a:rPr/>
-              <a:t> </a:t>
-            </a:r>
-            <a:r>
-              <a:rPr/>
-              <a:t>reproducibility?</a:t>
+              <a:t>Why should I care about reproducibility?</a:t>
             </a:r>
           </a:p>
         </p:txBody>
@@ -6629,26 +6768,23 @@
           <a:p>
             <a:pPr lvl="1"/>
             <a:r>
-              <a:rPr/>
               <a:t>Someone else may need to run your analysis</a:t>
             </a:r>
           </a:p>
           <a:p>
             <a:pPr lvl="1"/>
             <a:r>
-              <a:rPr/>
               <a:t>You will want to run the same exact analysis or a very similar analysis in the future</a:t>
             </a:r>
           </a:p>
           <a:p>
             <a:pPr lvl="1"/>
             <a:r>
-              <a:rPr/>
               <a:t>You may want to improve on that analysis</a:t>
             </a:r>
           </a:p>
           <a:p>
-            <a:pPr lvl="0" marL="0" indent="0">
+            <a:pPr marL="0" lvl="0" indent="0">
               <a:buNone/>
             </a:pPr>
             <a:r>
@@ -6656,7 +6792,6 @@
               <a:t>“Everything you do, you will probably have to do over again.”</a:t>
             </a:r>
             <a:r>
-              <a:rPr/>
               <a:t> </a:t>
             </a:r>
             <a:r>
@@ -6670,6 +6805,9 @@
       </p:sp>
     </p:spTree>
   </p:cSld>
+  <p:clrMapOvr>
+    <a:masterClrMapping/>
+  </p:clrMapOvr>
 </p:sld>
 </file>
 
@@ -6705,28 +6843,11 @@
           <a:bodyPr/>
           <a:lstStyle/>
           <a:p>
-            <a:pPr lvl="0" marL="0" indent="0">
+            <a:pPr marL="0" lvl="0" indent="0">
               <a:buNone/>
             </a:pPr>
             <a:r>
-              <a:rPr/>
-              <a:t>Lesson</a:t>
-            </a:r>
-            <a:r>
-              <a:rPr/>
-              <a:t> </a:t>
-            </a:r>
-            <a:r>
-              <a:rPr/>
-              <a:t>1</a:t>
-            </a:r>
-            <a:r>
-              <a:rPr/>
-              <a:t> </a:t>
-            </a:r>
-            <a:r>
-              <a:rPr/>
-              <a:t>wrap-up</a:t>
+              <a:t>Lesson 1 wrap-up</a:t>
             </a:r>
           </a:p>
         </p:txBody>
@@ -6748,28 +6869,24 @@
           <a:p>
             <a:pPr lvl="1"/>
             <a:r>
-              <a:rPr/>
               <a:t>Important practices in reproducible research include:</a:t>
             </a:r>
           </a:p>
           <a:p>
             <a:pPr lvl="2"/>
             <a:r>
-              <a:rPr/>
               <a:t>Developing a standardized but easy-to-use project structure</a:t>
             </a:r>
           </a:p>
           <a:p>
             <a:pPr lvl="2"/>
             <a:r>
-              <a:rPr/>
               <a:t>Adopting a style convention for coding</a:t>
             </a:r>
           </a:p>
           <a:p>
             <a:pPr lvl="2"/>
             <a:r>
-              <a:rPr/>
               <a:t>Enforcing reproducibility when working with projects and packages</a:t>
             </a:r>
           </a:p>
@@ -6777,6 +6894,9 @@
       </p:sp>
     </p:spTree>
   </p:cSld>
+  <p:clrMapOvr>
+    <a:masterClrMapping/>
+  </p:clrMapOvr>
 </p:sld>
 </file>
 
@@ -6812,52 +6932,11 @@
           <a:bodyPr/>
           <a:lstStyle/>
           <a:p>
-            <a:pPr lvl="0" marL="0" indent="0">
+            <a:pPr marL="0" lvl="0" indent="0">
               <a:buNone/>
             </a:pPr>
             <a:r>
-              <a:rPr/>
-              <a:t>Reproducbility</a:t>
-            </a:r>
-            <a:r>
-              <a:rPr/>
-              <a:t> </a:t>
-            </a:r>
-            <a:r>
-              <a:rPr/>
-              <a:t>practices</a:t>
-            </a:r>
-            <a:r>
-              <a:rPr/>
-              <a:t> </a:t>
-            </a:r>
-            <a:r>
-              <a:rPr/>
-              <a:t>discussed</a:t>
-            </a:r>
-            <a:r>
-              <a:rPr/>
-              <a:t> </a:t>
-            </a:r>
-            <a:r>
-              <a:rPr/>
-              <a:t>in</a:t>
-            </a:r>
-            <a:r>
-              <a:rPr/>
-              <a:t> </a:t>
-            </a:r>
-            <a:r>
-              <a:rPr/>
-              <a:t>this</a:t>
-            </a:r>
-            <a:r>
-              <a:rPr/>
-              <a:t> </a:t>
-            </a:r>
-            <a:r>
-              <a:rPr/>
-              <a:t>course</a:t>
+              <a:t>Reproducbility practices discussed in this course</a:t>
             </a:r>
           </a:p>
         </p:txBody>
@@ -6879,37 +6958,32 @@
           <a:p>
             <a:pPr lvl="1"/>
             <a:r>
-              <a:rPr/>
               <a:t>Adopt a style convention for coding</a:t>
             </a:r>
           </a:p>
           <a:p>
             <a:pPr lvl="1"/>
             <a:r>
-              <a:rPr/>
               <a:t>Develop a standardized but easy-to-use project structure</a:t>
             </a:r>
           </a:p>
           <a:p>
             <a:pPr lvl="1"/>
             <a:r>
-              <a:rPr/>
               <a:t>Enforce reproducibility when working with projects and packages</a:t>
             </a:r>
           </a:p>
           <a:p>
             <a:pPr lvl="1"/>
             <a:r>
-              <a:rPr/>
               <a:t>Use a version control system</a:t>
             </a:r>
           </a:p>
           <a:p>
-            <a:pPr lvl="0" marL="0" indent="0">
+            <a:pPr marL="0" lvl="0" indent="0">
               <a:buNone/>
             </a:pPr>
             <a:r>
-              <a:rPr/>
               <a:t>Great resource: “Good enough practices in scientific computing” </a:t>
             </a:r>
             <a:r>
@@ -6923,6 +6997,9 @@
       </p:sp>
     </p:spTree>
   </p:cSld>
+  <p:clrMapOvr>
+    <a:masterClrMapping/>
+  </p:clrMapOvr>
 </p:sld>
 </file>
 
@@ -6958,52 +7035,11 @@
           <a:bodyPr/>
           <a:lstStyle/>
           <a:p>
-            <a:pPr lvl="0" marL="0" indent="0">
+            <a:pPr marL="0" lvl="0" indent="0">
               <a:buNone/>
             </a:pPr>
             <a:r>
-              <a:rPr/>
-              <a:t>Adopt</a:t>
-            </a:r>
-            <a:r>
-              <a:rPr/>
-              <a:t> </a:t>
-            </a:r>
-            <a:r>
-              <a:rPr/>
-              <a:t>a</a:t>
-            </a:r>
-            <a:r>
-              <a:rPr/>
-              <a:t> </a:t>
-            </a:r>
-            <a:r>
-              <a:rPr/>
-              <a:t>style</a:t>
-            </a:r>
-            <a:r>
-              <a:rPr/>
-              <a:t> </a:t>
-            </a:r>
-            <a:r>
-              <a:rPr/>
-              <a:t>convention</a:t>
-            </a:r>
-            <a:r>
-              <a:rPr/>
-              <a:t> </a:t>
-            </a:r>
-            <a:r>
-              <a:rPr/>
-              <a:t>for</a:t>
-            </a:r>
-            <a:r>
-              <a:rPr/>
-              <a:t> </a:t>
-            </a:r>
-            <a:r>
-              <a:rPr/>
-              <a:t>coding</a:t>
+              <a:t>Adopt a style convention for coding</a:t>
             </a:r>
           </a:p>
         </p:txBody>
@@ -7025,14 +7061,12 @@
           <a:p>
             <a:pPr lvl="1"/>
             <a:r>
-              <a:rPr/>
               <a:t>Consistent style makes it easier for others (and yourself to read code)</a:t>
             </a:r>
           </a:p>
           <a:p>
             <a:pPr lvl="1"/>
             <a:r>
-              <a:rPr/>
               <a:t>Tidyverse style guide: </a:t>
             </a:r>
             <a:r>
@@ -7046,6 +7080,9 @@
       </p:sp>
     </p:spTree>
   </p:cSld>
+  <p:clrMapOvr>
+    <a:masterClrMapping/>
+  </p:clrMapOvr>
 </p:sld>
 </file>
 
@@ -7081,52 +7118,11 @@
           <a:bodyPr/>
           <a:lstStyle/>
           <a:p>
-            <a:pPr lvl="0" marL="0" indent="0">
+            <a:pPr marL="0" lvl="0" indent="0">
               <a:buNone/>
             </a:pPr>
             <a:r>
-              <a:rPr/>
-              <a:t>Adopt</a:t>
-            </a:r>
-            <a:r>
-              <a:rPr/>
-              <a:t> </a:t>
-            </a:r>
-            <a:r>
-              <a:rPr/>
-              <a:t>a</a:t>
-            </a:r>
-            <a:r>
-              <a:rPr/>
-              <a:t> </a:t>
-            </a:r>
-            <a:r>
-              <a:rPr/>
-              <a:t>style</a:t>
-            </a:r>
-            <a:r>
-              <a:rPr/>
-              <a:t> </a:t>
-            </a:r>
-            <a:r>
-              <a:rPr/>
-              <a:t>convention</a:t>
-            </a:r>
-            <a:r>
-              <a:rPr/>
-              <a:t> </a:t>
-            </a:r>
-            <a:r>
-              <a:rPr/>
-              <a:t>for</a:t>
-            </a:r>
-            <a:r>
-              <a:rPr/>
-              <a:t> </a:t>
-            </a:r>
-            <a:r>
-              <a:rPr/>
-              <a:t>coding</a:t>
+              <a:t>Adopt a style convention for coding</a:t>
             </a:r>
           </a:p>
         </p:txBody>
@@ -7148,7 +7144,6 @@
           <a:p>
             <a:pPr lvl="1"/>
             <a:r>
-              <a:rPr/>
               <a:t>Highlights:</a:t>
             </a:r>
           </a:p>
@@ -7157,14 +7152,12 @@
               <a:buNone/>
             </a:pPr>
             <a:r>
-              <a:rPr/>
               <a:t>-Use underscores to separate words in a name (see above comments for file names)</a:t>
             </a:r>
           </a:p>
           <a:p>
             <a:pPr lvl="2"/>
             <a:r>
-              <a:rPr/>
               <a:t>Put a space before and after operators (such as </a:t>
             </a:r>
             <a:r>
@@ -7174,7 +7167,6 @@
               <a:t>==</a:t>
             </a:r>
             <a:r>
-              <a:rPr/>
               <a:t>, </a:t>
             </a:r>
             <a:r>
@@ -7184,7 +7176,6 @@
               <a:t>+</a:t>
             </a:r>
             <a:r>
-              <a:rPr/>
               <a:t>, </a:t>
             </a:r>
             <a:r>
@@ -7194,7 +7185,6 @@
               <a:t>&lt;-</a:t>
             </a:r>
             <a:r>
-              <a:rPr/>
               <a:t>), but there are a few exceptions such as </a:t>
             </a:r>
             <a:r>
@@ -7204,7 +7194,6 @@
               <a:t>^</a:t>
             </a:r>
             <a:r>
-              <a:rPr/>
               <a:t> or </a:t>
             </a:r>
             <a:r>
@@ -7217,7 +7206,6 @@
           <a:p>
             <a:pPr lvl="2"/>
             <a:r>
-              <a:rPr/>
               <a:t>Use </a:t>
             </a:r>
             <a:r>
@@ -7227,7 +7215,6 @@
               <a:t>&lt;-</a:t>
             </a:r>
             <a:r>
-              <a:rPr/>
               <a:t> rather than </a:t>
             </a:r>
             <a:r>
@@ -7237,21 +7224,18 @@
               <a:t>=</a:t>
             </a:r>
             <a:r>
-              <a:rPr/>
               <a:t> for assignment</a:t>
             </a:r>
           </a:p>
           <a:p>
             <a:pPr lvl="2"/>
             <a:r>
-              <a:rPr/>
               <a:t>Try to limit code to 80 characters per line</a:t>
             </a:r>
           </a:p>
           <a:p>
             <a:pPr lvl="2"/>
             <a:r>
-              <a:rPr/>
               <a:t>If a function call is too long, separate arguments to use one line each for function, arguements, and closing parenthesis</a:t>
             </a:r>
           </a:p>
@@ -7259,6 +7243,9 @@
       </p:sp>
     </p:spTree>
   </p:cSld>
+  <p:clrMapOvr>
+    <a:masterClrMapping/>
+  </p:clrMapOvr>
 </p:sld>
 </file>
 
@@ -7294,62 +7281,192 @@
           <a:bodyPr/>
           <a:lstStyle/>
           <a:p>
-            <a:pPr lvl="0" marL="0" indent="0">
+            <a:pPr marL="0" lvl="0" indent="0">
               <a:buNone/>
             </a:pPr>
             <a:r>
-              <a:rPr/>
-              <a:t>Style</a:t>
-            </a:r>
-            <a:r>
-              <a:rPr/>
+              <a:t>Style convention example</a:t>
+            </a:r>
+          </a:p>
+        </p:txBody>
+      </p:sp>
+      <p:sp>
+        <p:nvSpPr>
+          <p:cNvPr id="3" name="Content Placeholder 2"/>
+          <p:cNvSpPr>
+            <a:spLocks noGrp="1"/>
+          </p:cNvSpPr>
+          <p:nvPr>
+            <p:ph idx="1"/>
+          </p:nvPr>
+        </p:nvSpPr>
+        <p:spPr>
+          <a:xfrm>
+            <a:off x="-133564" y="1600200"/>
+            <a:ext cx="9277564" cy="5257800"/>
+          </a:xfrm>
+        </p:spPr>
+        <p:txBody>
+          <a:bodyPr>
+            <a:normAutofit/>
+          </a:bodyPr>
+          <a:lstStyle/>
+          <a:p>
+            <a:pPr lvl="0" indent="0">
+              <a:buNone/>
+            </a:pPr>
+            <a:r>
+              <a:rPr sz="2800" i="1" dirty="0">
+                <a:solidFill>
+                  <a:srgbClr val="60A0B0"/>
+                </a:solidFill>
+                <a:latin typeface="Courier"/>
+              </a:rPr>
+              <a:t># Good</a:t>
+            </a:r>
+            <a:br>
+              <a:rPr sz="2800" dirty="0"/>
+            </a:br>
+            <a:r>
+              <a:rPr sz="2800" dirty="0" err="1">
+                <a:solidFill>
+                  <a:srgbClr val="06287E"/>
+                </a:solidFill>
+                <a:latin typeface="Courier"/>
+              </a:rPr>
+              <a:t>do_something_very_complicated</a:t>
+            </a:r>
+            <a:r>
+              <a:rPr sz="2800" dirty="0">
+                <a:latin typeface="Courier"/>
+              </a:rPr>
+              <a:t>(</a:t>
+            </a:r>
+            <a:br>
+              <a:rPr sz="2800" dirty="0"/>
+            </a:br>
+            <a:r>
+              <a:rPr sz="2800" dirty="0">
+                <a:latin typeface="Courier"/>
+              </a:rPr>
+              <a:t>  </a:t>
+            </a:r>
+            <a:r>
+              <a:rPr sz="2800" dirty="0">
+                <a:solidFill>
+                  <a:srgbClr val="7D9029"/>
+                </a:solidFill>
+                <a:latin typeface="Courier"/>
+              </a:rPr>
+              <a:t>something =</a:t>
+            </a:r>
+            <a:r>
+              <a:rPr sz="2800" dirty="0">
+                <a:latin typeface="Courier"/>
+              </a:rPr>
               <a:t> </a:t>
             </a:r>
             <a:r>
-              <a:rPr/>
-              <a:t>convention</a:t>
-            </a:r>
-            <a:r>
-              <a:rPr/>
+              <a:rPr sz="2800" dirty="0">
+                <a:solidFill>
+                  <a:srgbClr val="4070A0"/>
+                </a:solidFill>
+                <a:latin typeface="Courier"/>
+              </a:rPr>
+              <a:t>"that"</a:t>
+            </a:r>
+            <a:r>
+              <a:rPr sz="2800" dirty="0">
+                <a:latin typeface="Courier"/>
+              </a:rPr>
+              <a:t>,</a:t>
+            </a:r>
+            <a:br>
+              <a:rPr sz="2800" dirty="0"/>
+            </a:br>
+            <a:r>
+              <a:rPr sz="2800" dirty="0">
+                <a:latin typeface="Courier"/>
+              </a:rPr>
+              <a:t>  </a:t>
+            </a:r>
+            <a:r>
+              <a:rPr sz="2800" dirty="0">
+                <a:solidFill>
+                  <a:srgbClr val="7D9029"/>
+                </a:solidFill>
+                <a:latin typeface="Courier"/>
+              </a:rPr>
+              <a:t>requires =</a:t>
+            </a:r>
+            <a:r>
+              <a:rPr sz="2800" dirty="0">
+                <a:latin typeface="Courier"/>
+              </a:rPr>
+              <a:t> many,</a:t>
+            </a:r>
+            <a:br>
+              <a:rPr sz="2800" dirty="0"/>
+            </a:br>
+            <a:r>
+              <a:rPr sz="2800" dirty="0">
+                <a:latin typeface="Courier"/>
+              </a:rPr>
+              <a:t>  </a:t>
+            </a:r>
+            <a:r>
+              <a:rPr sz="2800" dirty="0">
+                <a:solidFill>
+                  <a:srgbClr val="7D9029"/>
+                </a:solidFill>
+                <a:latin typeface="Courier"/>
+              </a:rPr>
+              <a:t>arguments =</a:t>
+            </a:r>
+            <a:r>
+              <a:rPr sz="2800" dirty="0">
+                <a:latin typeface="Courier"/>
+              </a:rPr>
               <a:t> </a:t>
             </a:r>
             <a:r>
-              <a:rPr/>
-              <a:t>example</a:t>
-            </a:r>
-          </a:p>
-        </p:txBody>
-      </p:sp>
-      <p:sp>
-        <p:nvSpPr>
-          <p:cNvPr id="3" name="Content Placeholder 2"/>
-          <p:cNvSpPr>
-            <a:spLocks noGrp="1"/>
-          </p:cNvSpPr>
-          <p:nvPr>
-            <p:ph idx="1"/>
-          </p:nvPr>
-        </p:nvSpPr>
-        <p:spPr/>
-        <p:txBody>
-          <a:bodyPr/>
-          <a:lstStyle/>
-          <a:p>
-            <a:pPr lvl="0" indent="0">
-              <a:buNone/>
-            </a:pPr>
-            <a:r>
-              <a:rPr i="1">
+              <a:rPr sz="2800" dirty="0">
+                <a:solidFill>
+                  <a:srgbClr val="4070A0"/>
+                </a:solidFill>
+                <a:latin typeface="Courier"/>
+              </a:rPr>
+              <a:t>"some of which may be long"</a:t>
+            </a:r>
+            <a:br>
+              <a:rPr sz="2800" dirty="0"/>
+            </a:br>
+            <a:r>
+              <a:rPr sz="2800" dirty="0">
+                <a:latin typeface="Courier"/>
+              </a:rPr>
+              <a:t>)</a:t>
+            </a:r>
+            <a:br>
+              <a:rPr dirty="0"/>
+            </a:br>
+            <a:br>
+              <a:rPr dirty="0"/>
+            </a:br>
+            <a:r>
+              <a:rPr sz="1900" i="1" dirty="0">
                 <a:solidFill>
                   <a:srgbClr val="60A0B0"/>
                 </a:solidFill>
                 <a:latin typeface="Courier"/>
               </a:rPr>
-              <a:t># Good</a:t>
-            </a:r>
-            <a:br/>
-            <a:r>
-              <a:rPr>
+              <a:t># Bad</a:t>
+            </a:r>
+            <a:br>
+              <a:rPr sz="1900" dirty="0"/>
+            </a:br>
+            <a:r>
+              <a:rPr sz="1900" dirty="0" err="1">
                 <a:solidFill>
                   <a:srgbClr val="06287E"/>
                 </a:solidFill>
@@ -7358,35 +7475,13 @@
               <a:t>do_something_very_complicated</a:t>
             </a:r>
             <a:r>
-              <a:rPr>
+              <a:rPr sz="1900" dirty="0">
                 <a:latin typeface="Courier"/>
               </a:rPr>
               <a:t>(</a:t>
             </a:r>
-            <a:br/>
-            <a:r>
-              <a:rPr>
-                <a:latin typeface="Courier"/>
-              </a:rPr>
-              <a:t>  </a:t>
-            </a:r>
-            <a:r>
-              <a:rPr>
-                <a:solidFill>
-                  <a:srgbClr val="7D9029"/>
-                </a:solidFill>
-                <a:latin typeface="Courier"/>
-              </a:rPr>
-              <a:t>something =</a:t>
-            </a:r>
-            <a:r>
-              <a:rPr>
-                <a:latin typeface="Courier"/>
-              </a:rPr>
-              <a:t> </a:t>
-            </a:r>
-            <a:r>
-              <a:rPr>
+            <a:r>
+              <a:rPr sz="1900" dirty="0">
                 <a:solidFill>
                   <a:srgbClr val="4070A0"/>
                 </a:solidFill>
@@ -7395,57 +7490,22 @@
               <a:t>"that"</a:t>
             </a:r>
             <a:r>
-              <a:rPr>
-                <a:latin typeface="Courier"/>
-              </a:rPr>
-              <a:t>,</a:t>
-            </a:r>
-            <a:br/>
-            <a:r>
-              <a:rPr>
-                <a:latin typeface="Courier"/>
-              </a:rPr>
-              <a:t>  </a:t>
-            </a:r>
-            <a:r>
-              <a:rPr>
-                <a:solidFill>
-                  <a:srgbClr val="7D9029"/>
-                </a:solidFill>
-                <a:latin typeface="Courier"/>
-              </a:rPr>
-              <a:t>requires =</a:t>
-            </a:r>
-            <a:r>
-              <a:rPr>
-                <a:latin typeface="Courier"/>
-              </a:rPr>
-              <a:t> many,</a:t>
-            </a:r>
-            <a:br/>
-            <a:r>
-              <a:rPr>
-                <a:latin typeface="Courier"/>
-              </a:rPr>
-              <a:t>  </a:t>
-            </a:r>
-            <a:r>
-              <a:rPr>
-                <a:solidFill>
-                  <a:srgbClr val="7D9029"/>
-                </a:solidFill>
-                <a:latin typeface="Courier"/>
-              </a:rPr>
-              <a:t>arguments =</a:t>
-            </a:r>
-            <a:r>
-              <a:rPr>
-                <a:latin typeface="Courier"/>
-              </a:rPr>
-              <a:t> </a:t>
-            </a:r>
-            <a:r>
-              <a:rPr>
+              <a:rPr sz="1900" dirty="0">
+                <a:latin typeface="Courier"/>
+              </a:rPr>
+              <a:t>, requires, many, arguments,</a:t>
+            </a:r>
+            <a:br>
+              <a:rPr sz="1900" dirty="0"/>
+            </a:br>
+            <a:r>
+              <a:rPr sz="1900" dirty="0">
+                <a:latin typeface="Courier"/>
+              </a:rPr>
+              <a:t>                              </a:t>
+            </a:r>
+            <a:r>
+              <a:rPr sz="1900" dirty="0">
                 <a:solidFill>
                   <a:srgbClr val="4070A0"/>
                 </a:solidFill>
@@ -7453,74 +7513,11 @@
               </a:rPr>
               <a:t>"some of which may be long"</a:t>
             </a:r>
-            <a:br/>
-            <a:r>
-              <a:rPr>
-                <a:latin typeface="Courier"/>
-              </a:rPr>
-              <a:t>)</a:t>
-            </a:r>
-            <a:br/>
-            <a:br/>
-            <a:r>
-              <a:rPr i="1">
-                <a:solidFill>
-                  <a:srgbClr val="60A0B0"/>
-                </a:solidFill>
-                <a:latin typeface="Courier"/>
-              </a:rPr>
-              <a:t># Bad</a:t>
-            </a:r>
-            <a:br/>
-            <a:r>
-              <a:rPr>
-                <a:solidFill>
-                  <a:srgbClr val="06287E"/>
-                </a:solidFill>
-                <a:latin typeface="Courier"/>
-              </a:rPr>
-              <a:t>do_something_very_complicated</a:t>
-            </a:r>
-            <a:r>
-              <a:rPr>
-                <a:latin typeface="Courier"/>
-              </a:rPr>
-              <a:t>(</a:t>
-            </a:r>
-            <a:r>
-              <a:rPr>
-                <a:solidFill>
-                  <a:srgbClr val="4070A0"/>
-                </a:solidFill>
-                <a:latin typeface="Courier"/>
-              </a:rPr>
-              <a:t>"that"</a:t>
-            </a:r>
-            <a:r>
-              <a:rPr>
-                <a:latin typeface="Courier"/>
-              </a:rPr>
-              <a:t>, requires, many, arguments,</a:t>
-            </a:r>
-            <a:br/>
-            <a:r>
-              <a:rPr>
-                <a:latin typeface="Courier"/>
-              </a:rPr>
-              <a:t>                              </a:t>
-            </a:r>
-            <a:r>
-              <a:rPr>
-                <a:solidFill>
-                  <a:srgbClr val="4070A0"/>
-                </a:solidFill>
-                <a:latin typeface="Courier"/>
-              </a:rPr>
-              <a:t>"some of which may be long"</a:t>
-            </a:r>
-            <a:br/>
-            <a:r>
-              <a:rPr>
+            <a:br>
+              <a:rPr sz="1900" dirty="0"/>
+            </a:br>
+            <a:r>
+              <a:rPr sz="1900" dirty="0">
                 <a:latin typeface="Courier"/>
               </a:rPr>
               <a:t>                              )</a:t>
@@ -7530,6 +7527,9 @@
       </p:sp>
     </p:spTree>
   </p:cSld>
+  <p:clrMapOvr>
+    <a:masterClrMapping/>
+  </p:clrMapOvr>
 </p:sld>
 </file>
 
@@ -7565,44 +7565,11 @@
           <a:bodyPr/>
           <a:lstStyle/>
           <a:p>
-            <a:pPr lvl="0" marL="0" indent="0">
+            <a:pPr marL="0" lvl="0" indent="0">
               <a:buNone/>
             </a:pPr>
             <a:r>
-              <a:rPr/>
-              <a:t>Packages</a:t>
-            </a:r>
-            <a:r>
-              <a:rPr/>
-              <a:t> </a:t>
-            </a:r>
-            <a:r>
-              <a:rPr/>
-              <a:t>supporting</a:t>
-            </a:r>
-            <a:r>
-              <a:rPr/>
-              <a:t> </a:t>
-            </a:r>
-            <a:r>
-              <a:rPr/>
-              <a:t>consistent</a:t>
-            </a:r>
-            <a:r>
-              <a:rPr/>
-              <a:t> </a:t>
-            </a:r>
-            <a:r>
-              <a:rPr/>
-              <a:t>coding</a:t>
-            </a:r>
-            <a:r>
-              <a:rPr/>
-              <a:t> </a:t>
-            </a:r>
-            <a:r>
-              <a:rPr/>
-              <a:t>style</a:t>
+              <a:t>Packages supporting consistent coding style</a:t>
             </a:r>
           </a:p>
         </p:txBody>
@@ -7630,21 +7597,18 @@
               <a:t>styler</a:t>
             </a:r>
             <a:r>
-              <a:rPr/>
               <a:t> is a package that allows you to interactively reformat a chunk of code, a file, or a directory</a:t>
             </a:r>
           </a:p>
           <a:p>
             <a:pPr lvl="2"/>
             <a:r>
-              <a:rPr/>
               <a:t>styler can function as an Addin within RStudio (look above your markdown window for addins already installed in your RStudio)</a:t>
             </a:r>
           </a:p>
           <a:p>
             <a:pPr lvl="2"/>
             <a:r>
-              <a:rPr/>
               <a:t>You can highlight code, apply styler via the Addins menu, and code will automatically be formatted per the Tidyverse style guid</a:t>
             </a:r>
           </a:p>
@@ -7657,7 +7621,6 @@
               <a:t>formatr</a:t>
             </a:r>
             <a:r>
-              <a:rPr/>
               <a:t> allows you to reformat whole files and directories</a:t>
             </a:r>
           </a:p>
@@ -7670,7 +7633,6 @@
               <a:t>lintr</a:t>
             </a:r>
             <a:r>
-              <a:rPr/>
               <a:t> checks code and provides output on formatting issues</a:t>
             </a:r>
           </a:p>
@@ -7678,6 +7640,9 @@
       </p:sp>
     </p:spTree>
   </p:cSld>
+  <p:clrMapOvr>
+    <a:masterClrMapping/>
+  </p:clrMapOvr>
 </p:sld>
 </file>
 
@@ -7713,100 +7678,216 @@
           <a:bodyPr/>
           <a:lstStyle/>
           <a:p>
-            <a:pPr lvl="0" marL="0" indent="0">
+            <a:pPr marL="0" lvl="0" indent="0">
               <a:buNone/>
             </a:pPr>
             <a:r>
-              <a:rPr/>
-              <a:t>Representing</a:t>
-            </a:r>
-            <a:r>
-              <a:rPr/>
+              <a:t>Representing sequential operations in R - pipes</a:t>
+            </a:r>
+          </a:p>
+        </p:txBody>
+      </p:sp>
+      <p:sp>
+        <p:nvSpPr>
+          <p:cNvPr id="3" name="Content Placeholder 2"/>
+          <p:cNvSpPr>
+            <a:spLocks noGrp="1"/>
+          </p:cNvSpPr>
+          <p:nvPr>
+            <p:ph idx="1"/>
+          </p:nvPr>
+        </p:nvSpPr>
+        <p:spPr>
+          <a:xfrm>
+            <a:off x="164387" y="1600200"/>
+            <a:ext cx="8774130" cy="4983162"/>
+          </a:xfrm>
+        </p:spPr>
+        <p:txBody>
+          <a:bodyPr>
+            <a:noAutofit/>
+          </a:bodyPr>
+          <a:lstStyle/>
+          <a:p>
+            <a:pPr lvl="0" indent="0">
+              <a:buNone/>
+            </a:pPr>
+            <a:r>
+              <a:rPr sz="2800" dirty="0" err="1">
+                <a:latin typeface="Courier"/>
+              </a:rPr>
+              <a:t>my_morning</a:t>
+            </a:r>
+            <a:r>
+              <a:rPr sz="2800" dirty="0">
+                <a:latin typeface="Courier"/>
+              </a:rPr>
               <a:t> </a:t>
             </a:r>
             <a:r>
-              <a:rPr/>
-              <a:t>sequential</a:t>
-            </a:r>
-            <a:r>
-              <a:rPr/>
+              <a:rPr sz="2800" dirty="0">
+                <a:solidFill>
+                  <a:srgbClr val="007020"/>
+                </a:solidFill>
+                <a:latin typeface="Courier"/>
+              </a:rPr>
+              <a:t>&lt;-</a:t>
+            </a:r>
+            <a:r>
+              <a:rPr sz="2800" dirty="0">
+                <a:latin typeface="Courier"/>
+              </a:rPr>
               <a:t> </a:t>
             </a:r>
             <a:r>
-              <a:rPr/>
-              <a:t>operations</a:t>
-            </a:r>
-            <a:r>
-              <a:rPr/>
+              <a:rPr sz="2800" dirty="0" err="1">
+                <a:solidFill>
+                  <a:srgbClr val="06287E"/>
+                </a:solidFill>
+                <a:latin typeface="Courier"/>
+              </a:rPr>
+              <a:t>wake_up</a:t>
+            </a:r>
+            <a:r>
+              <a:rPr sz="2800" dirty="0">
+                <a:latin typeface="Courier"/>
+              </a:rPr>
+              <a:t>(I, </a:t>
+            </a:r>
+            <a:r>
+              <a:rPr sz="2800" dirty="0">
+                <a:solidFill>
+                  <a:srgbClr val="7D9029"/>
+                </a:solidFill>
+                <a:latin typeface="Courier"/>
+              </a:rPr>
+              <a:t>time =</a:t>
+            </a:r>
+            <a:r>
+              <a:rPr sz="2800" dirty="0">
+                <a:latin typeface="Courier"/>
+              </a:rPr>
               <a:t> </a:t>
             </a:r>
             <a:r>
-              <a:rPr/>
-              <a:t>in</a:t>
-            </a:r>
-            <a:r>
-              <a:rPr/>
+              <a:rPr sz="2800" dirty="0">
+                <a:solidFill>
+                  <a:srgbClr val="4070A0"/>
+                </a:solidFill>
+                <a:latin typeface="Courier"/>
+              </a:rPr>
+              <a:t>"8:00"</a:t>
+            </a:r>
+            <a:r>
+              <a:rPr sz="2800" dirty="0">
+                <a:latin typeface="Courier"/>
+              </a:rPr>
+              <a:t>)</a:t>
+            </a:r>
+            <a:br>
+              <a:rPr sz="2800" dirty="0"/>
+            </a:br>
+            <a:r>
+              <a:rPr sz="2800" dirty="0" err="1">
+                <a:latin typeface="Courier"/>
+              </a:rPr>
+              <a:t>my_morning</a:t>
+            </a:r>
+            <a:r>
+              <a:rPr sz="2800" dirty="0">
+                <a:latin typeface="Courier"/>
+              </a:rPr>
               <a:t> </a:t>
             </a:r>
             <a:r>
-              <a:rPr/>
-              <a:t>R</a:t>
-            </a:r>
-            <a:r>
-              <a:rPr/>
+              <a:rPr sz="2800" dirty="0">
+                <a:solidFill>
+                  <a:srgbClr val="007020"/>
+                </a:solidFill>
+                <a:latin typeface="Courier"/>
+              </a:rPr>
+              <a:t>&lt;-</a:t>
+            </a:r>
+            <a:r>
+              <a:rPr sz="2800" dirty="0">
+                <a:latin typeface="Courier"/>
+              </a:rPr>
               <a:t> </a:t>
             </a:r>
             <a:r>
-              <a:rPr/>
-              <a:t>-</a:t>
-            </a:r>
-            <a:r>
-              <a:rPr/>
+              <a:rPr sz="2800" dirty="0" err="1">
+                <a:solidFill>
+                  <a:srgbClr val="06287E"/>
+                </a:solidFill>
+                <a:latin typeface="Courier"/>
+              </a:rPr>
+              <a:t>get_out_of_bed</a:t>
+            </a:r>
+            <a:r>
+              <a:rPr sz="2800" dirty="0">
+                <a:latin typeface="Courier"/>
+              </a:rPr>
+              <a:t>(</a:t>
+            </a:r>
+            <a:r>
+              <a:rPr sz="2800" dirty="0" err="1">
+                <a:latin typeface="Courier"/>
+              </a:rPr>
+              <a:t>my_morning</a:t>
+            </a:r>
+            <a:r>
+              <a:rPr sz="2800" dirty="0">
+                <a:latin typeface="Courier"/>
+              </a:rPr>
+              <a:t>, </a:t>
+            </a:r>
+            <a:r>
+              <a:rPr sz="2800" dirty="0">
+                <a:solidFill>
+                  <a:srgbClr val="7D9029"/>
+                </a:solidFill>
+                <a:latin typeface="Courier"/>
+              </a:rPr>
+              <a:t>side =</a:t>
+            </a:r>
+            <a:r>
+              <a:rPr sz="2800" dirty="0">
+                <a:latin typeface="Courier"/>
+              </a:rPr>
               <a:t> </a:t>
             </a:r>
             <a:r>
-              <a:rPr/>
-              <a:t>pipes</a:t>
-            </a:r>
-          </a:p>
-        </p:txBody>
-      </p:sp>
-      <p:sp>
-        <p:nvSpPr>
-          <p:cNvPr id="3" name="Content Placeholder 2"/>
-          <p:cNvSpPr>
-            <a:spLocks noGrp="1"/>
-          </p:cNvSpPr>
-          <p:nvPr>
-            <p:ph idx="1"/>
-          </p:nvPr>
-        </p:nvSpPr>
-        <p:spPr/>
-        <p:txBody>
-          <a:bodyPr/>
-          <a:lstStyle/>
-          <a:p>
-            <a:pPr lvl="0" indent="0">
-              <a:buNone/>
-            </a:pPr>
-            <a:r>
-              <a:rPr i="1">
-                <a:solidFill>
-                  <a:srgbClr val="60A0B0"/>
-                </a:solidFill>
-                <a:latin typeface="Courier"/>
-              </a:rPr>
-              <a:t># one way to represent a hop, scoop, and a bop, without pipes</a:t>
-            </a:r>
-            <a:br/>
-            <a:r>
-              <a:rPr>
-                <a:latin typeface="Courier"/>
-              </a:rPr>
-              <a:t>my_morning </a:t>
-            </a:r>
-            <a:r>
-              <a:rPr>
+              <a:rPr sz="2800" dirty="0">
+                <a:solidFill>
+                  <a:srgbClr val="4070A0"/>
+                </a:solidFill>
+                <a:latin typeface="Courier"/>
+              </a:rPr>
+              <a:t>"correct"</a:t>
+            </a:r>
+            <a:r>
+              <a:rPr sz="2800" dirty="0">
+                <a:latin typeface="Courier"/>
+              </a:rPr>
+              <a:t>)</a:t>
+            </a:r>
+            <a:br>
+              <a:rPr sz="2800" dirty="0"/>
+            </a:br>
+            <a:r>
+              <a:rPr sz="2800" dirty="0" err="1">
+                <a:latin typeface="Courier"/>
+              </a:rPr>
+              <a:t>my_morning</a:t>
+            </a:r>
+            <a:r>
+              <a:rPr sz="2800" dirty="0">
+                <a:latin typeface="Courier"/>
+              </a:rPr>
+              <a:t> </a:t>
+            </a:r>
+            <a:r>
+              <a:rPr sz="2800" dirty="0">
                 <a:solidFill>
                   <a:srgbClr val="007020"/>
                 </a:solidFill>
@@ -7815,65 +7896,115 @@
               <a:t>&lt;-</a:t>
             </a:r>
             <a:r>
-              <a:rPr>
+              <a:rPr sz="2800" dirty="0">
                 <a:latin typeface="Courier"/>
               </a:rPr>
               <a:t> </a:t>
             </a:r>
             <a:r>
-              <a:rPr>
+              <a:rPr sz="2800" dirty="0" err="1">
                 <a:solidFill>
                   <a:srgbClr val="06287E"/>
                 </a:solidFill>
                 <a:latin typeface="Courier"/>
               </a:rPr>
-              <a:t>wake_up</a:t>
-            </a:r>
-            <a:r>
-              <a:rPr>
-                <a:latin typeface="Courier"/>
-              </a:rPr>
-              <a:t>(I, </a:t>
-            </a:r>
-            <a:r>
-              <a:rPr>
+              <a:t>get_dressed</a:t>
+            </a:r>
+            <a:r>
+              <a:rPr sz="2800" dirty="0">
+                <a:latin typeface="Courier"/>
+              </a:rPr>
+              <a:t>(</a:t>
+            </a:r>
+            <a:r>
+              <a:rPr sz="2800" dirty="0" err="1">
+                <a:latin typeface="Courier"/>
+              </a:rPr>
+              <a:t>my_morning</a:t>
+            </a:r>
+            <a:r>
+              <a:rPr sz="2800" dirty="0">
+                <a:latin typeface="Courier"/>
+              </a:rPr>
+              <a:t>, </a:t>
+            </a:r>
+            <a:r>
+              <a:rPr sz="2800" dirty="0">
                 <a:solidFill>
                   <a:srgbClr val="7D9029"/>
                 </a:solidFill>
                 <a:latin typeface="Courier"/>
               </a:rPr>
-              <a:t>time =</a:t>
-            </a:r>
-            <a:r>
-              <a:rPr>
+              <a:t>pants =</a:t>
+            </a:r>
+            <a:r>
+              <a:rPr sz="2800" dirty="0">
                 <a:latin typeface="Courier"/>
               </a:rPr>
               <a:t> </a:t>
             </a:r>
             <a:r>
-              <a:rPr>
-                <a:solidFill>
-                  <a:srgbClr val="4070A0"/>
-                </a:solidFill>
-                <a:latin typeface="Courier"/>
-              </a:rPr>
-              <a:t>"8:00"</a:t>
-            </a:r>
-            <a:r>
-              <a:rPr>
+              <a:rPr sz="2800" dirty="0">
+                <a:solidFill>
+                  <a:srgbClr val="880000"/>
+                </a:solidFill>
+                <a:latin typeface="Courier"/>
+              </a:rPr>
+              <a:t>TRUE</a:t>
+            </a:r>
+            <a:r>
+              <a:rPr sz="2800" dirty="0">
+                <a:latin typeface="Courier"/>
+              </a:rPr>
+              <a:t>, </a:t>
+            </a:r>
+            <a:r>
+              <a:rPr sz="2800" dirty="0">
+                <a:solidFill>
+                  <a:srgbClr val="7D9029"/>
+                </a:solidFill>
+                <a:latin typeface="Courier"/>
+              </a:rPr>
+              <a:t>shirt =</a:t>
+            </a:r>
+            <a:r>
+              <a:rPr sz="2800" dirty="0">
+                <a:latin typeface="Courier"/>
+              </a:rPr>
+              <a:t> </a:t>
+            </a:r>
+            <a:r>
+              <a:rPr sz="2800" dirty="0">
+                <a:solidFill>
+                  <a:srgbClr val="880000"/>
+                </a:solidFill>
+                <a:latin typeface="Courier"/>
+              </a:rPr>
+              <a:t>TRUE</a:t>
+            </a:r>
+            <a:r>
+              <a:rPr sz="2800" dirty="0">
                 <a:latin typeface="Courier"/>
               </a:rPr>
               <a:t>)</a:t>
             </a:r>
-            <a:br/>
-            <a:r>
-              <a:rPr>
-                <a:latin typeface="Courier"/>
-              </a:rPr>
-              <a:t>my_morning </a:t>
-            </a:r>
-            <a:r>
-              <a:rPr>
+            <a:br>
+              <a:rPr sz="2800" dirty="0"/>
+            </a:br>
+            <a:r>
+              <a:rPr sz="2800" dirty="0" err="1">
+                <a:latin typeface="Courier"/>
+              </a:rPr>
+              <a:t>my_morning</a:t>
+            </a:r>
+            <a:r>
+              <a:rPr sz="2800" dirty="0">
+                <a:latin typeface="Courier"/>
+              </a:rPr>
+              <a:t> </a:t>
+            </a:r>
+            <a:r>
+              <a:rPr sz="2800" dirty="0">
                 <a:solidFill>
                   <a:srgbClr val="007020"/>
                 </a:solidFill>
@@ -7882,246 +8013,94 @@
               <a:t>&lt;-</a:t>
             </a:r>
             <a:r>
-              <a:rPr>
+              <a:rPr sz="2800" dirty="0">
                 <a:latin typeface="Courier"/>
               </a:rPr>
               <a:t> </a:t>
             </a:r>
             <a:r>
-              <a:rPr>
+              <a:rPr sz="2800" dirty="0" err="1">
                 <a:solidFill>
                   <a:srgbClr val="06287E"/>
                 </a:solidFill>
                 <a:latin typeface="Courier"/>
               </a:rPr>
-              <a:t>get_out_of_bed</a:t>
-            </a:r>
-            <a:r>
-              <a:rPr>
-                <a:latin typeface="Courier"/>
-              </a:rPr>
-              <a:t>(my_morning, </a:t>
-            </a:r>
-            <a:r>
-              <a:rPr>
+              <a:t>leave_house</a:t>
+            </a:r>
+            <a:r>
+              <a:rPr sz="2800" dirty="0">
+                <a:latin typeface="Courier"/>
+              </a:rPr>
+              <a:t>(</a:t>
+            </a:r>
+            <a:r>
+              <a:rPr sz="2800" dirty="0" err="1">
+                <a:latin typeface="Courier"/>
+              </a:rPr>
+              <a:t>my_morning</a:t>
+            </a:r>
+            <a:r>
+              <a:rPr sz="2800" dirty="0">
+                <a:latin typeface="Courier"/>
+              </a:rPr>
+              <a:t>, </a:t>
+            </a:r>
+            <a:r>
+              <a:rPr sz="2800" dirty="0">
                 <a:solidFill>
                   <a:srgbClr val="7D9029"/>
                 </a:solidFill>
                 <a:latin typeface="Courier"/>
               </a:rPr>
-              <a:t>side =</a:t>
-            </a:r>
-            <a:r>
-              <a:rPr>
+              <a:t>car =</a:t>
+            </a:r>
+            <a:r>
+              <a:rPr sz="2800" dirty="0">
                 <a:latin typeface="Courier"/>
               </a:rPr>
               <a:t> </a:t>
             </a:r>
             <a:r>
-              <a:rPr>
-                <a:solidFill>
-                  <a:srgbClr val="4070A0"/>
-                </a:solidFill>
-                <a:latin typeface="Courier"/>
-              </a:rPr>
-              <a:t>"correct"</a:t>
-            </a:r>
-            <a:r>
-              <a:rPr>
-                <a:latin typeface="Courier"/>
-              </a:rPr>
-              <a:t>)</a:t>
-            </a:r>
-            <a:br/>
-            <a:r>
-              <a:rPr>
-                <a:latin typeface="Courier"/>
-              </a:rPr>
-              <a:t>my_morning </a:t>
-            </a:r>
-            <a:r>
-              <a:rPr>
-                <a:solidFill>
-                  <a:srgbClr val="007020"/>
-                </a:solidFill>
-                <a:latin typeface="Courier"/>
-              </a:rPr>
-              <a:t>&lt;-</a:t>
-            </a:r>
-            <a:r>
-              <a:rPr>
+              <a:rPr sz="2800" dirty="0">
+                <a:solidFill>
+                  <a:srgbClr val="880000"/>
+                </a:solidFill>
+                <a:latin typeface="Courier"/>
+              </a:rPr>
+              <a:t>TRUE</a:t>
+            </a:r>
+            <a:r>
+              <a:rPr sz="2800" dirty="0">
+                <a:latin typeface="Courier"/>
+              </a:rPr>
+              <a:t>, </a:t>
+            </a:r>
+            <a:r>
+              <a:rPr sz="2800" dirty="0">
+                <a:solidFill>
+                  <a:srgbClr val="7D9029"/>
+                </a:solidFill>
+                <a:latin typeface="Courier"/>
+              </a:rPr>
+              <a:t>bike =</a:t>
+            </a:r>
+            <a:r>
+              <a:rPr sz="2800" dirty="0">
                 <a:latin typeface="Courier"/>
               </a:rPr>
               <a:t> </a:t>
             </a:r>
             <a:r>
-              <a:rPr>
-                <a:solidFill>
-                  <a:srgbClr val="06287E"/>
-                </a:solidFill>
-                <a:latin typeface="Courier"/>
-              </a:rPr>
-              <a:t>get_dressed</a:t>
-            </a:r>
-            <a:r>
-              <a:rPr>
-                <a:latin typeface="Courier"/>
-              </a:rPr>
-              <a:t>(my_morning, </a:t>
-            </a:r>
-            <a:r>
-              <a:rPr>
-                <a:solidFill>
-                  <a:srgbClr val="7D9029"/>
-                </a:solidFill>
-                <a:latin typeface="Courier"/>
-              </a:rPr>
-              <a:t>pants =</a:t>
-            </a:r>
-            <a:r>
-              <a:rPr>
-                <a:latin typeface="Courier"/>
-              </a:rPr>
-              <a:t> </a:t>
-            </a:r>
-            <a:r>
-              <a:rPr>
+              <a:rPr sz="2800" dirty="0">
                 <a:solidFill>
                   <a:srgbClr val="880000"/>
                 </a:solidFill>
                 <a:latin typeface="Courier"/>
               </a:rPr>
-              <a:t>TRUE</a:t>
-            </a:r>
-            <a:r>
-              <a:rPr>
-                <a:latin typeface="Courier"/>
-              </a:rPr>
-              <a:t>, </a:t>
-            </a:r>
-            <a:r>
-              <a:rPr>
-                <a:solidFill>
-                  <a:srgbClr val="7D9029"/>
-                </a:solidFill>
-                <a:latin typeface="Courier"/>
-              </a:rPr>
-              <a:t>shirt =</a:t>
-            </a:r>
-            <a:r>
-              <a:rPr>
-                <a:latin typeface="Courier"/>
-              </a:rPr>
-              <a:t> </a:t>
-            </a:r>
-            <a:r>
-              <a:rPr>
-                <a:solidFill>
-                  <a:srgbClr val="880000"/>
-                </a:solidFill>
-                <a:latin typeface="Courier"/>
-              </a:rPr>
-              <a:t>TRUE</a:t>
-            </a:r>
-            <a:r>
-              <a:rPr>
-                <a:latin typeface="Courier"/>
-              </a:rPr>
-              <a:t>)</a:t>
-            </a:r>
-            <a:br/>
-            <a:r>
-              <a:rPr>
-                <a:latin typeface="Courier"/>
-              </a:rPr>
-              <a:t>my_morning </a:t>
-            </a:r>
-            <a:r>
-              <a:rPr>
-                <a:solidFill>
-                  <a:srgbClr val="007020"/>
-                </a:solidFill>
-                <a:latin typeface="Courier"/>
-              </a:rPr>
-              <a:t>&lt;-</a:t>
-            </a:r>
-            <a:r>
-              <a:rPr>
-                <a:latin typeface="Courier"/>
-              </a:rPr>
-              <a:t> </a:t>
-            </a:r>
-            <a:r>
-              <a:rPr>
-                <a:solidFill>
-                  <a:srgbClr val="06287E"/>
-                </a:solidFill>
-                <a:latin typeface="Courier"/>
-              </a:rPr>
-              <a:t>leave_house</a:t>
-            </a:r>
-            <a:r>
-              <a:rPr>
-                <a:latin typeface="Courier"/>
-              </a:rPr>
-              <a:t>(my_morning, </a:t>
-            </a:r>
-            <a:r>
-              <a:rPr>
-                <a:solidFill>
-                  <a:srgbClr val="7D9029"/>
-                </a:solidFill>
-                <a:latin typeface="Courier"/>
-              </a:rPr>
-              <a:t>car =</a:t>
-            </a:r>
-            <a:r>
-              <a:rPr>
-                <a:latin typeface="Courier"/>
-              </a:rPr>
-              <a:t> </a:t>
-            </a:r>
-            <a:r>
-              <a:rPr>
-                <a:solidFill>
-                  <a:srgbClr val="880000"/>
-                </a:solidFill>
-                <a:latin typeface="Courier"/>
-              </a:rPr>
-              <a:t>TRUE</a:t>
-            </a:r>
-            <a:r>
-              <a:rPr>
-                <a:latin typeface="Courier"/>
-              </a:rPr>
-              <a:t>, </a:t>
-            </a:r>
-            <a:r>
-              <a:rPr>
-                <a:solidFill>
-                  <a:srgbClr val="7D9029"/>
-                </a:solidFill>
-                <a:latin typeface="Courier"/>
-              </a:rPr>
-              <a:t>bike =</a:t>
-            </a:r>
-            <a:r>
-              <a:rPr>
-                <a:latin typeface="Courier"/>
-              </a:rPr>
-              <a:t> </a:t>
-            </a:r>
-            <a:r>
-              <a:rPr>
-                <a:solidFill>
-                  <a:srgbClr val="880000"/>
-                </a:solidFill>
-                <a:latin typeface="Courier"/>
-              </a:rPr>
               <a:t>FALSE</a:t>
             </a:r>
             <a:r>
-              <a:rPr>
+              <a:rPr sz="2800" dirty="0">
                 <a:latin typeface="Courier"/>
               </a:rPr>
               <a:t>)</a:t>
@@ -8131,6 +8110,9 @@
       </p:sp>
     </p:spTree>
   </p:cSld>
+  <p:clrMapOvr>
+    <a:masterClrMapping/>
+  </p:clrMapOvr>
 </p:sld>
 </file>
 

--- a/slides/01---Reproducible-Research.pptx
+++ b/slides/01---Reproducible-Research.pptx
@@ -331,7 +331,7 @@
           <a:p>
             <a:fld id="{241EB5C9-1307-BA42-ABA2-0BC069CD8E7F}" type="datetimeFigureOut">
               <a:rPr lang="en-US" smtClean="0"/>
-              <a:t>2/23/21</a:t>
+              <a:t>4/9/22</a:t>
             </a:fld>
             <a:endParaRPr lang="en-US"/>
           </a:p>
@@ -499,7 +499,7 @@
           <a:p>
             <a:fld id="{241EB5C9-1307-BA42-ABA2-0BC069CD8E7F}" type="datetimeFigureOut">
               <a:rPr lang="en-US" smtClean="0"/>
-              <a:t>2/23/21</a:t>
+              <a:t>4/9/22</a:t>
             </a:fld>
             <a:endParaRPr lang="en-US"/>
           </a:p>
@@ -677,7 +677,7 @@
           <a:p>
             <a:fld id="{241EB5C9-1307-BA42-ABA2-0BC069CD8E7F}" type="datetimeFigureOut">
               <a:rPr lang="en-US" smtClean="0"/>
-              <a:t>2/23/21</a:t>
+              <a:t>4/9/22</a:t>
             </a:fld>
             <a:endParaRPr lang="en-US"/>
           </a:p>
@@ -845,7 +845,7 @@
           <a:p>
             <a:fld id="{241EB5C9-1307-BA42-ABA2-0BC069CD8E7F}" type="datetimeFigureOut">
               <a:rPr lang="en-US" smtClean="0"/>
-              <a:t>2/23/21</a:t>
+              <a:t>4/9/22</a:t>
             </a:fld>
             <a:endParaRPr lang="en-US"/>
           </a:p>
@@ -1090,7 +1090,7 @@
           <a:p>
             <a:fld id="{241EB5C9-1307-BA42-ABA2-0BC069CD8E7F}" type="datetimeFigureOut">
               <a:rPr lang="en-US" smtClean="0"/>
-              <a:t>2/23/21</a:t>
+              <a:t>4/9/22</a:t>
             </a:fld>
             <a:endParaRPr lang="en-US"/>
           </a:p>
@@ -1375,7 +1375,7 @@
           <a:p>
             <a:fld id="{241EB5C9-1307-BA42-ABA2-0BC069CD8E7F}" type="datetimeFigureOut">
               <a:rPr lang="en-US" smtClean="0"/>
-              <a:t>2/23/21</a:t>
+              <a:t>4/9/22</a:t>
             </a:fld>
             <a:endParaRPr lang="en-US"/>
           </a:p>
@@ -1794,7 +1794,7 @@
           <a:p>
             <a:fld id="{241EB5C9-1307-BA42-ABA2-0BC069CD8E7F}" type="datetimeFigureOut">
               <a:rPr lang="en-US" smtClean="0"/>
-              <a:t>2/23/21</a:t>
+              <a:t>4/9/22</a:t>
             </a:fld>
             <a:endParaRPr lang="en-US"/>
           </a:p>
@@ -1911,7 +1911,7 @@
           <a:p>
             <a:fld id="{241EB5C9-1307-BA42-ABA2-0BC069CD8E7F}" type="datetimeFigureOut">
               <a:rPr lang="en-US" smtClean="0"/>
-              <a:t>2/23/21</a:t>
+              <a:t>4/9/22</a:t>
             </a:fld>
             <a:endParaRPr lang="en-US"/>
           </a:p>
@@ -2006,7 +2006,7 @@
           <a:p>
             <a:fld id="{241EB5C9-1307-BA42-ABA2-0BC069CD8E7F}" type="datetimeFigureOut">
               <a:rPr lang="en-US" smtClean="0"/>
-              <a:t>2/23/21</a:t>
+              <a:t>4/9/22</a:t>
             </a:fld>
             <a:endParaRPr lang="en-US"/>
           </a:p>
@@ -2281,7 +2281,7 @@
           <a:p>
             <a:fld id="{241EB5C9-1307-BA42-ABA2-0BC069CD8E7F}" type="datetimeFigureOut">
               <a:rPr lang="en-US" smtClean="0"/>
-              <a:t>2/23/21</a:t>
+              <a:t>4/9/22</a:t>
             </a:fld>
             <a:endParaRPr lang="en-US"/>
           </a:p>
@@ -2533,7 +2533,7 @@
           <a:p>
             <a:fld id="{241EB5C9-1307-BA42-ABA2-0BC069CD8E7F}" type="datetimeFigureOut">
               <a:rPr lang="en-US" smtClean="0"/>
-              <a:t>2/23/21</a:t>
+              <a:t>4/9/22</a:t>
             </a:fld>
             <a:endParaRPr lang="en-US"/>
           </a:p>
@@ -2744,7 +2744,7 @@
           <a:p>
             <a:fld id="{241EB5C9-1307-BA42-ABA2-0BC069CD8E7F}" type="datetimeFigureOut">
               <a:rPr lang="en-US" smtClean="0"/>
-              <a:t>2/23/21</a:t>
+              <a:t>4/9/22</a:t>
             </a:fld>
             <a:endParaRPr lang="en-US"/>
           </a:p>
@@ -5024,7 +5024,15 @@
             </a:pPr>
             <a:r>
               <a:rPr dirty="0"/>
-              <a:t>In the Directory Name prompt under Create New Project, enter “msacl-201-project”</a:t>
+              <a:t>In the Directory Name prompt under Create New Project, enter “</a:t>
+            </a:r>
+            <a:r>
+              <a:rPr lang="en-US" dirty="0"/>
+              <a:t>sample-project-structure</a:t>
+            </a:r>
+            <a:r>
+              <a:rPr dirty="0"/>
+              <a:t>”</a:t>
             </a:r>
           </a:p>
           <a:p>
